--- a/Repliclade_final/Repliclade.pptx
+++ b/Repliclade_final/Repliclade.pptx
@@ -6,6 +6,12 @@
   </p:sldMasterIdLst>
   <p:sldIdLst>
     <p:sldId id="256" r:id="rId2"/>
+    <p:sldId id="257" r:id="rId3"/>
+    <p:sldId id="258" r:id="rId4"/>
+    <p:sldId id="259" r:id="rId5"/>
+    <p:sldId id="261" r:id="rId6"/>
+    <p:sldId id="262" r:id="rId7"/>
+    <p:sldId id="263" r:id="rId8"/>
   </p:sldIdLst>
   <p:sldSz cx="12192000" cy="6858000"/>
   <p:notesSz cx="6858000" cy="9144000"/>
@@ -5835,9 +5841,10 @@
               <a:t> </a:t>
             </a:r>
             <a:r>
-              <a:rPr lang="en-US"/>
+              <a:rPr lang="en-US" dirty="0" err="1"/>
               <a:t>dehari</a:t>
             </a:r>
+            <a:endParaRPr lang="en-US" dirty="0"/>
           </a:p>
         </p:txBody>
       </p:sp>
@@ -5845,6 +5852,1519 @@
     <p:extLst>
       <p:ext uri="{BB962C8B-B14F-4D97-AF65-F5344CB8AC3E}">
         <p14:creationId xmlns:p14="http://schemas.microsoft.com/office/powerpoint/2010/main" val="4065904787"/>
+      </p:ext>
+    </p:extLst>
+  </p:cSld>
+  <p:clrMapOvr>
+    <a:masterClrMapping/>
+  </p:clrMapOvr>
+</p:sld>
+</file>
+
+<file path=ppt/slides/slide2.xml><?xml version="1.0" encoding="utf-8"?>
+<p:sld xmlns:a="http://schemas.openxmlformats.org/drawingml/2006/main" xmlns:r="http://schemas.openxmlformats.org/officeDocument/2006/relationships" xmlns:p="http://schemas.openxmlformats.org/presentationml/2006/main">
+  <p:cSld>
+    <p:spTree>
+      <p:nvGrpSpPr>
+        <p:cNvPr id="1" name=""/>
+        <p:cNvGrpSpPr/>
+        <p:nvPr/>
+      </p:nvGrpSpPr>
+      <p:grpSpPr>
+        <a:xfrm>
+          <a:off x="0" y="0"/>
+          <a:ext cx="0" cy="0"/>
+          <a:chOff x="0" y="0"/>
+          <a:chExt cx="0" cy="0"/>
+        </a:xfrm>
+      </p:grpSpPr>
+      <p:sp>
+        <p:nvSpPr>
+          <p:cNvPr id="2" name="Title 1">
+            <a:extLst>
+              <a:ext uri="{FF2B5EF4-FFF2-40B4-BE49-F238E27FC236}">
+                <a16:creationId xmlns:a16="http://schemas.microsoft.com/office/drawing/2014/main" id="{BD4F7A78-CA4C-A545-A79D-95AE1FACCA25}"/>
+              </a:ext>
+            </a:extLst>
+          </p:cNvPr>
+          <p:cNvSpPr>
+            <a:spLocks noGrp="1"/>
+          </p:cNvSpPr>
+          <p:nvPr>
+            <p:ph type="title"/>
+          </p:nvPr>
+        </p:nvSpPr>
+        <p:spPr/>
+        <p:txBody>
+          <a:bodyPr/>
+          <a:lstStyle/>
+          <a:p>
+            <a:r>
+              <a:rPr lang="en-US" dirty="0"/>
+              <a:t>Introduction</a:t>
+            </a:r>
+          </a:p>
+        </p:txBody>
+      </p:sp>
+      <p:sp>
+        <p:nvSpPr>
+          <p:cNvPr id="3" name="Content Placeholder 2">
+            <a:extLst>
+              <a:ext uri="{FF2B5EF4-FFF2-40B4-BE49-F238E27FC236}">
+                <a16:creationId xmlns:a16="http://schemas.microsoft.com/office/drawing/2014/main" id="{08E9EBEF-FE4A-064B-9EEE-ABEAE71AF13E}"/>
+              </a:ext>
+            </a:extLst>
+          </p:cNvPr>
+          <p:cNvSpPr>
+            <a:spLocks noGrp="1"/>
+          </p:cNvSpPr>
+          <p:nvPr>
+            <p:ph idx="1"/>
+          </p:nvPr>
+        </p:nvSpPr>
+        <p:spPr/>
+        <p:txBody>
+          <a:bodyPr/>
+          <a:lstStyle/>
+          <a:p>
+            <a:r>
+              <a:rPr lang="en-US" dirty="0"/>
+              <a:t>DNA sequence evolution simulation is an ever-evolving field filled with different algorithms and programs which tackle the problem from a variety of different angles using various methods</a:t>
+            </a:r>
+          </a:p>
+          <a:p>
+            <a:r>
+              <a:rPr lang="en-US" dirty="0"/>
+              <a:t>There is a vital need for a program which consolidates various evolutionary principles and models to produce better results based on the specific users’ preferences</a:t>
+            </a:r>
+          </a:p>
+          <a:p>
+            <a:r>
+              <a:rPr lang="en-US" dirty="0"/>
+              <a:t>There are many different evolutionary models developed by experts over the years to incorporate elements of DNA sequence evolution</a:t>
+            </a:r>
+          </a:p>
+          <a:p>
+            <a:r>
+              <a:rPr lang="en-US" dirty="0"/>
+              <a:t>Whilst some are more accurate than others, it is important to allow the user to choose based on their preferences, since different types of genomes tend to evolve differently than others under various evolutionary forces</a:t>
+            </a:r>
+          </a:p>
+          <a:p>
+            <a:endParaRPr lang="en-US" dirty="0"/>
+          </a:p>
+        </p:txBody>
+      </p:sp>
+    </p:spTree>
+    <p:extLst>
+      <p:ext uri="{BB962C8B-B14F-4D97-AF65-F5344CB8AC3E}">
+        <p14:creationId xmlns:p14="http://schemas.microsoft.com/office/powerpoint/2010/main" val="2074365441"/>
+      </p:ext>
+    </p:extLst>
+  </p:cSld>
+  <p:clrMapOvr>
+    <a:masterClrMapping/>
+  </p:clrMapOvr>
+</p:sld>
+</file>
+
+<file path=ppt/slides/slide3.xml><?xml version="1.0" encoding="utf-8"?>
+<p:sld xmlns:a="http://schemas.openxmlformats.org/drawingml/2006/main" xmlns:r="http://schemas.openxmlformats.org/officeDocument/2006/relationships" xmlns:p="http://schemas.openxmlformats.org/presentationml/2006/main">
+  <p:cSld>
+    <p:spTree>
+      <p:nvGrpSpPr>
+        <p:cNvPr id="1" name=""/>
+        <p:cNvGrpSpPr/>
+        <p:nvPr/>
+      </p:nvGrpSpPr>
+      <p:grpSpPr>
+        <a:xfrm>
+          <a:off x="0" y="0"/>
+          <a:ext cx="0" cy="0"/>
+          <a:chOff x="0" y="0"/>
+          <a:chExt cx="0" cy="0"/>
+        </a:xfrm>
+      </p:grpSpPr>
+      <p:sp>
+        <p:nvSpPr>
+          <p:cNvPr id="2" name="Title 1">
+            <a:extLst>
+              <a:ext uri="{FF2B5EF4-FFF2-40B4-BE49-F238E27FC236}">
+                <a16:creationId xmlns:a16="http://schemas.microsoft.com/office/drawing/2014/main" id="{EBA139EB-A002-0245-AC8A-21CA557EC17A}"/>
+              </a:ext>
+            </a:extLst>
+          </p:cNvPr>
+          <p:cNvSpPr>
+            <a:spLocks noGrp="1"/>
+          </p:cNvSpPr>
+          <p:nvPr>
+            <p:ph type="title"/>
+          </p:nvPr>
+        </p:nvSpPr>
+        <p:spPr/>
+        <p:txBody>
+          <a:bodyPr/>
+          <a:lstStyle/>
+          <a:p>
+            <a:r>
+              <a:rPr lang="en-US" dirty="0"/>
+              <a:t>Introduction continued</a:t>
+            </a:r>
+          </a:p>
+        </p:txBody>
+      </p:sp>
+      <p:sp>
+        <p:nvSpPr>
+          <p:cNvPr id="3" name="Content Placeholder 2">
+            <a:extLst>
+              <a:ext uri="{FF2B5EF4-FFF2-40B4-BE49-F238E27FC236}">
+                <a16:creationId xmlns:a16="http://schemas.microsoft.com/office/drawing/2014/main" id="{D5FDF3AD-71B4-FE42-97CE-41C9263FB77B}"/>
+              </a:ext>
+            </a:extLst>
+          </p:cNvPr>
+          <p:cNvSpPr>
+            <a:spLocks noGrp="1"/>
+          </p:cNvSpPr>
+          <p:nvPr>
+            <p:ph idx="1"/>
+          </p:nvPr>
+        </p:nvSpPr>
+        <p:spPr/>
+        <p:txBody>
+          <a:bodyPr/>
+          <a:lstStyle/>
+          <a:p>
+            <a:r>
+              <a:rPr lang="en-US" dirty="0"/>
+              <a:t>Although direct observation is still the preferred method of sequence parameter extraction, there are also various ways to extract sequence characteristics via probabilistic and computational methods</a:t>
+            </a:r>
+          </a:p>
+          <a:p>
+            <a:r>
+              <a:rPr lang="en-US" dirty="0"/>
+              <a:t>Looking at orthologous or homologous genes which are related to the original sequence, one is able to extract various parameters such as mutation rate and effective population size using the aforementioned methods</a:t>
+            </a:r>
+          </a:p>
+          <a:p>
+            <a:r>
+              <a:rPr lang="en-US" dirty="0"/>
+              <a:t>There are not many tools or programs which currently do this, and one must dig through stacks of literature to isolate the best methods for sequence parameter extraction</a:t>
+            </a:r>
+          </a:p>
+          <a:p>
+            <a:endParaRPr lang="en-US" dirty="0"/>
+          </a:p>
+          <a:p>
+            <a:endParaRPr lang="en-US" dirty="0"/>
+          </a:p>
+          <a:p>
+            <a:endParaRPr lang="en-US" dirty="0"/>
+          </a:p>
+        </p:txBody>
+      </p:sp>
+    </p:spTree>
+    <p:extLst>
+      <p:ext uri="{BB962C8B-B14F-4D97-AF65-F5344CB8AC3E}">
+        <p14:creationId xmlns:p14="http://schemas.microsoft.com/office/powerpoint/2010/main" val="3114363443"/>
+      </p:ext>
+    </p:extLst>
+  </p:cSld>
+  <p:clrMapOvr>
+    <a:masterClrMapping/>
+  </p:clrMapOvr>
+</p:sld>
+</file>
+
+<file path=ppt/slides/slide4.xml><?xml version="1.0" encoding="utf-8"?>
+<p:sld xmlns:a="http://schemas.openxmlformats.org/drawingml/2006/main" xmlns:r="http://schemas.openxmlformats.org/officeDocument/2006/relationships" xmlns:p="http://schemas.openxmlformats.org/presentationml/2006/main">
+  <p:cSld>
+    <p:spTree>
+      <p:nvGrpSpPr>
+        <p:cNvPr id="1" name=""/>
+        <p:cNvGrpSpPr/>
+        <p:nvPr/>
+      </p:nvGrpSpPr>
+      <p:grpSpPr>
+        <a:xfrm>
+          <a:off x="0" y="0"/>
+          <a:ext cx="0" cy="0"/>
+          <a:chOff x="0" y="0"/>
+          <a:chExt cx="0" cy="0"/>
+        </a:xfrm>
+      </p:grpSpPr>
+      <p:sp>
+        <p:nvSpPr>
+          <p:cNvPr id="2" name="Title 1">
+            <a:extLst>
+              <a:ext uri="{FF2B5EF4-FFF2-40B4-BE49-F238E27FC236}">
+                <a16:creationId xmlns:a16="http://schemas.microsoft.com/office/drawing/2014/main" id="{0706C024-1484-314D-9238-832DAA8D2578}"/>
+              </a:ext>
+            </a:extLst>
+          </p:cNvPr>
+          <p:cNvSpPr>
+            <a:spLocks noGrp="1"/>
+          </p:cNvSpPr>
+          <p:nvPr>
+            <p:ph type="title"/>
+          </p:nvPr>
+        </p:nvSpPr>
+        <p:spPr/>
+        <p:txBody>
+          <a:bodyPr/>
+          <a:lstStyle/>
+          <a:p>
+            <a:r>
+              <a:rPr lang="en-US" dirty="0"/>
+              <a:t>purpose</a:t>
+            </a:r>
+          </a:p>
+        </p:txBody>
+      </p:sp>
+      <p:sp>
+        <p:nvSpPr>
+          <p:cNvPr id="3" name="Content Placeholder 2">
+            <a:extLst>
+              <a:ext uri="{FF2B5EF4-FFF2-40B4-BE49-F238E27FC236}">
+                <a16:creationId xmlns:a16="http://schemas.microsoft.com/office/drawing/2014/main" id="{39A09D07-90D1-8242-9222-BA8324E1AE46}"/>
+              </a:ext>
+            </a:extLst>
+          </p:cNvPr>
+          <p:cNvSpPr>
+            <a:spLocks noGrp="1"/>
+          </p:cNvSpPr>
+          <p:nvPr>
+            <p:ph idx="1"/>
+          </p:nvPr>
+        </p:nvSpPr>
+        <p:spPr/>
+        <p:txBody>
+          <a:bodyPr/>
+          <a:lstStyle/>
+          <a:p>
+            <a:r>
+              <a:rPr lang="en-US" dirty="0" err="1"/>
+              <a:t>Repliclade’s</a:t>
+            </a:r>
+            <a:r>
+              <a:rPr lang="en-US" dirty="0"/>
+              <a:t> main purpose is to consolidate these evolutionary models and statistical methods of sequence parameter extraction while providing the user with the ability to simulate an ancestral sequence based on their choices for methods and evolutionary models</a:t>
+            </a:r>
+          </a:p>
+          <a:p>
+            <a:r>
+              <a:rPr lang="en-US" dirty="0"/>
+              <a:t>It hopes to provide a more accurate representation of DNA sequence evolution through the flexibility of user controlled choices to better fit the original DNA sequence provided by the user</a:t>
+            </a:r>
+          </a:p>
+          <a:p>
+            <a:r>
+              <a:rPr lang="en-US" dirty="0"/>
+              <a:t>Will also provide a tool for ancestral sequence inference based on </a:t>
+            </a:r>
+            <a:r>
+              <a:rPr lang="en-US" i="1" dirty="0"/>
+              <a:t>Coalescence Theory </a:t>
+            </a:r>
+            <a:r>
+              <a:rPr lang="en-US" dirty="0"/>
+              <a:t>using the existing BLAST algorithm</a:t>
+            </a:r>
+          </a:p>
+          <a:p>
+            <a:endParaRPr lang="en-US" dirty="0"/>
+          </a:p>
+          <a:p>
+            <a:endParaRPr lang="en-US" dirty="0"/>
+          </a:p>
+        </p:txBody>
+      </p:sp>
+    </p:spTree>
+    <p:extLst>
+      <p:ext uri="{BB962C8B-B14F-4D97-AF65-F5344CB8AC3E}">
+        <p14:creationId xmlns:p14="http://schemas.microsoft.com/office/powerpoint/2010/main" val="2379612647"/>
+      </p:ext>
+    </p:extLst>
+  </p:cSld>
+  <p:clrMapOvr>
+    <a:masterClrMapping/>
+  </p:clrMapOvr>
+</p:sld>
+</file>
+
+<file path=ppt/slides/slide5.xml><?xml version="1.0" encoding="utf-8"?>
+<p:sld xmlns:a="http://schemas.openxmlformats.org/drawingml/2006/main" xmlns:r="http://schemas.openxmlformats.org/officeDocument/2006/relationships" xmlns:p="http://schemas.openxmlformats.org/presentationml/2006/main">
+  <p:cSld>
+    <p:spTree>
+      <p:nvGrpSpPr>
+        <p:cNvPr id="1" name=""/>
+        <p:cNvGrpSpPr/>
+        <p:nvPr/>
+      </p:nvGrpSpPr>
+      <p:grpSpPr>
+        <a:xfrm>
+          <a:off x="0" y="0"/>
+          <a:ext cx="0" cy="0"/>
+          <a:chOff x="0" y="0"/>
+          <a:chExt cx="0" cy="0"/>
+        </a:xfrm>
+      </p:grpSpPr>
+      <p:sp>
+        <p:nvSpPr>
+          <p:cNvPr id="2" name="Title 1">
+            <a:extLst>
+              <a:ext uri="{FF2B5EF4-FFF2-40B4-BE49-F238E27FC236}">
+                <a16:creationId xmlns:a16="http://schemas.microsoft.com/office/drawing/2014/main" id="{E30A87E7-8886-0B45-B73C-039883EF086A}"/>
+              </a:ext>
+            </a:extLst>
+          </p:cNvPr>
+          <p:cNvSpPr>
+            <a:spLocks noGrp="1"/>
+          </p:cNvSpPr>
+          <p:nvPr>
+            <p:ph type="title"/>
+          </p:nvPr>
+        </p:nvSpPr>
+        <p:spPr/>
+        <p:txBody>
+          <a:bodyPr>
+            <a:normAutofit/>
+          </a:bodyPr>
+          <a:lstStyle/>
+          <a:p>
+            <a:r>
+              <a:rPr lang="en-US" sz="6000" dirty="0"/>
+              <a:t>methods</a:t>
+            </a:r>
+          </a:p>
+        </p:txBody>
+      </p:sp>
+      <p:sp>
+        <p:nvSpPr>
+          <p:cNvPr id="3" name="Text Placeholder 2">
+            <a:extLst>
+              <a:ext uri="{FF2B5EF4-FFF2-40B4-BE49-F238E27FC236}">
+                <a16:creationId xmlns:a16="http://schemas.microsoft.com/office/drawing/2014/main" id="{45A481AA-243E-034B-87A3-D3C53417926E}"/>
+              </a:ext>
+            </a:extLst>
+          </p:cNvPr>
+          <p:cNvSpPr>
+            <a:spLocks noGrp="1"/>
+          </p:cNvSpPr>
+          <p:nvPr>
+            <p:ph type="body" idx="1"/>
+          </p:nvPr>
+        </p:nvSpPr>
+        <p:spPr/>
+        <p:txBody>
+          <a:bodyPr/>
+          <a:lstStyle/>
+          <a:p>
+            <a:r>
+              <a:rPr lang="en-US" dirty="0"/>
+              <a:t>Evolutionary models</a:t>
+            </a:r>
+          </a:p>
+        </p:txBody>
+      </p:sp>
+    </p:spTree>
+    <p:extLst>
+      <p:ext uri="{BB962C8B-B14F-4D97-AF65-F5344CB8AC3E}">
+        <p14:creationId xmlns:p14="http://schemas.microsoft.com/office/powerpoint/2010/main" val="1856901961"/>
+      </p:ext>
+    </p:extLst>
+  </p:cSld>
+  <p:clrMapOvr>
+    <a:masterClrMapping/>
+  </p:clrMapOvr>
+</p:sld>
+</file>
+
+<file path=ppt/slides/slide6.xml><?xml version="1.0" encoding="utf-8"?>
+<p:sld xmlns:a="http://schemas.openxmlformats.org/drawingml/2006/main" xmlns:r="http://schemas.openxmlformats.org/officeDocument/2006/relationships" xmlns:p="http://schemas.openxmlformats.org/presentationml/2006/main">
+  <p:cSld>
+    <p:spTree>
+      <p:nvGrpSpPr>
+        <p:cNvPr id="1" name=""/>
+        <p:cNvGrpSpPr/>
+        <p:nvPr/>
+      </p:nvGrpSpPr>
+      <p:grpSpPr>
+        <a:xfrm>
+          <a:off x="0" y="0"/>
+          <a:ext cx="0" cy="0"/>
+          <a:chOff x="0" y="0"/>
+          <a:chExt cx="0" cy="0"/>
+        </a:xfrm>
+      </p:grpSpPr>
+      <p:sp>
+        <p:nvSpPr>
+          <p:cNvPr id="2" name="Title 1">
+            <a:extLst>
+              <a:ext uri="{FF2B5EF4-FFF2-40B4-BE49-F238E27FC236}">
+                <a16:creationId xmlns:a16="http://schemas.microsoft.com/office/drawing/2014/main" id="{BB91A40C-8630-304F-8909-61D47F309DA1}"/>
+              </a:ext>
+            </a:extLst>
+          </p:cNvPr>
+          <p:cNvSpPr>
+            <a:spLocks noGrp="1"/>
+          </p:cNvSpPr>
+          <p:nvPr>
+            <p:ph type="title"/>
+          </p:nvPr>
+        </p:nvSpPr>
+        <p:spPr/>
+        <p:txBody>
+          <a:bodyPr/>
+          <a:lstStyle/>
+          <a:p>
+            <a:r>
+              <a:rPr lang="en-US" dirty="0"/>
+              <a:t>What is an evolutionary model</a:t>
+            </a:r>
+          </a:p>
+        </p:txBody>
+      </p:sp>
+      <p:sp>
+        <p:nvSpPr>
+          <p:cNvPr id="3" name="Content Placeholder 2">
+            <a:extLst>
+              <a:ext uri="{FF2B5EF4-FFF2-40B4-BE49-F238E27FC236}">
+                <a16:creationId xmlns:a16="http://schemas.microsoft.com/office/drawing/2014/main" id="{A941B516-1237-F249-A9B5-3EACD91865B4}"/>
+              </a:ext>
+            </a:extLst>
+          </p:cNvPr>
+          <p:cNvSpPr>
+            <a:spLocks noGrp="1"/>
+          </p:cNvSpPr>
+          <p:nvPr>
+            <p:ph idx="1"/>
+          </p:nvPr>
+        </p:nvSpPr>
+        <p:spPr/>
+        <p:txBody>
+          <a:bodyPr>
+            <a:normAutofit lnSpcReduction="10000"/>
+          </a:bodyPr>
+          <a:lstStyle/>
+          <a:p>
+            <a:r>
+              <a:rPr lang="en-US" dirty="0"/>
+              <a:t>An evolutionary model is a probabilistic model used to derive probabilities of DNA sequence evolution</a:t>
+            </a:r>
+          </a:p>
+          <a:p>
+            <a:r>
+              <a:rPr lang="en-US" dirty="0"/>
+              <a:t>Most evolutionary models used a mathematical principle called </a:t>
+            </a:r>
+            <a:r>
+              <a:rPr lang="en-US" i="1" dirty="0"/>
+              <a:t>Continuous Time Markov Chains </a:t>
+            </a:r>
+            <a:r>
+              <a:rPr lang="en-US" dirty="0"/>
+              <a:t>or better known as </a:t>
+            </a:r>
+            <a:r>
+              <a:rPr lang="en-US" i="1" dirty="0"/>
+              <a:t>Markov Models</a:t>
+            </a:r>
+          </a:p>
+          <a:p>
+            <a:r>
+              <a:rPr lang="en-US" dirty="0"/>
+              <a:t>Most evolutionary models use matrices as the physical representation of the probabilities of DNA sequence nucleotide mutation and these physical representations change as time progresses</a:t>
+            </a:r>
+          </a:p>
+          <a:p>
+            <a:r>
+              <a:rPr lang="en-US" dirty="0"/>
+              <a:t>Most evolutionary models compute the probability of a nucleotide base staying the same before computing the probability of a mutation</a:t>
+            </a:r>
+          </a:p>
+          <a:p>
+            <a:r>
+              <a:rPr lang="en-US" dirty="0"/>
+              <a:t>2 parameters to note:</a:t>
+            </a:r>
+          </a:p>
+          <a:p>
+            <a:pPr lvl="1"/>
+            <a:r>
+              <a:rPr lang="en-US" i="1" dirty="0"/>
+              <a:t>t – </a:t>
+            </a:r>
+            <a:r>
+              <a:rPr lang="en-US" dirty="0"/>
+              <a:t>unit of time</a:t>
+            </a:r>
+          </a:p>
+          <a:p>
+            <a:pPr lvl="1"/>
+            <a:r>
+              <a:rPr lang="el-GR" dirty="0"/>
+              <a:t>μ</a:t>
+            </a:r>
+            <a:r>
+              <a:rPr lang="en-US" dirty="0"/>
+              <a:t> – mutation rate (sometimes denoted as </a:t>
+            </a:r>
+            <a:r>
+              <a:rPr lang="el-GR" dirty="0"/>
+              <a:t>α</a:t>
+            </a:r>
+            <a:r>
+              <a:rPr lang="en-US" dirty="0"/>
+              <a:t>)</a:t>
+            </a:r>
+          </a:p>
+          <a:p>
+            <a:pPr lvl="1"/>
+            <a:endParaRPr lang="en-US" i="1" dirty="0"/>
+          </a:p>
+          <a:p>
+            <a:endParaRPr lang="en-US" dirty="0"/>
+          </a:p>
+          <a:p>
+            <a:endParaRPr lang="en-US" i="1" dirty="0"/>
+          </a:p>
+          <a:p>
+            <a:endParaRPr lang="en-US" dirty="0"/>
+          </a:p>
+        </p:txBody>
+      </p:sp>
+      <p:pic>
+        <p:nvPicPr>
+          <p:cNvPr id="5" name="Picture 4">
+            <a:extLst>
+              <a:ext uri="{FF2B5EF4-FFF2-40B4-BE49-F238E27FC236}">
+                <a16:creationId xmlns:a16="http://schemas.microsoft.com/office/drawing/2014/main" id="{39BD6060-9A06-6243-97D0-1AF97064E4C6}"/>
+              </a:ext>
+            </a:extLst>
+          </p:cNvPr>
+          <p:cNvPicPr>
+            <a:picLocks noChangeAspect="1"/>
+          </p:cNvPicPr>
+          <p:nvPr/>
+        </p:nvPicPr>
+        <p:blipFill>
+          <a:blip r:embed="rId2"/>
+          <a:stretch>
+            <a:fillRect/>
+          </a:stretch>
+        </p:blipFill>
+        <p:spPr>
+          <a:xfrm>
+            <a:off x="5590540" y="3966633"/>
+            <a:ext cx="5613400" cy="1092200"/>
+          </a:xfrm>
+          <a:prstGeom prst="rect">
+            <a:avLst/>
+          </a:prstGeom>
+        </p:spPr>
+      </p:pic>
+      <p:sp>
+        <p:nvSpPr>
+          <p:cNvPr id="6" name="TextBox 5">
+            <a:extLst>
+              <a:ext uri="{FF2B5EF4-FFF2-40B4-BE49-F238E27FC236}">
+                <a16:creationId xmlns:a16="http://schemas.microsoft.com/office/drawing/2014/main" id="{0C9D9699-F410-2F45-A680-A8D1F6A13C8F}"/>
+              </a:ext>
+            </a:extLst>
+          </p:cNvPr>
+          <p:cNvSpPr txBox="1"/>
+          <p:nvPr/>
+        </p:nvSpPr>
+        <p:spPr>
+          <a:xfrm>
+            <a:off x="5882640" y="5187887"/>
+            <a:ext cx="5029200" cy="646331"/>
+          </a:xfrm>
+          <a:prstGeom prst="rect">
+            <a:avLst/>
+          </a:prstGeom>
+          <a:noFill/>
+        </p:spPr>
+        <p:txBody>
+          <a:bodyPr wrap="square" rtlCol="0">
+            <a:spAutoFit/>
+          </a:bodyPr>
+          <a:lstStyle/>
+          <a:p>
+            <a:r>
+              <a:rPr lang="en-US" dirty="0"/>
+              <a:t>Fig 1:  An example of a physical representation of a Markov Chain where </a:t>
+            </a:r>
+            <a:r>
+              <a:rPr lang="en-US" i="1" dirty="0"/>
+              <a:t>t </a:t>
+            </a:r>
+            <a:r>
+              <a:rPr lang="en-US" dirty="0"/>
+              <a:t>is the changing parameter</a:t>
+            </a:r>
+          </a:p>
+        </p:txBody>
+      </p:sp>
+      <p:sp>
+        <p:nvSpPr>
+          <p:cNvPr id="7" name="Rectangle 1">
+            <a:extLst>
+              <a:ext uri="{FF2B5EF4-FFF2-40B4-BE49-F238E27FC236}">
+                <a16:creationId xmlns:a16="http://schemas.microsoft.com/office/drawing/2014/main" id="{344F2020-D156-B946-8118-E859EE80E7F8}"/>
+              </a:ext>
+            </a:extLst>
+          </p:cNvPr>
+          <p:cNvSpPr>
+            <a:spLocks noChangeArrowheads="1"/>
+          </p:cNvSpPr>
+          <p:nvPr/>
+        </p:nvSpPr>
+        <p:spPr bwMode="auto">
+          <a:xfrm>
+            <a:off x="0" y="0"/>
+            <a:ext cx="12192000" cy="0"/>
+          </a:xfrm>
+          <a:prstGeom prst="rect">
+            <a:avLst/>
+          </a:prstGeom>
+          <a:noFill/>
+          <a:ln>
+            <a:noFill/>
+          </a:ln>
+          <a:effectLst/>
+          <a:extLst>
+            <a:ext uri="{909E8E84-426E-40DD-AFC4-6F175D3DCCD1}">
+              <a14:hiddenFill xmlns:a14="http://schemas.microsoft.com/office/drawing/2010/main">
+                <a:solidFill>
+                  <a:schemeClr val="accent1"/>
+                </a:solidFill>
+              </a14:hiddenFill>
+            </a:ext>
+            <a:ext uri="{91240B29-F687-4F45-9708-019B960494DF}">
+              <a14:hiddenLine xmlns:a14="http://schemas.microsoft.com/office/drawing/2010/main" w="9525">
+                <a:solidFill>
+                  <a:schemeClr val="tx1"/>
+                </a:solidFill>
+                <a:miter lim="800000"/>
+                <a:headEnd/>
+                <a:tailEnd/>
+              </a14:hiddenLine>
+            </a:ext>
+            <a:ext uri="{AF507438-7753-43E0-B8FC-AC1667EBCBE1}">
+              <a14:hiddenEffects xmlns:a14="http://schemas.microsoft.com/office/drawing/2010/main">
+                <a:effectLst>
+                  <a:outerShdw dist="35921" dir="2700000" algn="ctr" rotWithShape="0">
+                    <a:schemeClr val="bg2"/>
+                  </a:outerShdw>
+                </a:effectLst>
+              </a14:hiddenEffects>
+            </a:ext>
+          </a:extLst>
+        </p:spPr>
+        <p:txBody>
+          <a:bodyPr vert="horz" wrap="none" lIns="91440" tIns="45720" rIns="91440" bIns="45720" numCol="1" anchor="ctr" anchorCtr="0" compatLnSpc="1">
+            <a:prstTxWarp prst="textNoShape">
+              <a:avLst/>
+            </a:prstTxWarp>
+            <a:spAutoFit/>
+          </a:bodyPr>
+          <a:lstStyle>
+            <a:lvl1pPr eaLnBrk="0" fontAlgn="base" hangingPunct="0">
+              <a:spcBef>
+                <a:spcPct val="0"/>
+              </a:spcBef>
+              <a:spcAft>
+                <a:spcPct val="0"/>
+              </a:spcAft>
+              <a:defRPr>
+                <a:solidFill>
+                  <a:schemeClr val="tx1"/>
+                </a:solidFill>
+                <a:latin typeface="Arial" panose="020B0604020202020204" pitchFamily="34" charset="0"/>
+              </a:defRPr>
+            </a:lvl1pPr>
+            <a:lvl2pPr eaLnBrk="0" fontAlgn="base" hangingPunct="0">
+              <a:spcBef>
+                <a:spcPct val="0"/>
+              </a:spcBef>
+              <a:spcAft>
+                <a:spcPct val="0"/>
+              </a:spcAft>
+              <a:defRPr>
+                <a:solidFill>
+                  <a:schemeClr val="tx1"/>
+                </a:solidFill>
+                <a:latin typeface="Arial" panose="020B0604020202020204" pitchFamily="34" charset="0"/>
+              </a:defRPr>
+            </a:lvl2pPr>
+            <a:lvl3pPr eaLnBrk="0" fontAlgn="base" hangingPunct="0">
+              <a:spcBef>
+                <a:spcPct val="0"/>
+              </a:spcBef>
+              <a:spcAft>
+                <a:spcPct val="0"/>
+              </a:spcAft>
+              <a:defRPr>
+                <a:solidFill>
+                  <a:schemeClr val="tx1"/>
+                </a:solidFill>
+                <a:latin typeface="Arial" panose="020B0604020202020204" pitchFamily="34" charset="0"/>
+              </a:defRPr>
+            </a:lvl3pPr>
+            <a:lvl4pPr eaLnBrk="0" fontAlgn="base" hangingPunct="0">
+              <a:spcBef>
+                <a:spcPct val="0"/>
+              </a:spcBef>
+              <a:spcAft>
+                <a:spcPct val="0"/>
+              </a:spcAft>
+              <a:defRPr>
+                <a:solidFill>
+                  <a:schemeClr val="tx1"/>
+                </a:solidFill>
+                <a:latin typeface="Arial" panose="020B0604020202020204" pitchFamily="34" charset="0"/>
+              </a:defRPr>
+            </a:lvl4pPr>
+            <a:lvl5pPr eaLnBrk="0" fontAlgn="base" hangingPunct="0">
+              <a:spcBef>
+                <a:spcPct val="0"/>
+              </a:spcBef>
+              <a:spcAft>
+                <a:spcPct val="0"/>
+              </a:spcAft>
+              <a:defRPr>
+                <a:solidFill>
+                  <a:schemeClr val="tx1"/>
+                </a:solidFill>
+                <a:latin typeface="Arial" panose="020B0604020202020204" pitchFamily="34" charset="0"/>
+              </a:defRPr>
+            </a:lvl5pPr>
+            <a:lvl6pPr eaLnBrk="0" fontAlgn="base" hangingPunct="0">
+              <a:spcBef>
+                <a:spcPct val="0"/>
+              </a:spcBef>
+              <a:spcAft>
+                <a:spcPct val="0"/>
+              </a:spcAft>
+              <a:defRPr>
+                <a:solidFill>
+                  <a:schemeClr val="tx1"/>
+                </a:solidFill>
+                <a:latin typeface="Arial" panose="020B0604020202020204" pitchFamily="34" charset="0"/>
+              </a:defRPr>
+            </a:lvl6pPr>
+            <a:lvl7pPr eaLnBrk="0" fontAlgn="base" hangingPunct="0">
+              <a:spcBef>
+                <a:spcPct val="0"/>
+              </a:spcBef>
+              <a:spcAft>
+                <a:spcPct val="0"/>
+              </a:spcAft>
+              <a:defRPr>
+                <a:solidFill>
+                  <a:schemeClr val="tx1"/>
+                </a:solidFill>
+                <a:latin typeface="Arial" panose="020B0604020202020204" pitchFamily="34" charset="0"/>
+              </a:defRPr>
+            </a:lvl7pPr>
+            <a:lvl8pPr eaLnBrk="0" fontAlgn="base" hangingPunct="0">
+              <a:spcBef>
+                <a:spcPct val="0"/>
+              </a:spcBef>
+              <a:spcAft>
+                <a:spcPct val="0"/>
+              </a:spcAft>
+              <a:defRPr>
+                <a:solidFill>
+                  <a:schemeClr val="tx1"/>
+                </a:solidFill>
+                <a:latin typeface="Arial" panose="020B0604020202020204" pitchFamily="34" charset="0"/>
+              </a:defRPr>
+            </a:lvl8pPr>
+            <a:lvl9pPr eaLnBrk="0" fontAlgn="base" hangingPunct="0">
+              <a:spcBef>
+                <a:spcPct val="0"/>
+              </a:spcBef>
+              <a:spcAft>
+                <a:spcPct val="0"/>
+              </a:spcAft>
+              <a:defRPr>
+                <a:solidFill>
+                  <a:schemeClr val="tx1"/>
+                </a:solidFill>
+                <a:latin typeface="Arial" panose="020B0604020202020204" pitchFamily="34" charset="0"/>
+              </a:defRPr>
+            </a:lvl9pPr>
+          </a:lstStyle>
+          <a:p>
+            <a:pPr marL="0" marR="0" lvl="0" indent="0" algn="l" defTabSz="914400" rtl="0" eaLnBrk="0" fontAlgn="base" latinLnBrk="0" hangingPunct="0">
+              <a:lnSpc>
+                <a:spcPct val="100000"/>
+              </a:lnSpc>
+              <a:spcBef>
+                <a:spcPct val="0"/>
+              </a:spcBef>
+              <a:spcAft>
+                <a:spcPct val="0"/>
+              </a:spcAft>
+              <a:buClrTx/>
+              <a:buSzTx/>
+              <a:buFontTx/>
+              <a:buNone/>
+              <a:tabLst/>
+            </a:pPr>
+            <a:r>
+              <a:rPr kumimoji="0" lang="en-US" altLang="en-US" sz="1000" b="0" i="0" u="none" strike="noStrike" cap="none" normalizeH="0" baseline="0">
+                <a:ln>
+                  <a:noFill/>
+                </a:ln>
+                <a:solidFill>
+                  <a:srgbClr val="202122"/>
+                </a:solidFill>
+                <a:effectLst/>
+                <a:latin typeface="Arial" panose="020B0604020202020204" pitchFamily="34" charset="0"/>
+              </a:rPr>
+              <a:t> </a:t>
+            </a:r>
+            <a:r>
+              <a:rPr kumimoji="0" lang="en-US" altLang="en-US" sz="1000" b="0" i="0" u="none" strike="noStrike" cap="none" normalizeH="0" baseline="0">
+                <a:ln>
+                  <a:noFill/>
+                </a:ln>
+                <a:solidFill>
+                  <a:srgbClr val="202122"/>
+                </a:solidFill>
+                <a:effectLst/>
+                <a:latin typeface="Arial" panose="020B0604020202020204" pitchFamily="34" charset="0"/>
+                <a:cs typeface="Arial" panose="020B0604020202020204" pitchFamily="34" charset="0"/>
+              </a:rPr>
+              <a:t>  </a:t>
+            </a:r>
+            <a:r>
+              <a:rPr kumimoji="0" lang="en-US" altLang="en-US" sz="1900" b="0" i="0" u="none" strike="noStrike" cap="none" normalizeH="0" baseline="0">
+                <a:ln>
+                  <a:noFill/>
+                </a:ln>
+                <a:solidFill>
+                  <a:srgbClr val="202122"/>
+                </a:solidFill>
+                <a:effectLst/>
+                <a:latin typeface="Arial" panose="020B0604020202020204" pitchFamily="34" charset="0"/>
+                <a:cs typeface="Arial" panose="020B0604020202020204" pitchFamily="34" charset="0"/>
+              </a:rPr>
+              <a:t>,</a:t>
+            </a:r>
+            <a:r>
+              <a:rPr kumimoji="0" lang="en-US" altLang="en-US" sz="1000" b="0" i="0" u="none" strike="noStrike" cap="none" normalizeH="0" baseline="0">
+                <a:ln>
+                  <a:noFill/>
+                </a:ln>
+                <a:solidFill>
+                  <a:srgbClr val="202122"/>
+                </a:solidFill>
+                <a:effectLst/>
+                <a:latin typeface="Arial" panose="020B0604020202020204" pitchFamily="34" charset="0"/>
+                <a:cs typeface="Arial" panose="020B0604020202020204" pitchFamily="34" charset="0"/>
+              </a:rPr>
+              <a:t> </a:t>
+            </a:r>
+          </a:p>
+        </p:txBody>
+      </p:sp>
+      <p:sp>
+        <p:nvSpPr>
+          <p:cNvPr id="8" name="AutoShape 2" descr="\mu ">
+            <a:extLst>
+              <a:ext uri="{FF2B5EF4-FFF2-40B4-BE49-F238E27FC236}">
+                <a16:creationId xmlns:a16="http://schemas.microsoft.com/office/drawing/2014/main" id="{9A8082DF-47A1-024F-BE1C-0B333214BAE8}"/>
+              </a:ext>
+            </a:extLst>
+          </p:cNvPr>
+          <p:cNvSpPr>
+            <a:spLocks noChangeAspect="1" noChangeArrowheads="1"/>
+          </p:cNvSpPr>
+          <p:nvPr/>
+        </p:nvSpPr>
+        <p:spPr bwMode="auto">
+          <a:xfrm>
+            <a:off x="92075" y="106680"/>
+            <a:ext cx="304800" cy="304800"/>
+          </a:xfrm>
+          <a:prstGeom prst="rect">
+            <a:avLst/>
+          </a:prstGeom>
+          <a:noFill/>
+          <a:extLst>
+            <a:ext uri="{909E8E84-426E-40DD-AFC4-6F175D3DCCD1}">
+              <a14:hiddenFill xmlns:a14="http://schemas.microsoft.com/office/drawing/2010/main">
+                <a:solidFill>
+                  <a:srgbClr val="FFFFFF"/>
+                </a:solidFill>
+              </a14:hiddenFill>
+            </a:ext>
+          </a:extLst>
+        </p:spPr>
+        <p:txBody>
+          <a:bodyPr vert="horz" wrap="square" lIns="91440" tIns="45720" rIns="91440" bIns="45720" numCol="1" anchor="t" anchorCtr="0" compatLnSpc="1">
+            <a:prstTxWarp prst="textNoShape">
+              <a:avLst/>
+            </a:prstTxWarp>
+          </a:bodyPr>
+          <a:lstStyle/>
+          <a:p>
+            <a:endParaRPr lang="en-US"/>
+          </a:p>
+        </p:txBody>
+      </p:sp>
+    </p:spTree>
+    <p:extLst>
+      <p:ext uri="{BB962C8B-B14F-4D97-AF65-F5344CB8AC3E}">
+        <p14:creationId xmlns:p14="http://schemas.microsoft.com/office/powerpoint/2010/main" val="1698437915"/>
+      </p:ext>
+    </p:extLst>
+  </p:cSld>
+  <p:clrMapOvr>
+    <a:masterClrMapping/>
+  </p:clrMapOvr>
+</p:sld>
+</file>
+
+<file path=ppt/slides/slide7.xml><?xml version="1.0" encoding="utf-8"?>
+<p:sld xmlns:a="http://schemas.openxmlformats.org/drawingml/2006/main" xmlns:r="http://schemas.openxmlformats.org/officeDocument/2006/relationships" xmlns:p="http://schemas.openxmlformats.org/presentationml/2006/main">
+  <p:cSld>
+    <p:spTree>
+      <p:nvGrpSpPr>
+        <p:cNvPr id="1" name=""/>
+        <p:cNvGrpSpPr/>
+        <p:nvPr/>
+      </p:nvGrpSpPr>
+      <p:grpSpPr>
+        <a:xfrm>
+          <a:off x="0" y="0"/>
+          <a:ext cx="0" cy="0"/>
+          <a:chOff x="0" y="0"/>
+          <a:chExt cx="0" cy="0"/>
+        </a:xfrm>
+      </p:grpSpPr>
+      <p:sp>
+        <p:nvSpPr>
+          <p:cNvPr id="2" name="Title 1">
+            <a:extLst>
+              <a:ext uri="{FF2B5EF4-FFF2-40B4-BE49-F238E27FC236}">
+                <a16:creationId xmlns:a16="http://schemas.microsoft.com/office/drawing/2014/main" id="{B772CBB0-1348-FC49-98C1-23F112658A9E}"/>
+              </a:ext>
+            </a:extLst>
+          </p:cNvPr>
+          <p:cNvSpPr>
+            <a:spLocks noGrp="1"/>
+          </p:cNvSpPr>
+          <p:nvPr>
+            <p:ph type="title"/>
+          </p:nvPr>
+        </p:nvSpPr>
+        <p:spPr/>
+        <p:txBody>
+          <a:bodyPr/>
+          <a:lstStyle/>
+          <a:p>
+            <a:r>
+              <a:rPr lang="en-US" dirty="0"/>
+              <a:t>Jukes and cantor 1969 (JC69)</a:t>
+            </a:r>
+          </a:p>
+        </p:txBody>
+      </p:sp>
+      <mc:AlternateContent xmlns:mc="http://schemas.openxmlformats.org/markup-compatibility/2006">
+        <mc:Choice xmlns:a14="http://schemas.microsoft.com/office/drawing/2010/main" Requires="a14">
+          <p:sp>
+            <p:nvSpPr>
+              <p:cNvPr id="3" name="Content Placeholder 2">
+                <a:extLst>
+                  <a:ext uri="{FF2B5EF4-FFF2-40B4-BE49-F238E27FC236}">
+                    <a16:creationId xmlns:a16="http://schemas.microsoft.com/office/drawing/2014/main" id="{C5806CA8-394E-9D4B-A484-B26FA0A8FF0F}"/>
+                  </a:ext>
+                </a:extLst>
+              </p:cNvPr>
+              <p:cNvSpPr>
+                <a:spLocks noGrp="1"/>
+              </p:cNvSpPr>
+              <p:nvPr>
+                <p:ph idx="1"/>
+              </p:nvPr>
+            </p:nvSpPr>
+            <p:spPr/>
+            <p:txBody>
+              <a:bodyPr/>
+              <a:lstStyle/>
+              <a:p>
+                <a:r>
+                  <a:rPr lang="en-US" dirty="0"/>
+                  <a:t>Considered the simplest substitution model</a:t>
+                </a:r>
+              </a:p>
+              <a:p>
+                <a:r>
+                  <a:rPr lang="en-US" dirty="0"/>
+                  <a:t>Assumes equal base frequencies </a:t>
+                </a:r>
+                <a14:m>
+                  <m:oMath xmlns:m="http://schemas.openxmlformats.org/officeDocument/2006/math">
+                    <m:sSub>
+                      <m:sSubPr>
+                        <m:ctrlPr>
+                          <a:rPr lang="en-US" b="0" i="1" smtClean="0">
+                            <a:latin typeface="Cambria Math" panose="02040503050406030204" pitchFamily="18" charset="0"/>
+                          </a:rPr>
+                        </m:ctrlPr>
+                      </m:sSubPr>
+                      <m:e>
+                        <m:r>
+                          <a:rPr lang="en-US" b="0" i="1" smtClean="0">
+                            <a:latin typeface="Cambria Math" panose="02040503050406030204" pitchFamily="18" charset="0"/>
+                          </a:rPr>
+                          <m:t>𝜋</m:t>
+                        </m:r>
+                      </m:e>
+                      <m:sub>
+                        <m:r>
+                          <a:rPr lang="en-US" b="0" i="1" smtClean="0">
+                            <a:latin typeface="Cambria Math" panose="02040503050406030204" pitchFamily="18" charset="0"/>
+                          </a:rPr>
+                          <m:t>𝐴</m:t>
+                        </m:r>
+                      </m:sub>
+                    </m:sSub>
+                    <m:r>
+                      <a:rPr lang="en-US" b="0" i="1" smtClean="0">
+                        <a:latin typeface="Cambria Math" panose="02040503050406030204" pitchFamily="18" charset="0"/>
+                      </a:rPr>
+                      <m:t>=</m:t>
+                    </m:r>
+                    <m:sSub>
+                      <m:sSubPr>
+                        <m:ctrlPr>
+                          <a:rPr lang="en-US" b="0" i="0" smtClean="0">
+                            <a:latin typeface="Cambria Math" panose="02040503050406030204" pitchFamily="18" charset="0"/>
+                          </a:rPr>
+                        </m:ctrlPr>
+                      </m:sSubPr>
+                      <m:e>
+                        <m:r>
+                          <a:rPr lang="en-US" i="1">
+                            <a:latin typeface="Cambria Math" panose="02040503050406030204" pitchFamily="18" charset="0"/>
+                          </a:rPr>
+                          <m:t>𝜋</m:t>
+                        </m:r>
+                      </m:e>
+                      <m:sub>
+                        <m:r>
+                          <m:rPr>
+                            <m:sty m:val="p"/>
+                          </m:rPr>
+                          <a:rPr lang="en-US" b="0" i="0" smtClean="0">
+                            <a:latin typeface="Cambria Math" panose="02040503050406030204" pitchFamily="18" charset="0"/>
+                          </a:rPr>
+                          <m:t>G</m:t>
+                        </m:r>
+                      </m:sub>
+                    </m:sSub>
+                    <m:r>
+                      <a:rPr lang="en-US" b="0" i="0" smtClean="0">
+                        <a:latin typeface="Cambria Math" panose="02040503050406030204" pitchFamily="18" charset="0"/>
+                      </a:rPr>
+                      <m:t>=</m:t>
+                    </m:r>
+                    <m:sSub>
+                      <m:sSubPr>
+                        <m:ctrlPr>
+                          <a:rPr lang="en-US" b="0" i="0" smtClean="0">
+                            <a:latin typeface="Cambria Math" panose="02040503050406030204" pitchFamily="18" charset="0"/>
+                          </a:rPr>
+                        </m:ctrlPr>
+                      </m:sSubPr>
+                      <m:e>
+                        <m:r>
+                          <a:rPr lang="en-US" i="1">
+                            <a:latin typeface="Cambria Math" panose="02040503050406030204" pitchFamily="18" charset="0"/>
+                          </a:rPr>
+                          <m:t>𝜋</m:t>
+                        </m:r>
+                      </m:e>
+                      <m:sub>
+                        <m:r>
+                          <m:rPr>
+                            <m:sty m:val="p"/>
+                          </m:rPr>
+                          <a:rPr lang="en-US" b="0" i="0" smtClean="0">
+                            <a:latin typeface="Cambria Math" panose="02040503050406030204" pitchFamily="18" charset="0"/>
+                          </a:rPr>
+                          <m:t>T</m:t>
+                        </m:r>
+                      </m:sub>
+                    </m:sSub>
+                    <m:r>
+                      <a:rPr lang="en-US" b="0" i="0" smtClean="0">
+                        <a:latin typeface="Cambria Math" panose="02040503050406030204" pitchFamily="18" charset="0"/>
+                      </a:rPr>
+                      <m:t>=</m:t>
+                    </m:r>
+                    <m:sSub>
+                      <m:sSubPr>
+                        <m:ctrlPr>
+                          <a:rPr lang="en-US" b="0" i="1" smtClean="0">
+                            <a:latin typeface="Cambria Math" panose="02040503050406030204" pitchFamily="18" charset="0"/>
+                          </a:rPr>
+                        </m:ctrlPr>
+                      </m:sSubPr>
+                      <m:e>
+                        <m:r>
+                          <a:rPr lang="en-US" i="1">
+                            <a:latin typeface="Cambria Math" panose="02040503050406030204" pitchFamily="18" charset="0"/>
+                          </a:rPr>
+                          <m:t>𝜋</m:t>
+                        </m:r>
+                      </m:e>
+                      <m:sub>
+                        <m:r>
+                          <a:rPr lang="en-US" b="0" i="1" smtClean="0">
+                            <a:latin typeface="Cambria Math" panose="02040503050406030204" pitchFamily="18" charset="0"/>
+                          </a:rPr>
+                          <m:t>𝐶</m:t>
+                        </m:r>
+                      </m:sub>
+                    </m:sSub>
+                    <m:r>
+                      <a:rPr lang="en-US" b="0" i="1" smtClean="0">
+                        <a:latin typeface="Cambria Math" panose="02040503050406030204" pitchFamily="18" charset="0"/>
+                      </a:rPr>
+                      <m:t>= .25 </m:t>
+                    </m:r>
+                  </m:oMath>
+                </a14:m>
+                <a:endParaRPr lang="en-US" dirty="0"/>
+              </a:p>
+              <a:p>
+                <a:r>
+                  <a:rPr lang="en-US" dirty="0"/>
+                  <a:t>Also assumes equal mutation rates µ</a:t>
+                </a:r>
+              </a:p>
+              <a:p>
+                <a14:m>
+                  <m:oMath xmlns:m="http://schemas.openxmlformats.org/officeDocument/2006/math">
+                    <m:sSub>
+                      <m:sSubPr>
+                        <m:ctrlPr>
+                          <a:rPr lang="en-US" b="0" i="1" smtClean="0">
+                            <a:latin typeface="Cambria Math" panose="02040503050406030204" pitchFamily="18" charset="0"/>
+                          </a:rPr>
+                        </m:ctrlPr>
+                      </m:sSubPr>
+                      <m:e>
+                        <m:r>
+                          <a:rPr lang="en-US" b="0" i="1" smtClean="0">
+                            <a:latin typeface="Cambria Math" panose="02040503050406030204" pitchFamily="18" charset="0"/>
+                          </a:rPr>
+                          <m:t>𝑃</m:t>
+                        </m:r>
+                      </m:e>
+                      <m:sub>
+                        <m:r>
+                          <a:rPr lang="en-US" b="0" i="1" smtClean="0">
+                            <a:latin typeface="Cambria Math" panose="02040503050406030204" pitchFamily="18" charset="0"/>
+                          </a:rPr>
+                          <m:t>𝑖𝑖</m:t>
+                        </m:r>
+                      </m:sub>
+                    </m:sSub>
+                    <m:r>
+                      <a:rPr lang="en-US" b="0" i="1" smtClean="0">
+                        <a:latin typeface="Cambria Math" panose="02040503050406030204" pitchFamily="18" charset="0"/>
+                      </a:rPr>
+                      <m:t>=</m:t>
+                    </m:r>
+                    <m:f>
+                      <m:fPr>
+                        <m:ctrlPr>
+                          <a:rPr lang="en-US" b="0" i="1" smtClean="0">
+                            <a:latin typeface="Cambria Math" panose="02040503050406030204" pitchFamily="18" charset="0"/>
+                          </a:rPr>
+                        </m:ctrlPr>
+                      </m:fPr>
+                      <m:num>
+                        <m:r>
+                          <a:rPr lang="en-US" b="0" i="1" smtClean="0">
+                            <a:latin typeface="Cambria Math" panose="02040503050406030204" pitchFamily="18" charset="0"/>
+                          </a:rPr>
+                          <m:t>1</m:t>
+                        </m:r>
+                      </m:num>
+                      <m:den>
+                        <m:r>
+                          <a:rPr lang="en-US" b="0" i="1" smtClean="0">
+                            <a:latin typeface="Cambria Math" panose="02040503050406030204" pitchFamily="18" charset="0"/>
+                          </a:rPr>
+                          <m:t>4</m:t>
+                        </m:r>
+                      </m:den>
+                    </m:f>
+                    <m:r>
+                      <a:rPr lang="en-US" b="0" i="1" smtClean="0">
+                        <a:latin typeface="Cambria Math" panose="02040503050406030204" pitchFamily="18" charset="0"/>
+                      </a:rPr>
+                      <m:t>+</m:t>
+                    </m:r>
+                    <m:f>
+                      <m:fPr>
+                        <m:ctrlPr>
+                          <a:rPr lang="en-US" b="0" i="1" smtClean="0">
+                            <a:latin typeface="Cambria Math" panose="02040503050406030204" pitchFamily="18" charset="0"/>
+                          </a:rPr>
+                        </m:ctrlPr>
+                      </m:fPr>
+                      <m:num>
+                        <m:r>
+                          <a:rPr lang="en-US" b="0" i="1" smtClean="0">
+                            <a:latin typeface="Cambria Math" panose="02040503050406030204" pitchFamily="18" charset="0"/>
+                          </a:rPr>
+                          <m:t>3</m:t>
+                        </m:r>
+                      </m:num>
+                      <m:den>
+                        <m:r>
+                          <a:rPr lang="en-US" b="0" i="1" smtClean="0">
+                            <a:latin typeface="Cambria Math" panose="02040503050406030204" pitchFamily="18" charset="0"/>
+                          </a:rPr>
+                          <m:t>4</m:t>
+                        </m:r>
+                      </m:den>
+                    </m:f>
+                    <m:sSup>
+                      <m:sSupPr>
+                        <m:ctrlPr>
+                          <a:rPr lang="en-US" b="0" i="1" smtClean="0">
+                            <a:latin typeface="Cambria Math" panose="02040503050406030204" pitchFamily="18" charset="0"/>
+                          </a:rPr>
+                        </m:ctrlPr>
+                      </m:sSupPr>
+                      <m:e>
+                        <m:r>
+                          <a:rPr lang="en-US" b="0" i="1" smtClean="0">
+                            <a:latin typeface="Cambria Math" panose="02040503050406030204" pitchFamily="18" charset="0"/>
+                          </a:rPr>
+                          <m:t>𝑒</m:t>
+                        </m:r>
+                      </m:e>
+                      <m:sup>
+                        <m:r>
+                          <a:rPr lang="en-US" b="0" i="1" smtClean="0">
+                            <a:latin typeface="Cambria Math" panose="02040503050406030204" pitchFamily="18" charset="0"/>
+                          </a:rPr>
+                          <m:t>−</m:t>
+                        </m:r>
+                        <m:r>
+                          <a:rPr lang="en-US" b="0" i="1" smtClean="0">
+                            <a:latin typeface="Cambria Math" panose="02040503050406030204" pitchFamily="18" charset="0"/>
+                          </a:rPr>
+                          <m:t>𝑡</m:t>
+                        </m:r>
+                        <m:r>
+                          <a:rPr lang="en-US" b="0" i="1" smtClean="0">
+                            <a:latin typeface="Cambria Math" panose="02040503050406030204" pitchFamily="18" charset="0"/>
+                          </a:rPr>
+                          <m:t>µ</m:t>
+                        </m:r>
+                      </m:sup>
+                    </m:sSup>
+                  </m:oMath>
+                </a14:m>
+                <a:endParaRPr lang="en-US" dirty="0"/>
+              </a:p>
+              <a:p>
+                <a14:m>
+                  <m:oMath xmlns:m="http://schemas.openxmlformats.org/officeDocument/2006/math">
+                    <m:sSub>
+                      <m:sSubPr>
+                        <m:ctrlPr>
+                          <a:rPr lang="en-US" b="0" i="1" smtClean="0">
+                            <a:latin typeface="Cambria Math" panose="02040503050406030204" pitchFamily="18" charset="0"/>
+                          </a:rPr>
+                        </m:ctrlPr>
+                      </m:sSubPr>
+                      <m:e>
+                        <m:r>
+                          <a:rPr lang="en-US" b="0" i="1" smtClean="0">
+                            <a:latin typeface="Cambria Math" panose="02040503050406030204" pitchFamily="18" charset="0"/>
+                          </a:rPr>
+                          <m:t>𝑃</m:t>
+                        </m:r>
+                      </m:e>
+                      <m:sub>
+                        <m:r>
+                          <a:rPr lang="en-US" b="0" i="1" smtClean="0">
+                            <a:latin typeface="Cambria Math" panose="02040503050406030204" pitchFamily="18" charset="0"/>
+                          </a:rPr>
+                          <m:t>𝑖𝑗</m:t>
+                        </m:r>
+                      </m:sub>
+                    </m:sSub>
+                    <m:r>
+                      <a:rPr lang="en-US" b="0" i="1" smtClean="0">
+                        <a:latin typeface="Cambria Math" panose="02040503050406030204" pitchFamily="18" charset="0"/>
+                      </a:rPr>
+                      <m:t>=</m:t>
+                    </m:r>
+                    <m:f>
+                      <m:fPr>
+                        <m:ctrlPr>
+                          <a:rPr lang="en-US" b="0" i="1" smtClean="0">
+                            <a:latin typeface="Cambria Math" panose="02040503050406030204" pitchFamily="18" charset="0"/>
+                          </a:rPr>
+                        </m:ctrlPr>
+                      </m:fPr>
+                      <m:num>
+                        <m:r>
+                          <a:rPr lang="en-US" b="0" i="1" smtClean="0">
+                            <a:latin typeface="Cambria Math" panose="02040503050406030204" pitchFamily="18" charset="0"/>
+                          </a:rPr>
+                          <m:t>1</m:t>
+                        </m:r>
+                      </m:num>
+                      <m:den>
+                        <m:r>
+                          <a:rPr lang="en-US" b="0" i="1" smtClean="0">
+                            <a:latin typeface="Cambria Math" panose="02040503050406030204" pitchFamily="18" charset="0"/>
+                          </a:rPr>
+                          <m:t>4</m:t>
+                        </m:r>
+                      </m:den>
+                    </m:f>
+                    <m:r>
+                      <a:rPr lang="en-US" b="0" i="1" smtClean="0">
+                        <a:latin typeface="Cambria Math" panose="02040503050406030204" pitchFamily="18" charset="0"/>
+                      </a:rPr>
+                      <m:t>−</m:t>
+                    </m:r>
+                    <m:f>
+                      <m:fPr>
+                        <m:ctrlPr>
+                          <a:rPr lang="en-US" b="0" i="1" smtClean="0">
+                            <a:latin typeface="Cambria Math" panose="02040503050406030204" pitchFamily="18" charset="0"/>
+                          </a:rPr>
+                        </m:ctrlPr>
+                      </m:fPr>
+                      <m:num>
+                        <m:r>
+                          <a:rPr lang="en-US" b="0" i="1" smtClean="0">
+                            <a:latin typeface="Cambria Math" panose="02040503050406030204" pitchFamily="18" charset="0"/>
+                          </a:rPr>
+                          <m:t>1</m:t>
+                        </m:r>
+                      </m:num>
+                      <m:den>
+                        <m:r>
+                          <a:rPr lang="en-US" b="0" i="1" smtClean="0">
+                            <a:latin typeface="Cambria Math" panose="02040503050406030204" pitchFamily="18" charset="0"/>
+                          </a:rPr>
+                          <m:t>4</m:t>
+                        </m:r>
+                      </m:den>
+                    </m:f>
+                    <m:sSup>
+                      <m:sSupPr>
+                        <m:ctrlPr>
+                          <a:rPr lang="en-US" b="0" i="1" smtClean="0">
+                            <a:latin typeface="Cambria Math" panose="02040503050406030204" pitchFamily="18" charset="0"/>
+                          </a:rPr>
+                        </m:ctrlPr>
+                      </m:sSupPr>
+                      <m:e>
+                        <m:r>
+                          <a:rPr lang="en-US" b="0" i="1" smtClean="0">
+                            <a:latin typeface="Cambria Math" panose="02040503050406030204" pitchFamily="18" charset="0"/>
+                          </a:rPr>
+                          <m:t>𝑒</m:t>
+                        </m:r>
+                      </m:e>
+                      <m:sup>
+                        <m:r>
+                          <a:rPr lang="en-US" b="0" i="1" smtClean="0">
+                            <a:latin typeface="Cambria Math" panose="02040503050406030204" pitchFamily="18" charset="0"/>
+                          </a:rPr>
+                          <m:t>−</m:t>
+                        </m:r>
+                        <m:r>
+                          <a:rPr lang="en-US" b="0" i="1" smtClean="0">
+                            <a:latin typeface="Cambria Math" panose="02040503050406030204" pitchFamily="18" charset="0"/>
+                          </a:rPr>
+                          <m:t>𝑡</m:t>
+                        </m:r>
+                        <m:r>
+                          <a:rPr lang="en-US" b="0" i="1" smtClean="0">
+                            <a:latin typeface="Cambria Math" panose="02040503050406030204" pitchFamily="18" charset="0"/>
+                          </a:rPr>
+                          <m:t>µ</m:t>
+                        </m:r>
+                      </m:sup>
+                    </m:sSup>
+                  </m:oMath>
+                </a14:m>
+                <a:endParaRPr lang="en-US" dirty="0"/>
+              </a:p>
+              <a:p>
+                <a:endParaRPr lang="en-US" dirty="0"/>
+              </a:p>
+              <a:p>
+                <a:endParaRPr lang="en-US" dirty="0"/>
+              </a:p>
+            </p:txBody>
+          </p:sp>
+        </mc:Choice>
+        <mc:Fallback>
+          <p:sp>
+            <p:nvSpPr>
+              <p:cNvPr id="3" name="Content Placeholder 2">
+                <a:extLst>
+                  <a:ext uri="{FF2B5EF4-FFF2-40B4-BE49-F238E27FC236}">
+                    <a16:creationId xmlns:a16="http://schemas.microsoft.com/office/drawing/2014/main" id="{C5806CA8-394E-9D4B-A484-B26FA0A8FF0F}"/>
+                  </a:ext>
+                </a:extLst>
+              </p:cNvPr>
+              <p:cNvSpPr>
+                <a:spLocks noGrp="1" noRot="1" noChangeAspect="1" noMove="1" noResize="1" noEditPoints="1" noAdjustHandles="1" noChangeArrowheads="1" noChangeShapeType="1" noTextEdit="1"/>
+              </p:cNvSpPr>
+              <p:nvPr>
+                <p:ph idx="1"/>
+              </p:nvPr>
+            </p:nvSpPr>
+            <p:spPr>
+              <a:blipFill>
+                <a:blip r:embed="rId2"/>
+                <a:stretch>
+                  <a:fillRect l="-375"/>
+                </a:stretch>
+              </a:blipFill>
+            </p:spPr>
+            <p:txBody>
+              <a:bodyPr/>
+              <a:lstStyle/>
+              <a:p>
+                <a:r>
+                  <a:rPr lang="en-US">
+                    <a:noFill/>
+                  </a:rPr>
+                  <a:t> </a:t>
+                </a:r>
+              </a:p>
+            </p:txBody>
+          </p:sp>
+        </mc:Fallback>
+      </mc:AlternateContent>
+    </p:spTree>
+    <p:extLst>
+      <p:ext uri="{BB962C8B-B14F-4D97-AF65-F5344CB8AC3E}">
+        <p14:creationId xmlns:p14="http://schemas.microsoft.com/office/powerpoint/2010/main" val="4098172378"/>
       </p:ext>
     </p:extLst>
   </p:cSld>

--- a/Repliclade_final/Repliclade.pptx
+++ b/Repliclade_final/Repliclade.pptx
@@ -27,6 +27,12 @@
     <p:sldId id="276" r:id="rId21"/>
     <p:sldId id="277" r:id="rId22"/>
     <p:sldId id="278" r:id="rId23"/>
+    <p:sldId id="279" r:id="rId24"/>
+    <p:sldId id="280" r:id="rId25"/>
+    <p:sldId id="281" r:id="rId26"/>
+    <p:sldId id="284" r:id="rId27"/>
+    <p:sldId id="282" r:id="rId28"/>
+    <p:sldId id="283" r:id="rId29"/>
   </p:sldIdLst>
   <p:sldSz cx="12192000" cy="6858000"/>
   <p:notesSz cx="6858000" cy="9144000"/>
@@ -8056,7 +8062,7 @@
             <a:fld id="{B61BEF0D-F0BB-DE4B-95CE-6DB70DBA9567}" type="datetimeFigureOut">
               <a:rPr lang="en-US" dirty="0"/>
               <a:pPr/>
-              <a:t>1/31/2021</a:t>
+              <a:t>2/1/2021</a:t>
             </a:fld>
             <a:endParaRPr lang="en-US" dirty="0"/>
           </a:p>
@@ -8387,7 +8393,7 @@
             <a:fld id="{B61BEF0D-F0BB-DE4B-95CE-6DB70DBA9567}" type="datetimeFigureOut">
               <a:rPr lang="en-US" dirty="0"/>
               <a:pPr/>
-              <a:t>1/31/2021</a:t>
+              <a:t>2/1/2021</a:t>
             </a:fld>
             <a:endParaRPr lang="en-US" dirty="0"/>
           </a:p>
@@ -8662,7 +8668,7 @@
             <a:fld id="{B61BEF0D-F0BB-DE4B-95CE-6DB70DBA9567}" type="datetimeFigureOut">
               <a:rPr lang="en-US" dirty="0"/>
               <a:pPr/>
-              <a:t>1/31/2021</a:t>
+              <a:t>2/1/2021</a:t>
             </a:fld>
             <a:endParaRPr lang="en-US" dirty="0"/>
           </a:p>
@@ -9227,7 +9233,7 @@
             <a:fld id="{B61BEF0D-F0BB-DE4B-95CE-6DB70DBA9567}" type="datetimeFigureOut">
               <a:rPr lang="en-US" dirty="0"/>
               <a:pPr/>
-              <a:t>1/31/2021</a:t>
+              <a:t>2/1/2021</a:t>
             </a:fld>
             <a:endParaRPr lang="en-US" dirty="0"/>
           </a:p>
@@ -9502,7 +9508,7 @@
             <a:fld id="{B61BEF0D-F0BB-DE4B-95CE-6DB70DBA9567}" type="datetimeFigureOut">
               <a:rPr lang="en-US" dirty="0"/>
               <a:pPr/>
-              <a:t>1/31/2021</a:t>
+              <a:t>2/1/2021</a:t>
             </a:fld>
             <a:endParaRPr lang="en-US" dirty="0"/>
           </a:p>
@@ -10061,7 +10067,7 @@
             <a:fld id="{B61BEF0D-F0BB-DE4B-95CE-6DB70DBA9567}" type="datetimeFigureOut">
               <a:rPr lang="en-US" dirty="0"/>
               <a:pPr/>
-              <a:t>1/31/2021</a:t>
+              <a:t>2/1/2021</a:t>
             </a:fld>
             <a:endParaRPr lang="en-US" dirty="0"/>
           </a:p>
@@ -10385,7 +10391,7 @@
             <a:fld id="{B61BEF0D-F0BB-DE4B-95CE-6DB70DBA9567}" type="datetimeFigureOut">
               <a:rPr lang="en-US" dirty="0"/>
               <a:pPr/>
-              <a:t>1/31/2021</a:t>
+              <a:t>2/1/2021</a:t>
             </a:fld>
             <a:endParaRPr lang="en-US" dirty="0"/>
           </a:p>
@@ -10559,7 +10565,7 @@
             <a:fld id="{B61BEF0D-F0BB-DE4B-95CE-6DB70DBA9567}" type="datetimeFigureOut">
               <a:rPr lang="en-US" dirty="0"/>
               <a:pPr/>
-              <a:t>1/31/2021</a:t>
+              <a:t>2/1/2021</a:t>
             </a:fld>
             <a:endParaRPr lang="en-US" dirty="0"/>
           </a:p>
@@ -10794,7 +10800,7 @@
             <a:fld id="{B61BEF0D-F0BB-DE4B-95CE-6DB70DBA9567}" type="datetimeFigureOut">
               <a:rPr lang="en-US" dirty="0"/>
               <a:pPr/>
-              <a:t>1/31/2021</a:t>
+              <a:t>2/1/2021</a:t>
             </a:fld>
             <a:endParaRPr lang="en-US" dirty="0"/>
           </a:p>
@@ -10991,7 +10997,7 @@
             <a:fld id="{B61BEF0D-F0BB-DE4B-95CE-6DB70DBA9567}" type="datetimeFigureOut">
               <a:rPr lang="en-US" dirty="0"/>
               <a:pPr/>
-              <a:t>1/31/2021</a:t>
+              <a:t>2/1/2021</a:t>
             </a:fld>
             <a:endParaRPr lang="en-US" dirty="0"/>
           </a:p>
@@ -11264,7 +11270,7 @@
             <a:fld id="{B61BEF0D-F0BB-DE4B-95CE-6DB70DBA9567}" type="datetimeFigureOut">
               <a:rPr lang="en-US" dirty="0"/>
               <a:pPr/>
-              <a:t>1/31/2021</a:t>
+              <a:t>2/1/2021</a:t>
             </a:fld>
             <a:endParaRPr lang="en-US" dirty="0"/>
           </a:p>
@@ -11527,7 +11533,7 @@
             <a:fld id="{B61BEF0D-F0BB-DE4B-95CE-6DB70DBA9567}" type="datetimeFigureOut">
               <a:rPr lang="en-US" dirty="0"/>
               <a:pPr/>
-              <a:t>1/31/2021</a:t>
+              <a:t>2/1/2021</a:t>
             </a:fld>
             <a:endParaRPr lang="en-US" dirty="0"/>
           </a:p>
@@ -11898,7 +11904,7 @@
             <a:fld id="{B61BEF0D-F0BB-DE4B-95CE-6DB70DBA9567}" type="datetimeFigureOut">
               <a:rPr lang="en-US" dirty="0"/>
               <a:pPr/>
-              <a:t>1/31/2021</a:t>
+              <a:t>2/1/2021</a:t>
             </a:fld>
             <a:endParaRPr lang="en-US" dirty="0"/>
           </a:p>
@@ -12043,7 +12049,7 @@
             <a:fld id="{B61BEF0D-F0BB-DE4B-95CE-6DB70DBA9567}" type="datetimeFigureOut">
               <a:rPr lang="en-US" dirty="0"/>
               <a:pPr/>
-              <a:t>1/31/2021</a:t>
+              <a:t>2/1/2021</a:t>
             </a:fld>
             <a:endParaRPr lang="en-US" dirty="0"/>
           </a:p>
@@ -12165,7 +12171,7 @@
             <a:fld id="{B61BEF0D-F0BB-DE4B-95CE-6DB70DBA9567}" type="datetimeFigureOut">
               <a:rPr lang="en-US" dirty="0"/>
               <a:pPr/>
-              <a:t>1/31/2021</a:t>
+              <a:t>2/1/2021</a:t>
             </a:fld>
             <a:endParaRPr lang="en-US" dirty="0"/>
           </a:p>
@@ -12447,7 +12453,7 @@
             <a:fld id="{B61BEF0D-F0BB-DE4B-95CE-6DB70DBA9567}" type="datetimeFigureOut">
               <a:rPr lang="en-US" dirty="0"/>
               <a:pPr/>
-              <a:t>1/31/2021</a:t>
+              <a:t>2/1/2021</a:t>
             </a:fld>
             <a:endParaRPr lang="en-US" dirty="0"/>
           </a:p>
@@ -12768,7 +12774,7 @@
             <a:fld id="{B61BEF0D-F0BB-DE4B-95CE-6DB70DBA9567}" type="datetimeFigureOut">
               <a:rPr lang="en-US" dirty="0"/>
               <a:pPr/>
-              <a:t>1/31/2021</a:t>
+              <a:t>2/1/2021</a:t>
             </a:fld>
             <a:endParaRPr lang="en-US" dirty="0"/>
           </a:p>
@@ -12979,7 +12985,7 @@
             <a:fld id="{B61BEF0D-F0BB-DE4B-95CE-6DB70DBA9567}" type="datetimeFigureOut">
               <a:rPr lang="en-US" dirty="0"/>
               <a:pPr/>
-              <a:t>1/31/2021</a:t>
+              <a:t>2/1/2021</a:t>
             </a:fld>
             <a:endParaRPr lang="en-US" dirty="0"/>
           </a:p>
@@ -15777,8 +15783,8 @@
           </a:effectLst>
         </p:spPr>
       </p:pic>
-      <mc:AlternateContent xmlns:mc="http://schemas.openxmlformats.org/markup-compatibility/2006">
-        <mc:Choice xmlns:a14="http://schemas.microsoft.com/office/drawing/2010/main" Requires="a14">
+      <mc:AlternateContent xmlns:mc="http://schemas.openxmlformats.org/markup-compatibility/2006" xmlns:a14="http://schemas.microsoft.com/office/drawing/2010/main">
+        <mc:Choice Requires="a14">
           <p:sp>
             <p:nvSpPr>
               <p:cNvPr id="3" name="Content Placeholder 2">
@@ -15970,7 +15976,7 @@
             </p:txBody>
           </p:sp>
         </mc:Choice>
-        <mc:Fallback>
+        <mc:Fallback xmlns="">
           <p:sp>
             <p:nvSpPr>
               <p:cNvPr id="3" name="Content Placeholder 2">
@@ -16372,8 +16378,8 @@
           </a:prstGeom>
         </p:spPr>
       </p:pic>
-      <mc:AlternateContent xmlns:mc="http://schemas.openxmlformats.org/markup-compatibility/2006">
-        <mc:Choice xmlns:a14="http://schemas.microsoft.com/office/drawing/2010/main" Requires="a14">
+      <mc:AlternateContent xmlns:mc="http://schemas.openxmlformats.org/markup-compatibility/2006" xmlns:a14="http://schemas.microsoft.com/office/drawing/2010/main">
+        <mc:Choice Requires="a14">
           <p:sp>
             <p:nvSpPr>
               <p:cNvPr id="3" name="Content Placeholder 2">
@@ -16398,7 +16404,7 @@
             </p:spPr>
             <p:txBody>
               <a:bodyPr>
-                <a:normAutofit/>
+                <a:normAutofit fontScale="92500" lnSpcReduction="10000"/>
               </a:bodyPr>
               <a:lstStyle/>
               <a:p>
@@ -16525,6 +16531,13 @@
                 </a:r>
               </a:p>
               <a:p>
+                <a:pPr lvl="2"/>
+                <a:r>
+                  <a:rPr lang="en-US" dirty="0"/>
+                  <a:t>A segregating site is a site in the DNA sequence where the nucleotide base pair differs from one sequence to another or between multiple sequences</a:t>
+                </a:r>
+              </a:p>
+              <a:p>
                 <a:pPr lvl="1"/>
                 <a14:m>
                   <m:oMath xmlns:m="http://schemas.openxmlformats.org/officeDocument/2006/math">
@@ -16597,6 +16610,12 @@
                           </a:rPr>
                           <m:t>𝑛</m:t>
                         </m:r>
+                        <m:r>
+                          <a:rPr lang="en-US" b="0" i="1" smtClean="0">
+                            <a:latin typeface="Cambria Math" panose="02040503050406030204" pitchFamily="18" charset="0"/>
+                          </a:rPr>
+                          <m:t>−1</m:t>
+                        </m:r>
                       </m:sup>
                       <m:e>
                         <m:f>
@@ -16653,7 +16672,7 @@
             </p:txBody>
           </p:sp>
         </mc:Choice>
-        <mc:Fallback>
+        <mc:Fallback xmlns="">
           <p:sp>
             <p:nvSpPr>
               <p:cNvPr id="3" name="Content Placeholder 2">
@@ -16678,7 +16697,7 @@
               <a:blipFill>
                 <a:blip r:embed="rId4"/>
                 <a:stretch>
-                  <a:fillRect l="-648" t="-153" b="-1380"/>
+                  <a:fillRect l="-463" t="-1074" b="-1687"/>
                 </a:stretch>
               </a:blipFill>
             </p:spPr>
@@ -16839,8 +16858,8 @@
           </a:effectLst>
         </p:spPr>
       </p:pic>
-      <mc:AlternateContent xmlns:mc="http://schemas.openxmlformats.org/markup-compatibility/2006">
-        <mc:Choice xmlns:a14="http://schemas.microsoft.com/office/drawing/2010/main" Requires="a14">
+      <mc:AlternateContent xmlns:mc="http://schemas.openxmlformats.org/markup-compatibility/2006" xmlns:a14="http://schemas.microsoft.com/office/drawing/2010/main">
+        <mc:Choice Requires="a14">
           <p:sp>
             <p:nvSpPr>
               <p:cNvPr id="3" name="Content Placeholder 2">
@@ -17062,7 +17081,7 @@
             </p:txBody>
           </p:sp>
         </mc:Choice>
-        <mc:Fallback>
+        <mc:Fallback xmlns="">
           <p:sp>
             <p:nvSpPr>
               <p:cNvPr id="3" name="Content Placeholder 2">
@@ -17247,8 +17266,8 @@
           </a:effectLst>
         </p:spPr>
       </p:pic>
-      <mc:AlternateContent xmlns:mc="http://schemas.openxmlformats.org/markup-compatibility/2006">
-        <mc:Choice xmlns:a14="http://schemas.microsoft.com/office/drawing/2010/main" Requires="a14">
+      <mc:AlternateContent xmlns:mc="http://schemas.openxmlformats.org/markup-compatibility/2006" xmlns:a14="http://schemas.microsoft.com/office/drawing/2010/main">
+        <mc:Choice Requires="a14">
           <p:sp>
             <p:nvSpPr>
               <p:cNvPr id="3" name="Content Placeholder 2">
@@ -17611,7 +17630,7 @@
             </p:txBody>
           </p:sp>
         </mc:Choice>
-        <mc:Fallback>
+        <mc:Fallback xmlns="">
           <p:sp>
             <p:nvSpPr>
               <p:cNvPr id="3" name="Content Placeholder 2">
@@ -17659,6 +17678,3759 @@
     <p:extLst>
       <p:ext uri="{BB962C8B-B14F-4D97-AF65-F5344CB8AC3E}">
         <p14:creationId xmlns:p14="http://schemas.microsoft.com/office/powerpoint/2010/main" val="618506337"/>
+      </p:ext>
+    </p:extLst>
+  </p:cSld>
+  <p:clrMapOvr>
+    <a:masterClrMapping/>
+  </p:clrMapOvr>
+</p:sld>
+</file>
+
+<file path=ppt/slides/slide23.xml><?xml version="1.0" encoding="utf-8"?>
+<p:sld xmlns:a="http://schemas.openxmlformats.org/drawingml/2006/main" xmlns:r="http://schemas.openxmlformats.org/officeDocument/2006/relationships" xmlns:p="http://schemas.openxmlformats.org/presentationml/2006/main">
+  <p:cSld>
+    <p:bg>
+      <p:bgPr>
+        <a:blipFill>
+          <a:blip r:embed="rId2"/>
+          <a:stretch/>
+        </a:blipFill>
+        <a:effectLst/>
+      </p:bgPr>
+    </p:bg>
+    <p:spTree>
+      <p:nvGrpSpPr>
+        <p:cNvPr id="1" name=""/>
+        <p:cNvGrpSpPr/>
+        <p:nvPr/>
+      </p:nvGrpSpPr>
+      <p:grpSpPr>
+        <a:xfrm>
+          <a:off x="0" y="0"/>
+          <a:ext cx="0" cy="0"/>
+          <a:chOff x="0" y="0"/>
+          <a:chExt cx="0" cy="0"/>
+        </a:xfrm>
+      </p:grpSpPr>
+      <p:sp>
+        <p:nvSpPr>
+          <p:cNvPr id="2" name="Title 1">
+            <a:extLst>
+              <a:ext uri="{FF2B5EF4-FFF2-40B4-BE49-F238E27FC236}">
+                <a16:creationId xmlns:a16="http://schemas.microsoft.com/office/drawing/2014/main" id="{E0E6F86E-78C0-4DE6-A79E-3B06C9DCFAB3}"/>
+              </a:ext>
+            </a:extLst>
+          </p:cNvPr>
+          <p:cNvSpPr>
+            <a:spLocks noGrp="1"/>
+          </p:cNvSpPr>
+          <p:nvPr>
+            <p:ph type="title"/>
+          </p:nvPr>
+        </p:nvSpPr>
+        <p:spPr>
+          <a:xfrm>
+            <a:off x="4955458" y="639097"/>
+            <a:ext cx="6593075" cy="1612490"/>
+          </a:xfrm>
+        </p:spPr>
+        <p:txBody>
+          <a:bodyPr>
+            <a:normAutofit/>
+          </a:bodyPr>
+          <a:lstStyle/>
+          <a:p>
+            <a:r>
+              <a:rPr lang="en-US" dirty="0"/>
+              <a:t>Finding conserved regions (In Progress)</a:t>
+            </a:r>
+          </a:p>
+        </p:txBody>
+      </p:sp>
+      <p:pic>
+        <p:nvPicPr>
+          <p:cNvPr id="5" name="Picture 4" descr="Molecular glass structure">
+            <a:extLst>
+              <a:ext uri="{FF2B5EF4-FFF2-40B4-BE49-F238E27FC236}">
+                <a16:creationId xmlns:a16="http://schemas.microsoft.com/office/drawing/2014/main" id="{E42AB3C9-0343-4F64-94CC-D0C6E6E223E9}"/>
+              </a:ext>
+            </a:extLst>
+          </p:cNvPr>
+          <p:cNvPicPr>
+            <a:picLocks noChangeAspect="1"/>
+          </p:cNvPicPr>
+          <p:nvPr/>
+        </p:nvPicPr>
+        <p:blipFill rotWithShape="1">
+          <a:blip r:embed="rId3"/>
+          <a:srcRect l="38951" r="23024"/>
+          <a:stretch/>
+        </p:blipFill>
+        <p:spPr>
+          <a:xfrm>
+            <a:off x="20" y="975"/>
+            <a:ext cx="4635988" cy="6858000"/>
+          </a:xfrm>
+          <a:prstGeom prst="rect">
+            <a:avLst/>
+          </a:prstGeom>
+        </p:spPr>
+      </p:pic>
+      <p:sp>
+        <p:nvSpPr>
+          <p:cNvPr id="3" name="Content Placeholder 2">
+            <a:extLst>
+              <a:ext uri="{FF2B5EF4-FFF2-40B4-BE49-F238E27FC236}">
+                <a16:creationId xmlns:a16="http://schemas.microsoft.com/office/drawing/2014/main" id="{41E7FB4D-BB0F-4844-9968-6D1F4EFF2D2F}"/>
+              </a:ext>
+            </a:extLst>
+          </p:cNvPr>
+          <p:cNvSpPr>
+            <a:spLocks noGrp="1"/>
+          </p:cNvSpPr>
+          <p:nvPr>
+            <p:ph idx="1"/>
+          </p:nvPr>
+        </p:nvSpPr>
+        <p:spPr>
+          <a:xfrm>
+            <a:off x="4955458" y="2251587"/>
+            <a:ext cx="6593075" cy="3972232"/>
+          </a:xfrm>
+        </p:spPr>
+        <p:txBody>
+          <a:bodyPr>
+            <a:normAutofit/>
+          </a:bodyPr>
+          <a:lstStyle/>
+          <a:p>
+            <a:r>
+              <a:rPr lang="en-US" dirty="0" err="1"/>
+              <a:t>Repliclade</a:t>
+            </a:r>
+            <a:r>
+              <a:rPr lang="en-US" dirty="0"/>
+              <a:t> will have the ability to identify conserved regions within the ancestral sequence</a:t>
+            </a:r>
+          </a:p>
+          <a:p>
+            <a:r>
+              <a:rPr lang="en-US" dirty="0"/>
+              <a:t>This will be derived from the original group of sequences</a:t>
+            </a:r>
+          </a:p>
+          <a:p>
+            <a:r>
+              <a:rPr lang="en-US" dirty="0"/>
+              <a:t>The simulation will prompt the user whether they would like to take the conserved regions into consideration when considering mutations</a:t>
+            </a:r>
+          </a:p>
+          <a:p>
+            <a:r>
+              <a:rPr lang="en-US" dirty="0"/>
+              <a:t>Will use a “sliding window” approach to determine regions of the DNA sequences which look to be conserved by comparing them to a threshold</a:t>
+            </a:r>
+          </a:p>
+          <a:p>
+            <a:endParaRPr lang="en-US" dirty="0"/>
+          </a:p>
+        </p:txBody>
+      </p:sp>
+    </p:spTree>
+    <p:extLst>
+      <p:ext uri="{BB962C8B-B14F-4D97-AF65-F5344CB8AC3E}">
+        <p14:creationId xmlns:p14="http://schemas.microsoft.com/office/powerpoint/2010/main" val="4268256888"/>
+      </p:ext>
+    </p:extLst>
+  </p:cSld>
+  <p:clrMapOvr>
+    <a:masterClrMapping/>
+  </p:clrMapOvr>
+</p:sld>
+</file>
+
+<file path=ppt/slides/slide24.xml><?xml version="1.0" encoding="utf-8"?>
+<p:sld xmlns:a="http://schemas.openxmlformats.org/drawingml/2006/main" xmlns:r="http://schemas.openxmlformats.org/officeDocument/2006/relationships" xmlns:p="http://schemas.openxmlformats.org/presentationml/2006/main">
+  <p:cSld>
+    <p:bg>
+      <p:bgPr>
+        <a:solidFill>
+          <a:schemeClr val="bg1"/>
+        </a:solidFill>
+        <a:effectLst/>
+      </p:bgPr>
+    </p:bg>
+    <p:spTree>
+      <p:nvGrpSpPr>
+        <p:cNvPr id="1" name=""/>
+        <p:cNvGrpSpPr/>
+        <p:nvPr/>
+      </p:nvGrpSpPr>
+      <p:grpSpPr>
+        <a:xfrm>
+          <a:off x="0" y="0"/>
+          <a:ext cx="0" cy="0"/>
+          <a:chOff x="0" y="0"/>
+          <a:chExt cx="0" cy="0"/>
+        </a:xfrm>
+      </p:grpSpPr>
+      <p:pic>
+        <p:nvPicPr>
+          <p:cNvPr id="8" name="Picture 7">
+            <a:extLst>
+              <a:ext uri="{FF2B5EF4-FFF2-40B4-BE49-F238E27FC236}">
+                <a16:creationId xmlns:a16="http://schemas.microsoft.com/office/drawing/2014/main" id="{A17F7527-5AC0-479A-B79F-9CF463410490}"/>
+              </a:ext>
+              <a:ext uri="{C183D7F6-B498-43B3-948B-1728B52AA6E4}">
+                <adec:decorative xmlns:adec="http://schemas.microsoft.com/office/drawing/2017/decorative" val="1"/>
+              </a:ext>
+            </a:extLst>
+          </p:cNvPr>
+          <p:cNvPicPr>
+            <a:picLocks noGrp="1" noRot="1" noChangeAspect="1" noMove="1" noResize="1" noEditPoints="1" noAdjustHandles="1" noChangeArrowheads="1" noChangeShapeType="1" noCrop="1"/>
+          </p:cNvPicPr>
+          <p:nvPr>
+            <p:extLst>
+              <p:ext uri="{386F3935-93C4-4BCD-93E2-E3B085C9AB24}">
+                <p16:designElem xmlns:p16="http://schemas.microsoft.com/office/powerpoint/2015/main" val="1"/>
+              </p:ext>
+            </p:extLst>
+          </p:nvPr>
+        </p:nvPicPr>
+        <p:blipFill>
+          <a:blip r:embed="rId2">
+            <a:extLst>
+              <a:ext uri="{28A0092B-C50C-407E-A947-70E740481C1C}">
+                <a14:useLocalDpi xmlns:a14="http://schemas.microsoft.com/office/drawing/2010/main" val="0"/>
+              </a:ext>
+            </a:extLst>
+          </a:blip>
+          <a:stretch>
+            <a:fillRect/>
+          </a:stretch>
+        </p:blipFill>
+        <p:spPr>
+          <a:xfrm>
+            <a:off x="0" y="0"/>
+            <a:ext cx="12188825" cy="6856214"/>
+          </a:xfrm>
+          <a:prstGeom prst="rect">
+            <a:avLst/>
+          </a:prstGeom>
+        </p:spPr>
+      </p:pic>
+      <p:sp useBgFill="1">
+        <p:nvSpPr>
+          <p:cNvPr id="10" name="Rectangle 9">
+            <a:extLst>
+              <a:ext uri="{FF2B5EF4-FFF2-40B4-BE49-F238E27FC236}">
+                <a16:creationId xmlns:a16="http://schemas.microsoft.com/office/drawing/2014/main" id="{66B5BE70-4451-4286-9D79-27C26F755FAC}"/>
+              </a:ext>
+              <a:ext uri="{C183D7F6-B498-43B3-948B-1728B52AA6E4}">
+                <adec:decorative xmlns:adec="http://schemas.microsoft.com/office/drawing/2017/decorative" val="1"/>
+              </a:ext>
+            </a:extLst>
+          </p:cNvPr>
+          <p:cNvSpPr>
+            <a:spLocks noGrp="1" noRot="1" noChangeAspect="1" noMove="1" noResize="1" noEditPoints="1" noAdjustHandles="1" noChangeArrowheads="1" noChangeShapeType="1" noTextEdit="1"/>
+          </p:cNvSpPr>
+          <p:nvPr>
+            <p:extLst>
+              <p:ext uri="{386F3935-93C4-4BCD-93E2-E3B085C9AB24}">
+                <p16:designElem xmlns:p16="http://schemas.microsoft.com/office/powerpoint/2015/main" val="1"/>
+              </p:ext>
+            </p:extLst>
+          </p:nvPr>
+        </p:nvSpPr>
+        <p:spPr>
+          <a:xfrm>
+            <a:off x="0" y="0"/>
+            <a:ext cx="12192000" cy="6858000"/>
+          </a:xfrm>
+          <a:prstGeom prst="rect">
+            <a:avLst/>
+          </a:prstGeom>
+          <a:ln>
+            <a:noFill/>
+          </a:ln>
+        </p:spPr>
+        <p:style>
+          <a:lnRef idx="2">
+            <a:schemeClr val="accent1">
+              <a:shade val="50000"/>
+            </a:schemeClr>
+          </a:lnRef>
+          <a:fillRef idx="1">
+            <a:schemeClr val="accent1"/>
+          </a:fillRef>
+          <a:effectRef idx="0">
+            <a:schemeClr val="accent1"/>
+          </a:effectRef>
+          <a:fontRef idx="minor">
+            <a:schemeClr val="lt1"/>
+          </a:fontRef>
+        </p:style>
+        <p:txBody>
+          <a:bodyPr rtlCol="0" anchor="ctr"/>
+          <a:lstStyle/>
+          <a:p>
+            <a:pPr algn="ctr"/>
+            <a:endParaRPr lang="en-US"/>
+          </a:p>
+        </p:txBody>
+      </p:sp>
+      <p:pic>
+        <p:nvPicPr>
+          <p:cNvPr id="12" name="Picture 11">
+            <a:extLst>
+              <a:ext uri="{FF2B5EF4-FFF2-40B4-BE49-F238E27FC236}">
+                <a16:creationId xmlns:a16="http://schemas.microsoft.com/office/drawing/2014/main" id="{8176C668-3F88-414B-AAEE-1785E38D5D59}"/>
+              </a:ext>
+              <a:ext uri="{C183D7F6-B498-43B3-948B-1728B52AA6E4}">
+                <adec:decorative xmlns:adec="http://schemas.microsoft.com/office/drawing/2017/decorative" val="1"/>
+              </a:ext>
+            </a:extLst>
+          </p:cNvPr>
+          <p:cNvPicPr>
+            <a:picLocks noGrp="1" noRot="1" noChangeAspect="1" noMove="1" noResize="1" noEditPoints="1" noAdjustHandles="1" noChangeArrowheads="1" noChangeShapeType="1" noCrop="1"/>
+          </p:cNvPicPr>
+          <p:nvPr>
+            <p:extLst>
+              <p:ext uri="{386F3935-93C4-4BCD-93E2-E3B085C9AB24}">
+                <p16:designElem xmlns:p16="http://schemas.microsoft.com/office/powerpoint/2015/main" val="1"/>
+              </p:ext>
+            </p:extLst>
+          </p:nvPr>
+        </p:nvPicPr>
+        <p:blipFill>
+          <a:blip r:embed="rId2">
+            <a:extLst>
+              <a:ext uri="{28A0092B-C50C-407E-A947-70E740481C1C}">
+                <a14:useLocalDpi xmlns:a14="http://schemas.microsoft.com/office/drawing/2010/main" val="0"/>
+              </a:ext>
+            </a:extLst>
+          </a:blip>
+          <a:stretch>
+            <a:fillRect/>
+          </a:stretch>
+        </p:blipFill>
+        <p:spPr>
+          <a:xfrm>
+            <a:off x="0" y="0"/>
+            <a:ext cx="12188825" cy="6856214"/>
+          </a:xfrm>
+          <a:prstGeom prst="rect">
+            <a:avLst/>
+          </a:prstGeom>
+        </p:spPr>
+      </p:pic>
+      <p:sp>
+        <p:nvSpPr>
+          <p:cNvPr id="2" name="Title 1">
+            <a:extLst>
+              <a:ext uri="{FF2B5EF4-FFF2-40B4-BE49-F238E27FC236}">
+                <a16:creationId xmlns:a16="http://schemas.microsoft.com/office/drawing/2014/main" id="{4DF4ECCC-8FC5-4AEE-A8C7-E75D9E6D8E22}"/>
+              </a:ext>
+            </a:extLst>
+          </p:cNvPr>
+          <p:cNvSpPr>
+            <a:spLocks noGrp="1"/>
+          </p:cNvSpPr>
+          <p:nvPr>
+            <p:ph type="title"/>
+          </p:nvPr>
+        </p:nvSpPr>
+        <p:spPr>
+          <a:xfrm>
+            <a:off x="5941228" y="1151677"/>
+            <a:ext cx="5218897" cy="4554647"/>
+          </a:xfrm>
+        </p:spPr>
+        <p:txBody>
+          <a:bodyPr vert="horz" lIns="91440" tIns="45720" rIns="91440" bIns="45720" rtlCol="0" anchor="ctr">
+            <a:normAutofit/>
+          </a:bodyPr>
+          <a:lstStyle/>
+          <a:p>
+            <a:r>
+              <a:rPr lang="en-US" sz="4800" cap="all"/>
+              <a:t>The Simulation</a:t>
+            </a:r>
+          </a:p>
+        </p:txBody>
+      </p:sp>
+      <p:sp>
+        <p:nvSpPr>
+          <p:cNvPr id="14" name="Freeform: Shape 13">
+            <a:extLst>
+              <a:ext uri="{FF2B5EF4-FFF2-40B4-BE49-F238E27FC236}">
+                <a16:creationId xmlns:a16="http://schemas.microsoft.com/office/drawing/2014/main" id="{D58C5A54-E70B-4B9B-A7FE-D3A05561BFD8}"/>
+              </a:ext>
+              <a:ext uri="{C183D7F6-B498-43B3-948B-1728B52AA6E4}">
+                <adec:decorative xmlns:adec="http://schemas.microsoft.com/office/drawing/2017/decorative" val="1"/>
+              </a:ext>
+            </a:extLst>
+          </p:cNvPr>
+          <p:cNvSpPr>
+            <a:spLocks noGrp="1" noRot="1" noChangeAspect="1" noMove="1" noResize="1" noEditPoints="1" noAdjustHandles="1" noChangeArrowheads="1" noChangeShapeType="1" noTextEdit="1"/>
+          </p:cNvSpPr>
+          <p:nvPr>
+            <p:extLst>
+              <p:ext uri="{386F3935-93C4-4BCD-93E2-E3B085C9AB24}">
+                <p16:designElem xmlns:p16="http://schemas.microsoft.com/office/powerpoint/2015/main" val="1"/>
+              </p:ext>
+            </p:extLst>
+          </p:nvPr>
+        </p:nvSpPr>
+        <p:spPr>
+          <a:xfrm flipH="1">
+            <a:off x="0" y="0"/>
+            <a:ext cx="5297762" cy="6858000"/>
+          </a:xfrm>
+          <a:custGeom>
+            <a:avLst/>
+            <a:gdLst>
+              <a:gd name="connsiteX0" fmla="*/ 5297762 w 5297762"/>
+              <a:gd name="connsiteY0" fmla="*/ 0 h 6858000"/>
+              <a:gd name="connsiteX1" fmla="*/ 4654296 w 5297762"/>
+              <a:gd name="connsiteY1" fmla="*/ 0 h 6858000"/>
+              <a:gd name="connsiteX2" fmla="*/ 4470448 w 5297762"/>
+              <a:gd name="connsiteY2" fmla="*/ 0 h 6858000"/>
+              <a:gd name="connsiteX3" fmla="*/ 0 w 5297762"/>
+              <a:gd name="connsiteY3" fmla="*/ 0 h 6858000"/>
+              <a:gd name="connsiteX4" fmla="*/ 0 w 5297762"/>
+              <a:gd name="connsiteY4" fmla="*/ 70650 h 6858000"/>
+              <a:gd name="connsiteX5" fmla="*/ 13678 w 5297762"/>
+              <a:gd name="connsiteY5" fmla="*/ 155673 h 6858000"/>
+              <a:gd name="connsiteX6" fmla="*/ 37547 w 5297762"/>
+              <a:gd name="connsiteY6" fmla="*/ 310664 h 6858000"/>
+              <a:gd name="connsiteX7" fmla="*/ 60911 w 5297762"/>
+              <a:gd name="connsiteY7" fmla="*/ 466340 h 6858000"/>
+              <a:gd name="connsiteX8" fmla="*/ 80914 w 5297762"/>
+              <a:gd name="connsiteY8" fmla="*/ 622703 h 6858000"/>
+              <a:gd name="connsiteX9" fmla="*/ 101085 w 5297762"/>
+              <a:gd name="connsiteY9" fmla="*/ 778379 h 6858000"/>
+              <a:gd name="connsiteX10" fmla="*/ 119911 w 5297762"/>
+              <a:gd name="connsiteY10" fmla="*/ 934742 h 6858000"/>
+              <a:gd name="connsiteX11" fmla="*/ 136047 w 5297762"/>
+              <a:gd name="connsiteY11" fmla="*/ 1089047 h 6858000"/>
+              <a:gd name="connsiteX12" fmla="*/ 151343 w 5297762"/>
+              <a:gd name="connsiteY12" fmla="*/ 1245409 h 6858000"/>
+              <a:gd name="connsiteX13" fmla="*/ 165295 w 5297762"/>
+              <a:gd name="connsiteY13" fmla="*/ 1401086 h 6858000"/>
+              <a:gd name="connsiteX14" fmla="*/ 177397 w 5297762"/>
+              <a:gd name="connsiteY14" fmla="*/ 1554019 h 6858000"/>
+              <a:gd name="connsiteX15" fmla="*/ 189500 w 5297762"/>
+              <a:gd name="connsiteY15" fmla="*/ 1709010 h 6858000"/>
+              <a:gd name="connsiteX16" fmla="*/ 199585 w 5297762"/>
+              <a:gd name="connsiteY16" fmla="*/ 1861943 h 6858000"/>
+              <a:gd name="connsiteX17" fmla="*/ 207485 w 5297762"/>
+              <a:gd name="connsiteY17" fmla="*/ 2014877 h 6858000"/>
+              <a:gd name="connsiteX18" fmla="*/ 215722 w 5297762"/>
+              <a:gd name="connsiteY18" fmla="*/ 2167124 h 6858000"/>
+              <a:gd name="connsiteX19" fmla="*/ 222613 w 5297762"/>
+              <a:gd name="connsiteY19" fmla="*/ 2318000 h 6858000"/>
+              <a:gd name="connsiteX20" fmla="*/ 227488 w 5297762"/>
+              <a:gd name="connsiteY20" fmla="*/ 2467505 h 6858000"/>
+              <a:gd name="connsiteX21" fmla="*/ 231690 w 5297762"/>
+              <a:gd name="connsiteY21" fmla="*/ 2617009 h 6858000"/>
+              <a:gd name="connsiteX22" fmla="*/ 235724 w 5297762"/>
+              <a:gd name="connsiteY22" fmla="*/ 2765142 h 6858000"/>
+              <a:gd name="connsiteX23" fmla="*/ 237573 w 5297762"/>
+              <a:gd name="connsiteY23" fmla="*/ 2911217 h 6858000"/>
+              <a:gd name="connsiteX24" fmla="*/ 239590 w 5297762"/>
+              <a:gd name="connsiteY24" fmla="*/ 3057293 h 6858000"/>
+              <a:gd name="connsiteX25" fmla="*/ 240599 w 5297762"/>
+              <a:gd name="connsiteY25" fmla="*/ 3201311 h 6858000"/>
+              <a:gd name="connsiteX26" fmla="*/ 239590 w 5297762"/>
+              <a:gd name="connsiteY26" fmla="*/ 3343957 h 6858000"/>
+              <a:gd name="connsiteX27" fmla="*/ 239590 w 5297762"/>
+              <a:gd name="connsiteY27" fmla="*/ 3485232 h 6858000"/>
+              <a:gd name="connsiteX28" fmla="*/ 237573 w 5297762"/>
+              <a:gd name="connsiteY28" fmla="*/ 3625135 h 6858000"/>
+              <a:gd name="connsiteX29" fmla="*/ 234548 w 5297762"/>
+              <a:gd name="connsiteY29" fmla="*/ 3762295 h 6858000"/>
+              <a:gd name="connsiteX30" fmla="*/ 231690 w 5297762"/>
+              <a:gd name="connsiteY30" fmla="*/ 3898083 h 6858000"/>
+              <a:gd name="connsiteX31" fmla="*/ 228496 w 5297762"/>
+              <a:gd name="connsiteY31" fmla="*/ 4031129 h 6858000"/>
+              <a:gd name="connsiteX32" fmla="*/ 223622 w 5297762"/>
+              <a:gd name="connsiteY32" fmla="*/ 4163488 h 6858000"/>
+              <a:gd name="connsiteX33" fmla="*/ 218411 w 5297762"/>
+              <a:gd name="connsiteY33" fmla="*/ 4293789 h 6858000"/>
+              <a:gd name="connsiteX34" fmla="*/ 213705 w 5297762"/>
+              <a:gd name="connsiteY34" fmla="*/ 4421348 h 6858000"/>
+              <a:gd name="connsiteX35" fmla="*/ 200425 w 5297762"/>
+              <a:gd name="connsiteY35" fmla="*/ 4670294 h 6858000"/>
+              <a:gd name="connsiteX36" fmla="*/ 186306 w 5297762"/>
+              <a:gd name="connsiteY36" fmla="*/ 4908952 h 6858000"/>
+              <a:gd name="connsiteX37" fmla="*/ 171514 w 5297762"/>
+              <a:gd name="connsiteY37" fmla="*/ 5138009 h 6858000"/>
+              <a:gd name="connsiteX38" fmla="*/ 155209 w 5297762"/>
+              <a:gd name="connsiteY38" fmla="*/ 5354722 h 6858000"/>
+              <a:gd name="connsiteX39" fmla="*/ 138232 w 5297762"/>
+              <a:gd name="connsiteY39" fmla="*/ 5561834 h 6858000"/>
+              <a:gd name="connsiteX40" fmla="*/ 119911 w 5297762"/>
+              <a:gd name="connsiteY40" fmla="*/ 5753858 h 6858000"/>
+              <a:gd name="connsiteX41" fmla="*/ 101925 w 5297762"/>
+              <a:gd name="connsiteY41" fmla="*/ 5934223 h 6858000"/>
+              <a:gd name="connsiteX42" fmla="*/ 83940 w 5297762"/>
+              <a:gd name="connsiteY42" fmla="*/ 6100187 h 6858000"/>
+              <a:gd name="connsiteX43" fmla="*/ 66963 w 5297762"/>
+              <a:gd name="connsiteY43" fmla="*/ 6252434 h 6858000"/>
+              <a:gd name="connsiteX44" fmla="*/ 50826 w 5297762"/>
+              <a:gd name="connsiteY44" fmla="*/ 6387537 h 6858000"/>
+              <a:gd name="connsiteX45" fmla="*/ 35530 w 5297762"/>
+              <a:gd name="connsiteY45" fmla="*/ 6509609 h 6858000"/>
+              <a:gd name="connsiteX46" fmla="*/ 22755 w 5297762"/>
+              <a:gd name="connsiteY46" fmla="*/ 6612479 h 6858000"/>
+              <a:gd name="connsiteX47" fmla="*/ 10653 w 5297762"/>
+              <a:gd name="connsiteY47" fmla="*/ 6698890 h 6858000"/>
+              <a:gd name="connsiteX48" fmla="*/ 0 w 5297762"/>
+              <a:gd name="connsiteY48" fmla="*/ 6771890 h 6858000"/>
+              <a:gd name="connsiteX49" fmla="*/ 0 w 5297762"/>
+              <a:gd name="connsiteY49" fmla="*/ 6858000 h 6858000"/>
+              <a:gd name="connsiteX50" fmla="*/ 4470448 w 5297762"/>
+              <a:gd name="connsiteY50" fmla="*/ 6858000 h 6858000"/>
+              <a:gd name="connsiteX51" fmla="*/ 4654296 w 5297762"/>
+              <a:gd name="connsiteY51" fmla="*/ 6858000 h 6858000"/>
+              <a:gd name="connsiteX52" fmla="*/ 5297762 w 5297762"/>
+              <a:gd name="connsiteY52" fmla="*/ 6858000 h 6858000"/>
+            </a:gdLst>
+            <a:ahLst/>
+            <a:cxnLst>
+              <a:cxn ang="0">
+                <a:pos x="connsiteX0" y="connsiteY0"/>
+              </a:cxn>
+              <a:cxn ang="0">
+                <a:pos x="connsiteX1" y="connsiteY1"/>
+              </a:cxn>
+              <a:cxn ang="0">
+                <a:pos x="connsiteX2" y="connsiteY2"/>
+              </a:cxn>
+              <a:cxn ang="0">
+                <a:pos x="connsiteX3" y="connsiteY3"/>
+              </a:cxn>
+              <a:cxn ang="0">
+                <a:pos x="connsiteX4" y="connsiteY4"/>
+              </a:cxn>
+              <a:cxn ang="0">
+                <a:pos x="connsiteX5" y="connsiteY5"/>
+              </a:cxn>
+              <a:cxn ang="0">
+                <a:pos x="connsiteX6" y="connsiteY6"/>
+              </a:cxn>
+              <a:cxn ang="0">
+                <a:pos x="connsiteX7" y="connsiteY7"/>
+              </a:cxn>
+              <a:cxn ang="0">
+                <a:pos x="connsiteX8" y="connsiteY8"/>
+              </a:cxn>
+              <a:cxn ang="0">
+                <a:pos x="connsiteX9" y="connsiteY9"/>
+              </a:cxn>
+              <a:cxn ang="0">
+                <a:pos x="connsiteX10" y="connsiteY10"/>
+              </a:cxn>
+              <a:cxn ang="0">
+                <a:pos x="connsiteX11" y="connsiteY11"/>
+              </a:cxn>
+              <a:cxn ang="0">
+                <a:pos x="connsiteX12" y="connsiteY12"/>
+              </a:cxn>
+              <a:cxn ang="0">
+                <a:pos x="connsiteX13" y="connsiteY13"/>
+              </a:cxn>
+              <a:cxn ang="0">
+                <a:pos x="connsiteX14" y="connsiteY14"/>
+              </a:cxn>
+              <a:cxn ang="0">
+                <a:pos x="connsiteX15" y="connsiteY15"/>
+              </a:cxn>
+              <a:cxn ang="0">
+                <a:pos x="connsiteX16" y="connsiteY16"/>
+              </a:cxn>
+              <a:cxn ang="0">
+                <a:pos x="connsiteX17" y="connsiteY17"/>
+              </a:cxn>
+              <a:cxn ang="0">
+                <a:pos x="connsiteX18" y="connsiteY18"/>
+              </a:cxn>
+              <a:cxn ang="0">
+                <a:pos x="connsiteX19" y="connsiteY19"/>
+              </a:cxn>
+              <a:cxn ang="0">
+                <a:pos x="connsiteX20" y="connsiteY20"/>
+              </a:cxn>
+              <a:cxn ang="0">
+                <a:pos x="connsiteX21" y="connsiteY21"/>
+              </a:cxn>
+              <a:cxn ang="0">
+                <a:pos x="connsiteX22" y="connsiteY22"/>
+              </a:cxn>
+              <a:cxn ang="0">
+                <a:pos x="connsiteX23" y="connsiteY23"/>
+              </a:cxn>
+              <a:cxn ang="0">
+                <a:pos x="connsiteX24" y="connsiteY24"/>
+              </a:cxn>
+              <a:cxn ang="0">
+                <a:pos x="connsiteX25" y="connsiteY25"/>
+              </a:cxn>
+              <a:cxn ang="0">
+                <a:pos x="connsiteX26" y="connsiteY26"/>
+              </a:cxn>
+              <a:cxn ang="0">
+                <a:pos x="connsiteX27" y="connsiteY27"/>
+              </a:cxn>
+              <a:cxn ang="0">
+                <a:pos x="connsiteX28" y="connsiteY28"/>
+              </a:cxn>
+              <a:cxn ang="0">
+                <a:pos x="connsiteX29" y="connsiteY29"/>
+              </a:cxn>
+              <a:cxn ang="0">
+                <a:pos x="connsiteX30" y="connsiteY30"/>
+              </a:cxn>
+              <a:cxn ang="0">
+                <a:pos x="connsiteX31" y="connsiteY31"/>
+              </a:cxn>
+              <a:cxn ang="0">
+                <a:pos x="connsiteX32" y="connsiteY32"/>
+              </a:cxn>
+              <a:cxn ang="0">
+                <a:pos x="connsiteX33" y="connsiteY33"/>
+              </a:cxn>
+              <a:cxn ang="0">
+                <a:pos x="connsiteX34" y="connsiteY34"/>
+              </a:cxn>
+              <a:cxn ang="0">
+                <a:pos x="connsiteX35" y="connsiteY35"/>
+              </a:cxn>
+              <a:cxn ang="0">
+                <a:pos x="connsiteX36" y="connsiteY36"/>
+              </a:cxn>
+              <a:cxn ang="0">
+                <a:pos x="connsiteX37" y="connsiteY37"/>
+              </a:cxn>
+              <a:cxn ang="0">
+                <a:pos x="connsiteX38" y="connsiteY38"/>
+              </a:cxn>
+              <a:cxn ang="0">
+                <a:pos x="connsiteX39" y="connsiteY39"/>
+              </a:cxn>
+              <a:cxn ang="0">
+                <a:pos x="connsiteX40" y="connsiteY40"/>
+              </a:cxn>
+              <a:cxn ang="0">
+                <a:pos x="connsiteX41" y="connsiteY41"/>
+              </a:cxn>
+              <a:cxn ang="0">
+                <a:pos x="connsiteX42" y="connsiteY42"/>
+              </a:cxn>
+              <a:cxn ang="0">
+                <a:pos x="connsiteX43" y="connsiteY43"/>
+              </a:cxn>
+              <a:cxn ang="0">
+                <a:pos x="connsiteX44" y="connsiteY44"/>
+              </a:cxn>
+              <a:cxn ang="0">
+                <a:pos x="connsiteX45" y="connsiteY45"/>
+              </a:cxn>
+              <a:cxn ang="0">
+                <a:pos x="connsiteX46" y="connsiteY46"/>
+              </a:cxn>
+              <a:cxn ang="0">
+                <a:pos x="connsiteX47" y="connsiteY47"/>
+              </a:cxn>
+              <a:cxn ang="0">
+                <a:pos x="connsiteX48" y="connsiteY48"/>
+              </a:cxn>
+              <a:cxn ang="0">
+                <a:pos x="connsiteX49" y="connsiteY49"/>
+              </a:cxn>
+              <a:cxn ang="0">
+                <a:pos x="connsiteX50" y="connsiteY50"/>
+              </a:cxn>
+              <a:cxn ang="0">
+                <a:pos x="connsiteX51" y="connsiteY51"/>
+              </a:cxn>
+              <a:cxn ang="0">
+                <a:pos x="connsiteX52" y="connsiteY52"/>
+              </a:cxn>
+            </a:cxnLst>
+            <a:rect l="l" t="t" r="r" b="b"/>
+            <a:pathLst>
+              <a:path w="5297762" h="6858000">
+                <a:moveTo>
+                  <a:pt x="5297762" y="0"/>
+                </a:moveTo>
+                <a:lnTo>
+                  <a:pt x="4654296" y="0"/>
+                </a:lnTo>
+                <a:lnTo>
+                  <a:pt x="4470448" y="0"/>
+                </a:lnTo>
+                <a:lnTo>
+                  <a:pt x="0" y="0"/>
+                </a:lnTo>
+                <a:lnTo>
+                  <a:pt x="0" y="70650"/>
+                </a:lnTo>
+                <a:lnTo>
+                  <a:pt x="13678" y="155673"/>
+                </a:lnTo>
+                <a:lnTo>
+                  <a:pt x="37547" y="310664"/>
+                </a:lnTo>
+                <a:lnTo>
+                  <a:pt x="60911" y="466340"/>
+                </a:lnTo>
+                <a:lnTo>
+                  <a:pt x="80914" y="622703"/>
+                </a:lnTo>
+                <a:lnTo>
+                  <a:pt x="101085" y="778379"/>
+                </a:lnTo>
+                <a:lnTo>
+                  <a:pt x="119911" y="934742"/>
+                </a:lnTo>
+                <a:lnTo>
+                  <a:pt x="136047" y="1089047"/>
+                </a:lnTo>
+                <a:lnTo>
+                  <a:pt x="151343" y="1245409"/>
+                </a:lnTo>
+                <a:lnTo>
+                  <a:pt x="165295" y="1401086"/>
+                </a:lnTo>
+                <a:lnTo>
+                  <a:pt x="177397" y="1554019"/>
+                </a:lnTo>
+                <a:lnTo>
+                  <a:pt x="189500" y="1709010"/>
+                </a:lnTo>
+                <a:lnTo>
+                  <a:pt x="199585" y="1861943"/>
+                </a:lnTo>
+                <a:lnTo>
+                  <a:pt x="207485" y="2014877"/>
+                </a:lnTo>
+                <a:lnTo>
+                  <a:pt x="215722" y="2167124"/>
+                </a:lnTo>
+                <a:lnTo>
+                  <a:pt x="222613" y="2318000"/>
+                </a:lnTo>
+                <a:lnTo>
+                  <a:pt x="227488" y="2467505"/>
+                </a:lnTo>
+                <a:lnTo>
+                  <a:pt x="231690" y="2617009"/>
+                </a:lnTo>
+                <a:lnTo>
+                  <a:pt x="235724" y="2765142"/>
+                </a:lnTo>
+                <a:lnTo>
+                  <a:pt x="237573" y="2911217"/>
+                </a:lnTo>
+                <a:lnTo>
+                  <a:pt x="239590" y="3057293"/>
+                </a:lnTo>
+                <a:lnTo>
+                  <a:pt x="240599" y="3201311"/>
+                </a:lnTo>
+                <a:lnTo>
+                  <a:pt x="239590" y="3343957"/>
+                </a:lnTo>
+                <a:lnTo>
+                  <a:pt x="239590" y="3485232"/>
+                </a:lnTo>
+                <a:lnTo>
+                  <a:pt x="237573" y="3625135"/>
+                </a:lnTo>
+                <a:lnTo>
+                  <a:pt x="234548" y="3762295"/>
+                </a:lnTo>
+                <a:lnTo>
+                  <a:pt x="231690" y="3898083"/>
+                </a:lnTo>
+                <a:lnTo>
+                  <a:pt x="228496" y="4031129"/>
+                </a:lnTo>
+                <a:lnTo>
+                  <a:pt x="223622" y="4163488"/>
+                </a:lnTo>
+                <a:lnTo>
+                  <a:pt x="218411" y="4293789"/>
+                </a:lnTo>
+                <a:lnTo>
+                  <a:pt x="213705" y="4421348"/>
+                </a:lnTo>
+                <a:lnTo>
+                  <a:pt x="200425" y="4670294"/>
+                </a:lnTo>
+                <a:lnTo>
+                  <a:pt x="186306" y="4908952"/>
+                </a:lnTo>
+                <a:lnTo>
+                  <a:pt x="171514" y="5138009"/>
+                </a:lnTo>
+                <a:lnTo>
+                  <a:pt x="155209" y="5354722"/>
+                </a:lnTo>
+                <a:lnTo>
+                  <a:pt x="138232" y="5561834"/>
+                </a:lnTo>
+                <a:lnTo>
+                  <a:pt x="119911" y="5753858"/>
+                </a:lnTo>
+                <a:lnTo>
+                  <a:pt x="101925" y="5934223"/>
+                </a:lnTo>
+                <a:lnTo>
+                  <a:pt x="83940" y="6100187"/>
+                </a:lnTo>
+                <a:lnTo>
+                  <a:pt x="66963" y="6252434"/>
+                </a:lnTo>
+                <a:lnTo>
+                  <a:pt x="50826" y="6387537"/>
+                </a:lnTo>
+                <a:lnTo>
+                  <a:pt x="35530" y="6509609"/>
+                </a:lnTo>
+                <a:lnTo>
+                  <a:pt x="22755" y="6612479"/>
+                </a:lnTo>
+                <a:lnTo>
+                  <a:pt x="10653" y="6698890"/>
+                </a:lnTo>
+                <a:lnTo>
+                  <a:pt x="0" y="6771890"/>
+                </a:lnTo>
+                <a:lnTo>
+                  <a:pt x="0" y="6858000"/>
+                </a:lnTo>
+                <a:lnTo>
+                  <a:pt x="4470448" y="6858000"/>
+                </a:lnTo>
+                <a:lnTo>
+                  <a:pt x="4654296" y="6858000"/>
+                </a:lnTo>
+                <a:lnTo>
+                  <a:pt x="5297762" y="6858000"/>
+                </a:lnTo>
+                <a:close/>
+              </a:path>
+            </a:pathLst>
+          </a:custGeom>
+          <a:solidFill>
+            <a:schemeClr val="bg1">
+              <a:lumMod val="95000"/>
+              <a:lumOff val="5000"/>
+            </a:schemeClr>
+          </a:solidFill>
+          <a:ln>
+            <a:noFill/>
+          </a:ln>
+        </p:spPr>
+        <p:style>
+          <a:lnRef idx="2">
+            <a:schemeClr val="accent1">
+              <a:shade val="50000"/>
+            </a:schemeClr>
+          </a:lnRef>
+          <a:fillRef idx="1">
+            <a:schemeClr val="accent1"/>
+          </a:fillRef>
+          <a:effectRef idx="0">
+            <a:schemeClr val="accent1"/>
+          </a:effectRef>
+          <a:fontRef idx="minor">
+            <a:schemeClr val="lt1"/>
+          </a:fontRef>
+        </p:style>
+        <p:txBody>
+          <a:bodyPr wrap="square" rtlCol="0" anchor="ctr">
+            <a:noAutofit/>
+          </a:bodyPr>
+          <a:lstStyle/>
+          <a:p>
+            <a:pPr algn="ctr"/>
+            <a:endParaRPr lang="en-US"/>
+          </a:p>
+        </p:txBody>
+      </p:sp>
+      <p:sp>
+        <p:nvSpPr>
+          <p:cNvPr id="3" name="Text Placeholder 2">
+            <a:extLst>
+              <a:ext uri="{FF2B5EF4-FFF2-40B4-BE49-F238E27FC236}">
+                <a16:creationId xmlns:a16="http://schemas.microsoft.com/office/drawing/2014/main" id="{69A7D6C8-2D58-484E-8257-94A59AF2BC96}"/>
+              </a:ext>
+            </a:extLst>
+          </p:cNvPr>
+          <p:cNvSpPr>
+            <a:spLocks noGrp="1"/>
+          </p:cNvSpPr>
+          <p:nvPr>
+            <p:ph type="body" idx="1"/>
+          </p:nvPr>
+        </p:nvSpPr>
+        <p:spPr>
+          <a:xfrm>
+            <a:off x="685802" y="1151677"/>
+            <a:ext cx="3968492" cy="4718897"/>
+          </a:xfrm>
+        </p:spPr>
+        <p:txBody>
+          <a:bodyPr vert="horz" lIns="91440" tIns="45720" rIns="91440" bIns="45720" rtlCol="0" anchor="ctr">
+            <a:normAutofit/>
+          </a:bodyPr>
+          <a:lstStyle/>
+          <a:p>
+            <a:pPr>
+              <a:buFont typeface="Arial"/>
+              <a:buChar char="•"/>
+            </a:pPr>
+            <a:endParaRPr lang="en-US"/>
+          </a:p>
+        </p:txBody>
+      </p:sp>
+    </p:spTree>
+    <p:extLst>
+      <p:ext uri="{BB962C8B-B14F-4D97-AF65-F5344CB8AC3E}">
+        <p14:creationId xmlns:p14="http://schemas.microsoft.com/office/powerpoint/2010/main" val="4224594089"/>
+      </p:ext>
+    </p:extLst>
+  </p:cSld>
+  <p:clrMapOvr>
+    <a:masterClrMapping/>
+  </p:clrMapOvr>
+</p:sld>
+</file>
+
+<file path=ppt/slides/slide25.xml><?xml version="1.0" encoding="utf-8"?>
+<p:sld xmlns:a="http://schemas.openxmlformats.org/drawingml/2006/main" xmlns:r="http://schemas.openxmlformats.org/officeDocument/2006/relationships" xmlns:p="http://schemas.openxmlformats.org/presentationml/2006/main">
+  <p:cSld>
+    <p:bg>
+      <p:bgPr>
+        <a:solidFill>
+          <a:schemeClr val="bg1"/>
+        </a:solidFill>
+        <a:effectLst/>
+      </p:bgPr>
+    </p:bg>
+    <p:spTree>
+      <p:nvGrpSpPr>
+        <p:cNvPr id="1" name=""/>
+        <p:cNvGrpSpPr/>
+        <p:nvPr/>
+      </p:nvGrpSpPr>
+      <p:grpSpPr>
+        <a:xfrm>
+          <a:off x="0" y="0"/>
+          <a:ext cx="0" cy="0"/>
+          <a:chOff x="0" y="0"/>
+          <a:chExt cx="0" cy="0"/>
+        </a:xfrm>
+      </p:grpSpPr>
+      <p:sp useBgFill="1">
+        <p:nvSpPr>
+          <p:cNvPr id="8" name="Rectangle 7">
+            <a:extLst>
+              <a:ext uri="{FF2B5EF4-FFF2-40B4-BE49-F238E27FC236}">
+                <a16:creationId xmlns:a16="http://schemas.microsoft.com/office/drawing/2014/main" id="{66B5BE70-4451-4286-9D79-27C26F755FAC}"/>
+              </a:ext>
+              <a:ext uri="{C183D7F6-B498-43B3-948B-1728B52AA6E4}">
+                <adec:decorative xmlns:adec="http://schemas.microsoft.com/office/drawing/2017/decorative" val="1"/>
+              </a:ext>
+            </a:extLst>
+          </p:cNvPr>
+          <p:cNvSpPr>
+            <a:spLocks noGrp="1" noRot="1" noChangeAspect="1" noMove="1" noResize="1" noEditPoints="1" noAdjustHandles="1" noChangeArrowheads="1" noChangeShapeType="1" noTextEdit="1"/>
+          </p:cNvSpPr>
+          <p:nvPr>
+            <p:extLst>
+              <p:ext uri="{386F3935-93C4-4BCD-93E2-E3B085C9AB24}">
+                <p16:designElem xmlns:p16="http://schemas.microsoft.com/office/powerpoint/2015/main" val="1"/>
+              </p:ext>
+            </p:extLst>
+          </p:nvPr>
+        </p:nvSpPr>
+        <p:spPr>
+          <a:xfrm>
+            <a:off x="0" y="0"/>
+            <a:ext cx="12192000" cy="6858000"/>
+          </a:xfrm>
+          <a:prstGeom prst="rect">
+            <a:avLst/>
+          </a:prstGeom>
+          <a:ln>
+            <a:noFill/>
+          </a:ln>
+        </p:spPr>
+        <p:style>
+          <a:lnRef idx="2">
+            <a:schemeClr val="accent1">
+              <a:shade val="50000"/>
+            </a:schemeClr>
+          </a:lnRef>
+          <a:fillRef idx="1">
+            <a:schemeClr val="accent1"/>
+          </a:fillRef>
+          <a:effectRef idx="0">
+            <a:schemeClr val="accent1"/>
+          </a:effectRef>
+          <a:fontRef idx="minor">
+            <a:schemeClr val="lt1"/>
+          </a:fontRef>
+        </p:style>
+        <p:txBody>
+          <a:bodyPr rtlCol="0" anchor="ctr"/>
+          <a:lstStyle/>
+          <a:p>
+            <a:pPr algn="ctr"/>
+            <a:endParaRPr lang="en-US"/>
+          </a:p>
+        </p:txBody>
+      </p:sp>
+      <p:pic>
+        <p:nvPicPr>
+          <p:cNvPr id="10" name="Picture 9">
+            <a:extLst>
+              <a:ext uri="{FF2B5EF4-FFF2-40B4-BE49-F238E27FC236}">
+                <a16:creationId xmlns:a16="http://schemas.microsoft.com/office/drawing/2014/main" id="{8176C668-3F88-414B-AAEE-1785E38D5D59}"/>
+              </a:ext>
+              <a:ext uri="{C183D7F6-B498-43B3-948B-1728B52AA6E4}">
+                <adec:decorative xmlns:adec="http://schemas.microsoft.com/office/drawing/2017/decorative" val="1"/>
+              </a:ext>
+            </a:extLst>
+          </p:cNvPr>
+          <p:cNvPicPr>
+            <a:picLocks noGrp="1" noRot="1" noChangeAspect="1" noMove="1" noResize="1" noEditPoints="1" noAdjustHandles="1" noChangeArrowheads="1" noChangeShapeType="1" noCrop="1"/>
+          </p:cNvPicPr>
+          <p:nvPr>
+            <p:extLst>
+              <p:ext uri="{386F3935-93C4-4BCD-93E2-E3B085C9AB24}">
+                <p16:designElem xmlns:p16="http://schemas.microsoft.com/office/powerpoint/2015/main" val="1"/>
+              </p:ext>
+            </p:extLst>
+          </p:nvPr>
+        </p:nvPicPr>
+        <p:blipFill>
+          <a:blip r:embed="rId2">
+            <a:extLst>
+              <a:ext uri="{28A0092B-C50C-407E-A947-70E740481C1C}">
+                <a14:useLocalDpi xmlns:a14="http://schemas.microsoft.com/office/drawing/2010/main" val="0"/>
+              </a:ext>
+            </a:extLst>
+          </a:blip>
+          <a:stretch>
+            <a:fillRect/>
+          </a:stretch>
+        </p:blipFill>
+        <p:spPr>
+          <a:xfrm>
+            <a:off x="0" y="0"/>
+            <a:ext cx="12188825" cy="6856214"/>
+          </a:xfrm>
+          <a:prstGeom prst="rect">
+            <a:avLst/>
+          </a:prstGeom>
+        </p:spPr>
+      </p:pic>
+      <p:sp>
+        <p:nvSpPr>
+          <p:cNvPr id="2" name="Title 1">
+            <a:extLst>
+              <a:ext uri="{FF2B5EF4-FFF2-40B4-BE49-F238E27FC236}">
+                <a16:creationId xmlns:a16="http://schemas.microsoft.com/office/drawing/2014/main" id="{9F8126B9-0560-4E47-A5CA-7B57B94FAFBC}"/>
+              </a:ext>
+            </a:extLst>
+          </p:cNvPr>
+          <p:cNvSpPr>
+            <a:spLocks noGrp="1"/>
+          </p:cNvSpPr>
+          <p:nvPr>
+            <p:ph type="title"/>
+          </p:nvPr>
+        </p:nvSpPr>
+        <p:spPr>
+          <a:xfrm>
+            <a:off x="5941228" y="1151677"/>
+            <a:ext cx="5218897" cy="4554647"/>
+          </a:xfrm>
+        </p:spPr>
+        <p:txBody>
+          <a:bodyPr anchor="ctr">
+            <a:normAutofit/>
+          </a:bodyPr>
+          <a:lstStyle/>
+          <a:p>
+            <a:r>
+              <a:rPr lang="en-US" sz="4800" dirty="0"/>
+              <a:t>Kicking off the simulation</a:t>
+            </a:r>
+          </a:p>
+        </p:txBody>
+      </p:sp>
+      <p:sp>
+        <p:nvSpPr>
+          <p:cNvPr id="12" name="Freeform: Shape 11">
+            <a:extLst>
+              <a:ext uri="{FF2B5EF4-FFF2-40B4-BE49-F238E27FC236}">
+                <a16:creationId xmlns:a16="http://schemas.microsoft.com/office/drawing/2014/main" id="{D58C5A54-E70B-4B9B-A7FE-D3A05561BFD8}"/>
+              </a:ext>
+              <a:ext uri="{C183D7F6-B498-43B3-948B-1728B52AA6E4}">
+                <adec:decorative xmlns:adec="http://schemas.microsoft.com/office/drawing/2017/decorative" val="1"/>
+              </a:ext>
+            </a:extLst>
+          </p:cNvPr>
+          <p:cNvSpPr>
+            <a:spLocks noGrp="1" noRot="1" noChangeAspect="1" noMove="1" noResize="1" noEditPoints="1" noAdjustHandles="1" noChangeArrowheads="1" noChangeShapeType="1" noTextEdit="1"/>
+          </p:cNvSpPr>
+          <p:nvPr>
+            <p:extLst>
+              <p:ext uri="{386F3935-93C4-4BCD-93E2-E3B085C9AB24}">
+                <p16:designElem xmlns:p16="http://schemas.microsoft.com/office/powerpoint/2015/main" val="1"/>
+              </p:ext>
+            </p:extLst>
+          </p:nvPr>
+        </p:nvSpPr>
+        <p:spPr>
+          <a:xfrm flipH="1">
+            <a:off x="0" y="0"/>
+            <a:ext cx="5297762" cy="6858000"/>
+          </a:xfrm>
+          <a:custGeom>
+            <a:avLst/>
+            <a:gdLst>
+              <a:gd name="connsiteX0" fmla="*/ 5297762 w 5297762"/>
+              <a:gd name="connsiteY0" fmla="*/ 0 h 6858000"/>
+              <a:gd name="connsiteX1" fmla="*/ 4654296 w 5297762"/>
+              <a:gd name="connsiteY1" fmla="*/ 0 h 6858000"/>
+              <a:gd name="connsiteX2" fmla="*/ 4470448 w 5297762"/>
+              <a:gd name="connsiteY2" fmla="*/ 0 h 6858000"/>
+              <a:gd name="connsiteX3" fmla="*/ 0 w 5297762"/>
+              <a:gd name="connsiteY3" fmla="*/ 0 h 6858000"/>
+              <a:gd name="connsiteX4" fmla="*/ 0 w 5297762"/>
+              <a:gd name="connsiteY4" fmla="*/ 70650 h 6858000"/>
+              <a:gd name="connsiteX5" fmla="*/ 13678 w 5297762"/>
+              <a:gd name="connsiteY5" fmla="*/ 155673 h 6858000"/>
+              <a:gd name="connsiteX6" fmla="*/ 37547 w 5297762"/>
+              <a:gd name="connsiteY6" fmla="*/ 310664 h 6858000"/>
+              <a:gd name="connsiteX7" fmla="*/ 60911 w 5297762"/>
+              <a:gd name="connsiteY7" fmla="*/ 466340 h 6858000"/>
+              <a:gd name="connsiteX8" fmla="*/ 80914 w 5297762"/>
+              <a:gd name="connsiteY8" fmla="*/ 622703 h 6858000"/>
+              <a:gd name="connsiteX9" fmla="*/ 101085 w 5297762"/>
+              <a:gd name="connsiteY9" fmla="*/ 778379 h 6858000"/>
+              <a:gd name="connsiteX10" fmla="*/ 119911 w 5297762"/>
+              <a:gd name="connsiteY10" fmla="*/ 934742 h 6858000"/>
+              <a:gd name="connsiteX11" fmla="*/ 136047 w 5297762"/>
+              <a:gd name="connsiteY11" fmla="*/ 1089047 h 6858000"/>
+              <a:gd name="connsiteX12" fmla="*/ 151343 w 5297762"/>
+              <a:gd name="connsiteY12" fmla="*/ 1245409 h 6858000"/>
+              <a:gd name="connsiteX13" fmla="*/ 165295 w 5297762"/>
+              <a:gd name="connsiteY13" fmla="*/ 1401086 h 6858000"/>
+              <a:gd name="connsiteX14" fmla="*/ 177397 w 5297762"/>
+              <a:gd name="connsiteY14" fmla="*/ 1554019 h 6858000"/>
+              <a:gd name="connsiteX15" fmla="*/ 189500 w 5297762"/>
+              <a:gd name="connsiteY15" fmla="*/ 1709010 h 6858000"/>
+              <a:gd name="connsiteX16" fmla="*/ 199585 w 5297762"/>
+              <a:gd name="connsiteY16" fmla="*/ 1861943 h 6858000"/>
+              <a:gd name="connsiteX17" fmla="*/ 207485 w 5297762"/>
+              <a:gd name="connsiteY17" fmla="*/ 2014877 h 6858000"/>
+              <a:gd name="connsiteX18" fmla="*/ 215722 w 5297762"/>
+              <a:gd name="connsiteY18" fmla="*/ 2167124 h 6858000"/>
+              <a:gd name="connsiteX19" fmla="*/ 222613 w 5297762"/>
+              <a:gd name="connsiteY19" fmla="*/ 2318000 h 6858000"/>
+              <a:gd name="connsiteX20" fmla="*/ 227488 w 5297762"/>
+              <a:gd name="connsiteY20" fmla="*/ 2467505 h 6858000"/>
+              <a:gd name="connsiteX21" fmla="*/ 231690 w 5297762"/>
+              <a:gd name="connsiteY21" fmla="*/ 2617009 h 6858000"/>
+              <a:gd name="connsiteX22" fmla="*/ 235724 w 5297762"/>
+              <a:gd name="connsiteY22" fmla="*/ 2765142 h 6858000"/>
+              <a:gd name="connsiteX23" fmla="*/ 237573 w 5297762"/>
+              <a:gd name="connsiteY23" fmla="*/ 2911217 h 6858000"/>
+              <a:gd name="connsiteX24" fmla="*/ 239590 w 5297762"/>
+              <a:gd name="connsiteY24" fmla="*/ 3057293 h 6858000"/>
+              <a:gd name="connsiteX25" fmla="*/ 240599 w 5297762"/>
+              <a:gd name="connsiteY25" fmla="*/ 3201311 h 6858000"/>
+              <a:gd name="connsiteX26" fmla="*/ 239590 w 5297762"/>
+              <a:gd name="connsiteY26" fmla="*/ 3343957 h 6858000"/>
+              <a:gd name="connsiteX27" fmla="*/ 239590 w 5297762"/>
+              <a:gd name="connsiteY27" fmla="*/ 3485232 h 6858000"/>
+              <a:gd name="connsiteX28" fmla="*/ 237573 w 5297762"/>
+              <a:gd name="connsiteY28" fmla="*/ 3625135 h 6858000"/>
+              <a:gd name="connsiteX29" fmla="*/ 234548 w 5297762"/>
+              <a:gd name="connsiteY29" fmla="*/ 3762295 h 6858000"/>
+              <a:gd name="connsiteX30" fmla="*/ 231690 w 5297762"/>
+              <a:gd name="connsiteY30" fmla="*/ 3898083 h 6858000"/>
+              <a:gd name="connsiteX31" fmla="*/ 228496 w 5297762"/>
+              <a:gd name="connsiteY31" fmla="*/ 4031129 h 6858000"/>
+              <a:gd name="connsiteX32" fmla="*/ 223622 w 5297762"/>
+              <a:gd name="connsiteY32" fmla="*/ 4163488 h 6858000"/>
+              <a:gd name="connsiteX33" fmla="*/ 218411 w 5297762"/>
+              <a:gd name="connsiteY33" fmla="*/ 4293789 h 6858000"/>
+              <a:gd name="connsiteX34" fmla="*/ 213705 w 5297762"/>
+              <a:gd name="connsiteY34" fmla="*/ 4421348 h 6858000"/>
+              <a:gd name="connsiteX35" fmla="*/ 200425 w 5297762"/>
+              <a:gd name="connsiteY35" fmla="*/ 4670294 h 6858000"/>
+              <a:gd name="connsiteX36" fmla="*/ 186306 w 5297762"/>
+              <a:gd name="connsiteY36" fmla="*/ 4908952 h 6858000"/>
+              <a:gd name="connsiteX37" fmla="*/ 171514 w 5297762"/>
+              <a:gd name="connsiteY37" fmla="*/ 5138009 h 6858000"/>
+              <a:gd name="connsiteX38" fmla="*/ 155209 w 5297762"/>
+              <a:gd name="connsiteY38" fmla="*/ 5354722 h 6858000"/>
+              <a:gd name="connsiteX39" fmla="*/ 138232 w 5297762"/>
+              <a:gd name="connsiteY39" fmla="*/ 5561834 h 6858000"/>
+              <a:gd name="connsiteX40" fmla="*/ 119911 w 5297762"/>
+              <a:gd name="connsiteY40" fmla="*/ 5753858 h 6858000"/>
+              <a:gd name="connsiteX41" fmla="*/ 101925 w 5297762"/>
+              <a:gd name="connsiteY41" fmla="*/ 5934223 h 6858000"/>
+              <a:gd name="connsiteX42" fmla="*/ 83940 w 5297762"/>
+              <a:gd name="connsiteY42" fmla="*/ 6100187 h 6858000"/>
+              <a:gd name="connsiteX43" fmla="*/ 66963 w 5297762"/>
+              <a:gd name="connsiteY43" fmla="*/ 6252434 h 6858000"/>
+              <a:gd name="connsiteX44" fmla="*/ 50826 w 5297762"/>
+              <a:gd name="connsiteY44" fmla="*/ 6387537 h 6858000"/>
+              <a:gd name="connsiteX45" fmla="*/ 35530 w 5297762"/>
+              <a:gd name="connsiteY45" fmla="*/ 6509609 h 6858000"/>
+              <a:gd name="connsiteX46" fmla="*/ 22755 w 5297762"/>
+              <a:gd name="connsiteY46" fmla="*/ 6612479 h 6858000"/>
+              <a:gd name="connsiteX47" fmla="*/ 10653 w 5297762"/>
+              <a:gd name="connsiteY47" fmla="*/ 6698890 h 6858000"/>
+              <a:gd name="connsiteX48" fmla="*/ 0 w 5297762"/>
+              <a:gd name="connsiteY48" fmla="*/ 6771890 h 6858000"/>
+              <a:gd name="connsiteX49" fmla="*/ 0 w 5297762"/>
+              <a:gd name="connsiteY49" fmla="*/ 6858000 h 6858000"/>
+              <a:gd name="connsiteX50" fmla="*/ 4470448 w 5297762"/>
+              <a:gd name="connsiteY50" fmla="*/ 6858000 h 6858000"/>
+              <a:gd name="connsiteX51" fmla="*/ 4654296 w 5297762"/>
+              <a:gd name="connsiteY51" fmla="*/ 6858000 h 6858000"/>
+              <a:gd name="connsiteX52" fmla="*/ 5297762 w 5297762"/>
+              <a:gd name="connsiteY52" fmla="*/ 6858000 h 6858000"/>
+            </a:gdLst>
+            <a:ahLst/>
+            <a:cxnLst>
+              <a:cxn ang="0">
+                <a:pos x="connsiteX0" y="connsiteY0"/>
+              </a:cxn>
+              <a:cxn ang="0">
+                <a:pos x="connsiteX1" y="connsiteY1"/>
+              </a:cxn>
+              <a:cxn ang="0">
+                <a:pos x="connsiteX2" y="connsiteY2"/>
+              </a:cxn>
+              <a:cxn ang="0">
+                <a:pos x="connsiteX3" y="connsiteY3"/>
+              </a:cxn>
+              <a:cxn ang="0">
+                <a:pos x="connsiteX4" y="connsiteY4"/>
+              </a:cxn>
+              <a:cxn ang="0">
+                <a:pos x="connsiteX5" y="connsiteY5"/>
+              </a:cxn>
+              <a:cxn ang="0">
+                <a:pos x="connsiteX6" y="connsiteY6"/>
+              </a:cxn>
+              <a:cxn ang="0">
+                <a:pos x="connsiteX7" y="connsiteY7"/>
+              </a:cxn>
+              <a:cxn ang="0">
+                <a:pos x="connsiteX8" y="connsiteY8"/>
+              </a:cxn>
+              <a:cxn ang="0">
+                <a:pos x="connsiteX9" y="connsiteY9"/>
+              </a:cxn>
+              <a:cxn ang="0">
+                <a:pos x="connsiteX10" y="connsiteY10"/>
+              </a:cxn>
+              <a:cxn ang="0">
+                <a:pos x="connsiteX11" y="connsiteY11"/>
+              </a:cxn>
+              <a:cxn ang="0">
+                <a:pos x="connsiteX12" y="connsiteY12"/>
+              </a:cxn>
+              <a:cxn ang="0">
+                <a:pos x="connsiteX13" y="connsiteY13"/>
+              </a:cxn>
+              <a:cxn ang="0">
+                <a:pos x="connsiteX14" y="connsiteY14"/>
+              </a:cxn>
+              <a:cxn ang="0">
+                <a:pos x="connsiteX15" y="connsiteY15"/>
+              </a:cxn>
+              <a:cxn ang="0">
+                <a:pos x="connsiteX16" y="connsiteY16"/>
+              </a:cxn>
+              <a:cxn ang="0">
+                <a:pos x="connsiteX17" y="connsiteY17"/>
+              </a:cxn>
+              <a:cxn ang="0">
+                <a:pos x="connsiteX18" y="connsiteY18"/>
+              </a:cxn>
+              <a:cxn ang="0">
+                <a:pos x="connsiteX19" y="connsiteY19"/>
+              </a:cxn>
+              <a:cxn ang="0">
+                <a:pos x="connsiteX20" y="connsiteY20"/>
+              </a:cxn>
+              <a:cxn ang="0">
+                <a:pos x="connsiteX21" y="connsiteY21"/>
+              </a:cxn>
+              <a:cxn ang="0">
+                <a:pos x="connsiteX22" y="connsiteY22"/>
+              </a:cxn>
+              <a:cxn ang="0">
+                <a:pos x="connsiteX23" y="connsiteY23"/>
+              </a:cxn>
+              <a:cxn ang="0">
+                <a:pos x="connsiteX24" y="connsiteY24"/>
+              </a:cxn>
+              <a:cxn ang="0">
+                <a:pos x="connsiteX25" y="connsiteY25"/>
+              </a:cxn>
+              <a:cxn ang="0">
+                <a:pos x="connsiteX26" y="connsiteY26"/>
+              </a:cxn>
+              <a:cxn ang="0">
+                <a:pos x="connsiteX27" y="connsiteY27"/>
+              </a:cxn>
+              <a:cxn ang="0">
+                <a:pos x="connsiteX28" y="connsiteY28"/>
+              </a:cxn>
+              <a:cxn ang="0">
+                <a:pos x="connsiteX29" y="connsiteY29"/>
+              </a:cxn>
+              <a:cxn ang="0">
+                <a:pos x="connsiteX30" y="connsiteY30"/>
+              </a:cxn>
+              <a:cxn ang="0">
+                <a:pos x="connsiteX31" y="connsiteY31"/>
+              </a:cxn>
+              <a:cxn ang="0">
+                <a:pos x="connsiteX32" y="connsiteY32"/>
+              </a:cxn>
+              <a:cxn ang="0">
+                <a:pos x="connsiteX33" y="connsiteY33"/>
+              </a:cxn>
+              <a:cxn ang="0">
+                <a:pos x="connsiteX34" y="connsiteY34"/>
+              </a:cxn>
+              <a:cxn ang="0">
+                <a:pos x="connsiteX35" y="connsiteY35"/>
+              </a:cxn>
+              <a:cxn ang="0">
+                <a:pos x="connsiteX36" y="connsiteY36"/>
+              </a:cxn>
+              <a:cxn ang="0">
+                <a:pos x="connsiteX37" y="connsiteY37"/>
+              </a:cxn>
+              <a:cxn ang="0">
+                <a:pos x="connsiteX38" y="connsiteY38"/>
+              </a:cxn>
+              <a:cxn ang="0">
+                <a:pos x="connsiteX39" y="connsiteY39"/>
+              </a:cxn>
+              <a:cxn ang="0">
+                <a:pos x="connsiteX40" y="connsiteY40"/>
+              </a:cxn>
+              <a:cxn ang="0">
+                <a:pos x="connsiteX41" y="connsiteY41"/>
+              </a:cxn>
+              <a:cxn ang="0">
+                <a:pos x="connsiteX42" y="connsiteY42"/>
+              </a:cxn>
+              <a:cxn ang="0">
+                <a:pos x="connsiteX43" y="connsiteY43"/>
+              </a:cxn>
+              <a:cxn ang="0">
+                <a:pos x="connsiteX44" y="connsiteY44"/>
+              </a:cxn>
+              <a:cxn ang="0">
+                <a:pos x="connsiteX45" y="connsiteY45"/>
+              </a:cxn>
+              <a:cxn ang="0">
+                <a:pos x="connsiteX46" y="connsiteY46"/>
+              </a:cxn>
+              <a:cxn ang="0">
+                <a:pos x="connsiteX47" y="connsiteY47"/>
+              </a:cxn>
+              <a:cxn ang="0">
+                <a:pos x="connsiteX48" y="connsiteY48"/>
+              </a:cxn>
+              <a:cxn ang="0">
+                <a:pos x="connsiteX49" y="connsiteY49"/>
+              </a:cxn>
+              <a:cxn ang="0">
+                <a:pos x="connsiteX50" y="connsiteY50"/>
+              </a:cxn>
+              <a:cxn ang="0">
+                <a:pos x="connsiteX51" y="connsiteY51"/>
+              </a:cxn>
+              <a:cxn ang="0">
+                <a:pos x="connsiteX52" y="connsiteY52"/>
+              </a:cxn>
+            </a:cxnLst>
+            <a:rect l="l" t="t" r="r" b="b"/>
+            <a:pathLst>
+              <a:path w="5297762" h="6858000">
+                <a:moveTo>
+                  <a:pt x="5297762" y="0"/>
+                </a:moveTo>
+                <a:lnTo>
+                  <a:pt x="4654296" y="0"/>
+                </a:lnTo>
+                <a:lnTo>
+                  <a:pt x="4470448" y="0"/>
+                </a:lnTo>
+                <a:lnTo>
+                  <a:pt x="0" y="0"/>
+                </a:lnTo>
+                <a:lnTo>
+                  <a:pt x="0" y="70650"/>
+                </a:lnTo>
+                <a:lnTo>
+                  <a:pt x="13678" y="155673"/>
+                </a:lnTo>
+                <a:lnTo>
+                  <a:pt x="37547" y="310664"/>
+                </a:lnTo>
+                <a:lnTo>
+                  <a:pt x="60911" y="466340"/>
+                </a:lnTo>
+                <a:lnTo>
+                  <a:pt x="80914" y="622703"/>
+                </a:lnTo>
+                <a:lnTo>
+                  <a:pt x="101085" y="778379"/>
+                </a:lnTo>
+                <a:lnTo>
+                  <a:pt x="119911" y="934742"/>
+                </a:lnTo>
+                <a:lnTo>
+                  <a:pt x="136047" y="1089047"/>
+                </a:lnTo>
+                <a:lnTo>
+                  <a:pt x="151343" y="1245409"/>
+                </a:lnTo>
+                <a:lnTo>
+                  <a:pt x="165295" y="1401086"/>
+                </a:lnTo>
+                <a:lnTo>
+                  <a:pt x="177397" y="1554019"/>
+                </a:lnTo>
+                <a:lnTo>
+                  <a:pt x="189500" y="1709010"/>
+                </a:lnTo>
+                <a:lnTo>
+                  <a:pt x="199585" y="1861943"/>
+                </a:lnTo>
+                <a:lnTo>
+                  <a:pt x="207485" y="2014877"/>
+                </a:lnTo>
+                <a:lnTo>
+                  <a:pt x="215722" y="2167124"/>
+                </a:lnTo>
+                <a:lnTo>
+                  <a:pt x="222613" y="2318000"/>
+                </a:lnTo>
+                <a:lnTo>
+                  <a:pt x="227488" y="2467505"/>
+                </a:lnTo>
+                <a:lnTo>
+                  <a:pt x="231690" y="2617009"/>
+                </a:lnTo>
+                <a:lnTo>
+                  <a:pt x="235724" y="2765142"/>
+                </a:lnTo>
+                <a:lnTo>
+                  <a:pt x="237573" y="2911217"/>
+                </a:lnTo>
+                <a:lnTo>
+                  <a:pt x="239590" y="3057293"/>
+                </a:lnTo>
+                <a:lnTo>
+                  <a:pt x="240599" y="3201311"/>
+                </a:lnTo>
+                <a:lnTo>
+                  <a:pt x="239590" y="3343957"/>
+                </a:lnTo>
+                <a:lnTo>
+                  <a:pt x="239590" y="3485232"/>
+                </a:lnTo>
+                <a:lnTo>
+                  <a:pt x="237573" y="3625135"/>
+                </a:lnTo>
+                <a:lnTo>
+                  <a:pt x="234548" y="3762295"/>
+                </a:lnTo>
+                <a:lnTo>
+                  <a:pt x="231690" y="3898083"/>
+                </a:lnTo>
+                <a:lnTo>
+                  <a:pt x="228496" y="4031129"/>
+                </a:lnTo>
+                <a:lnTo>
+                  <a:pt x="223622" y="4163488"/>
+                </a:lnTo>
+                <a:lnTo>
+                  <a:pt x="218411" y="4293789"/>
+                </a:lnTo>
+                <a:lnTo>
+                  <a:pt x="213705" y="4421348"/>
+                </a:lnTo>
+                <a:lnTo>
+                  <a:pt x="200425" y="4670294"/>
+                </a:lnTo>
+                <a:lnTo>
+                  <a:pt x="186306" y="4908952"/>
+                </a:lnTo>
+                <a:lnTo>
+                  <a:pt x="171514" y="5138009"/>
+                </a:lnTo>
+                <a:lnTo>
+                  <a:pt x="155209" y="5354722"/>
+                </a:lnTo>
+                <a:lnTo>
+                  <a:pt x="138232" y="5561834"/>
+                </a:lnTo>
+                <a:lnTo>
+                  <a:pt x="119911" y="5753858"/>
+                </a:lnTo>
+                <a:lnTo>
+                  <a:pt x="101925" y="5934223"/>
+                </a:lnTo>
+                <a:lnTo>
+                  <a:pt x="83940" y="6100187"/>
+                </a:lnTo>
+                <a:lnTo>
+                  <a:pt x="66963" y="6252434"/>
+                </a:lnTo>
+                <a:lnTo>
+                  <a:pt x="50826" y="6387537"/>
+                </a:lnTo>
+                <a:lnTo>
+                  <a:pt x="35530" y="6509609"/>
+                </a:lnTo>
+                <a:lnTo>
+                  <a:pt x="22755" y="6612479"/>
+                </a:lnTo>
+                <a:lnTo>
+                  <a:pt x="10653" y="6698890"/>
+                </a:lnTo>
+                <a:lnTo>
+                  <a:pt x="0" y="6771890"/>
+                </a:lnTo>
+                <a:lnTo>
+                  <a:pt x="0" y="6858000"/>
+                </a:lnTo>
+                <a:lnTo>
+                  <a:pt x="4470448" y="6858000"/>
+                </a:lnTo>
+                <a:lnTo>
+                  <a:pt x="4654296" y="6858000"/>
+                </a:lnTo>
+                <a:lnTo>
+                  <a:pt x="5297762" y="6858000"/>
+                </a:lnTo>
+                <a:close/>
+              </a:path>
+            </a:pathLst>
+          </a:custGeom>
+          <a:solidFill>
+            <a:schemeClr val="bg1">
+              <a:lumMod val="95000"/>
+              <a:lumOff val="5000"/>
+            </a:schemeClr>
+          </a:solidFill>
+          <a:ln>
+            <a:noFill/>
+          </a:ln>
+        </p:spPr>
+        <p:style>
+          <a:lnRef idx="2">
+            <a:schemeClr val="accent1">
+              <a:shade val="50000"/>
+            </a:schemeClr>
+          </a:lnRef>
+          <a:fillRef idx="1">
+            <a:schemeClr val="accent1"/>
+          </a:fillRef>
+          <a:effectRef idx="0">
+            <a:schemeClr val="accent1"/>
+          </a:effectRef>
+          <a:fontRef idx="minor">
+            <a:schemeClr val="lt1"/>
+          </a:fontRef>
+        </p:style>
+        <p:txBody>
+          <a:bodyPr wrap="square" rtlCol="0" anchor="ctr">
+            <a:noAutofit/>
+          </a:bodyPr>
+          <a:lstStyle/>
+          <a:p>
+            <a:pPr algn="ctr"/>
+            <a:endParaRPr lang="en-US"/>
+          </a:p>
+        </p:txBody>
+      </p:sp>
+      <p:sp>
+        <p:nvSpPr>
+          <p:cNvPr id="3" name="Content Placeholder 2">
+            <a:extLst>
+              <a:ext uri="{FF2B5EF4-FFF2-40B4-BE49-F238E27FC236}">
+                <a16:creationId xmlns:a16="http://schemas.microsoft.com/office/drawing/2014/main" id="{E5F05AF9-8C78-470A-88A4-9A0538B564F3}"/>
+              </a:ext>
+            </a:extLst>
+          </p:cNvPr>
+          <p:cNvSpPr>
+            <a:spLocks noGrp="1"/>
+          </p:cNvSpPr>
+          <p:nvPr>
+            <p:ph idx="1"/>
+          </p:nvPr>
+        </p:nvSpPr>
+        <p:spPr>
+          <a:xfrm>
+            <a:off x="685802" y="1151677"/>
+            <a:ext cx="3968492" cy="4718897"/>
+          </a:xfrm>
+        </p:spPr>
+        <p:txBody>
+          <a:bodyPr anchor="ctr">
+            <a:normAutofit/>
+          </a:bodyPr>
+          <a:lstStyle/>
+          <a:p>
+            <a:pPr>
+              <a:lnSpc>
+                <a:spcPct val="90000"/>
+              </a:lnSpc>
+            </a:pPr>
+            <a:r>
+              <a:rPr lang="en-US" sz="1500" dirty="0"/>
+              <a:t>Now that the parameters are extracted and the ancestral sequence has been derived, </a:t>
+            </a:r>
+            <a:r>
+              <a:rPr lang="en-US" sz="1500" dirty="0" err="1"/>
+              <a:t>Repliclade</a:t>
+            </a:r>
+            <a:r>
+              <a:rPr lang="en-US" sz="1500" dirty="0"/>
+              <a:t> will prompt the user for how many generations they would like to run the simulation for</a:t>
+            </a:r>
+          </a:p>
+          <a:p>
+            <a:pPr>
+              <a:lnSpc>
+                <a:spcPct val="90000"/>
+              </a:lnSpc>
+            </a:pPr>
+            <a:r>
+              <a:rPr lang="en-US" sz="1500" dirty="0"/>
+              <a:t>Next, </a:t>
+            </a:r>
+            <a:r>
+              <a:rPr lang="en-US" sz="1500" dirty="0" err="1"/>
+              <a:t>Repliclade</a:t>
+            </a:r>
+            <a:r>
+              <a:rPr lang="en-US" sz="1500" dirty="0"/>
+              <a:t> will prompt the user to ask them which evolutionary model they would like to use when simulating mutations and the evolution of the ancestral sequence and will provide a list for the user to choose from</a:t>
+            </a:r>
+          </a:p>
+          <a:p>
+            <a:pPr>
+              <a:lnSpc>
+                <a:spcPct val="90000"/>
+              </a:lnSpc>
+            </a:pPr>
+            <a:r>
+              <a:rPr lang="en-US" sz="1500" dirty="0"/>
+              <a:t>(In Progress) </a:t>
+            </a:r>
+            <a:r>
+              <a:rPr lang="en-US" sz="1500" dirty="0" err="1"/>
+              <a:t>Repliclade</a:t>
+            </a:r>
+            <a:r>
+              <a:rPr lang="en-US" sz="1500" dirty="0"/>
+              <a:t> will then prompt the user whether they would like to consider conserved regions when running the simulation</a:t>
+            </a:r>
+          </a:p>
+          <a:p>
+            <a:pPr>
+              <a:lnSpc>
+                <a:spcPct val="90000"/>
+              </a:lnSpc>
+            </a:pPr>
+            <a:r>
+              <a:rPr lang="en-US" sz="1500" dirty="0"/>
+              <a:t>(In Progress) Finally, </a:t>
+            </a:r>
+            <a:r>
+              <a:rPr lang="en-US" sz="1500" dirty="0" err="1"/>
+              <a:t>Repliclade</a:t>
+            </a:r>
+            <a:r>
+              <a:rPr lang="en-US" sz="1500" dirty="0"/>
+              <a:t> will prompt the user for a duplication rate for the DNA sequence</a:t>
+            </a:r>
+          </a:p>
+          <a:p>
+            <a:pPr>
+              <a:lnSpc>
+                <a:spcPct val="90000"/>
+              </a:lnSpc>
+            </a:pPr>
+            <a:endParaRPr lang="en-US" sz="1500" dirty="0"/>
+          </a:p>
+        </p:txBody>
+      </p:sp>
+    </p:spTree>
+    <p:extLst>
+      <p:ext uri="{BB962C8B-B14F-4D97-AF65-F5344CB8AC3E}">
+        <p14:creationId xmlns:p14="http://schemas.microsoft.com/office/powerpoint/2010/main" val="357039373"/>
+      </p:ext>
+    </p:extLst>
+  </p:cSld>
+  <p:clrMapOvr>
+    <a:masterClrMapping/>
+  </p:clrMapOvr>
+</p:sld>
+</file>
+
+<file path=ppt/slides/slide26.xml><?xml version="1.0" encoding="utf-8"?>
+<p:sld xmlns:a="http://schemas.openxmlformats.org/drawingml/2006/main" xmlns:r="http://schemas.openxmlformats.org/officeDocument/2006/relationships" xmlns:p="http://schemas.openxmlformats.org/presentationml/2006/main">
+  <p:cSld>
+    <p:bg>
+      <p:bgPr>
+        <a:gradFill rotWithShape="1">
+          <a:gsLst>
+            <a:gs pos="0">
+              <a:schemeClr val="bg2">
+                <a:tint val="90000"/>
+                <a:shade val="96000"/>
+                <a:hueMod val="100000"/>
+                <a:satMod val="180000"/>
+                <a:lumMod val="110000"/>
+              </a:schemeClr>
+            </a:gs>
+            <a:gs pos="100000">
+              <a:schemeClr val="bg2">
+                <a:shade val="96000"/>
+                <a:satMod val="160000"/>
+                <a:lumMod val="100000"/>
+              </a:schemeClr>
+            </a:gs>
+          </a:gsLst>
+          <a:lin ang="4740000" scaled="1"/>
+        </a:gradFill>
+        <a:effectLst/>
+      </p:bgPr>
+    </p:bg>
+    <p:spTree>
+      <p:nvGrpSpPr>
+        <p:cNvPr id="1" name=""/>
+        <p:cNvGrpSpPr/>
+        <p:nvPr/>
+      </p:nvGrpSpPr>
+      <p:grpSpPr>
+        <a:xfrm>
+          <a:off x="0" y="0"/>
+          <a:ext cx="0" cy="0"/>
+          <a:chOff x="0" y="0"/>
+          <a:chExt cx="0" cy="0"/>
+        </a:xfrm>
+      </p:grpSpPr>
+      <p:sp>
+        <p:nvSpPr>
+          <p:cNvPr id="2" name="Title 1">
+            <a:extLst>
+              <a:ext uri="{FF2B5EF4-FFF2-40B4-BE49-F238E27FC236}">
+                <a16:creationId xmlns:a16="http://schemas.microsoft.com/office/drawing/2014/main" id="{18AFCC59-1402-40F3-AAF4-EA4E439C3D85}"/>
+              </a:ext>
+            </a:extLst>
+          </p:cNvPr>
+          <p:cNvSpPr>
+            <a:spLocks noGrp="1"/>
+          </p:cNvSpPr>
+          <p:nvPr>
+            <p:ph type="title"/>
+          </p:nvPr>
+        </p:nvSpPr>
+        <p:spPr>
+          <a:xfrm>
+            <a:off x="7837713" y="1083130"/>
+            <a:ext cx="2979513" cy="4691742"/>
+          </a:xfrm>
+        </p:spPr>
+        <p:txBody>
+          <a:bodyPr>
+            <a:normAutofit/>
+          </a:bodyPr>
+          <a:lstStyle/>
+          <a:p>
+            <a:r>
+              <a:rPr lang="en-US" sz="3300" dirty="0"/>
+              <a:t>Evolutionary models in the simulator</a:t>
+            </a:r>
+          </a:p>
+        </p:txBody>
+      </p:sp>
+      <p:sp useBgFill="1">
+        <p:nvSpPr>
+          <p:cNvPr id="8" name="Freeform: Shape 7">
+            <a:extLst>
+              <a:ext uri="{FF2B5EF4-FFF2-40B4-BE49-F238E27FC236}">
+                <a16:creationId xmlns:a16="http://schemas.microsoft.com/office/drawing/2014/main" id="{058E2874-C2DD-423B-8BAD-6F0EF6FB29D0}"/>
+              </a:ext>
+              <a:ext uri="{C183D7F6-B498-43B3-948B-1728B52AA6E4}">
+                <adec:decorative xmlns:adec="http://schemas.microsoft.com/office/drawing/2017/decorative" val="1"/>
+              </a:ext>
+            </a:extLst>
+          </p:cNvPr>
+          <p:cNvSpPr>
+            <a:spLocks noGrp="1" noRot="1" noChangeAspect="1" noMove="1" noResize="1" noEditPoints="1" noAdjustHandles="1" noChangeArrowheads="1" noChangeShapeType="1" noTextEdit="1"/>
+          </p:cNvSpPr>
+          <p:nvPr>
+            <p:extLst>
+              <p:ext uri="{386F3935-93C4-4BCD-93E2-E3B085C9AB24}">
+                <p16:designElem xmlns:p16="http://schemas.microsoft.com/office/powerpoint/2015/main" val="1"/>
+              </p:ext>
+            </p:extLst>
+          </p:nvPr>
+        </p:nvSpPr>
+        <p:spPr>
+          <a:xfrm rot="10800000">
+            <a:off x="0" y="0"/>
+            <a:ext cx="7537703" cy="6858000"/>
+          </a:xfrm>
+          <a:custGeom>
+            <a:avLst/>
+            <a:gdLst>
+              <a:gd name="connsiteX0" fmla="*/ 0 w 7537703"/>
+              <a:gd name="connsiteY0" fmla="*/ 0 h 6858000"/>
+              <a:gd name="connsiteX1" fmla="*/ 7537703 w 7537703"/>
+              <a:gd name="connsiteY1" fmla="*/ 0 h 6858000"/>
+              <a:gd name="connsiteX2" fmla="*/ 7537703 w 7537703"/>
+              <a:gd name="connsiteY2" fmla="*/ 6858000 h 6858000"/>
+              <a:gd name="connsiteX3" fmla="*/ 20957 w 7537703"/>
+              <a:gd name="connsiteY3" fmla="*/ 6858000 h 6858000"/>
+              <a:gd name="connsiteX4" fmla="*/ 46002 w 7537703"/>
+              <a:gd name="connsiteY4" fmla="*/ 6702325 h 6858000"/>
+              <a:gd name="connsiteX5" fmla="*/ 69870 w 7537703"/>
+              <a:gd name="connsiteY5" fmla="*/ 6547334 h 6858000"/>
+              <a:gd name="connsiteX6" fmla="*/ 93234 w 7537703"/>
+              <a:gd name="connsiteY6" fmla="*/ 6391658 h 6858000"/>
+              <a:gd name="connsiteX7" fmla="*/ 113237 w 7537703"/>
+              <a:gd name="connsiteY7" fmla="*/ 6235295 h 6858000"/>
+              <a:gd name="connsiteX8" fmla="*/ 133409 w 7537703"/>
+              <a:gd name="connsiteY8" fmla="*/ 6079619 h 6858000"/>
+              <a:gd name="connsiteX9" fmla="*/ 152234 w 7537703"/>
+              <a:gd name="connsiteY9" fmla="*/ 5923256 h 6858000"/>
+              <a:gd name="connsiteX10" fmla="*/ 168370 w 7537703"/>
+              <a:gd name="connsiteY10" fmla="*/ 5768951 h 6858000"/>
+              <a:gd name="connsiteX11" fmla="*/ 183667 w 7537703"/>
+              <a:gd name="connsiteY11" fmla="*/ 5612589 h 6858000"/>
+              <a:gd name="connsiteX12" fmla="*/ 197619 w 7537703"/>
+              <a:gd name="connsiteY12" fmla="*/ 5456912 h 6858000"/>
+              <a:gd name="connsiteX13" fmla="*/ 209720 w 7537703"/>
+              <a:gd name="connsiteY13" fmla="*/ 5303979 h 6858000"/>
+              <a:gd name="connsiteX14" fmla="*/ 221823 w 7537703"/>
+              <a:gd name="connsiteY14" fmla="*/ 5148988 h 6858000"/>
+              <a:gd name="connsiteX15" fmla="*/ 231908 w 7537703"/>
+              <a:gd name="connsiteY15" fmla="*/ 4996055 h 6858000"/>
+              <a:gd name="connsiteX16" fmla="*/ 239808 w 7537703"/>
+              <a:gd name="connsiteY16" fmla="*/ 4843121 h 6858000"/>
+              <a:gd name="connsiteX17" fmla="*/ 248045 w 7537703"/>
+              <a:gd name="connsiteY17" fmla="*/ 4690874 h 6858000"/>
+              <a:gd name="connsiteX18" fmla="*/ 254936 w 7537703"/>
+              <a:gd name="connsiteY18" fmla="*/ 4539998 h 6858000"/>
+              <a:gd name="connsiteX19" fmla="*/ 259811 w 7537703"/>
+              <a:gd name="connsiteY19" fmla="*/ 4390493 h 6858000"/>
+              <a:gd name="connsiteX20" fmla="*/ 264014 w 7537703"/>
+              <a:gd name="connsiteY20" fmla="*/ 4240989 h 6858000"/>
+              <a:gd name="connsiteX21" fmla="*/ 268047 w 7537703"/>
+              <a:gd name="connsiteY21" fmla="*/ 4092856 h 6858000"/>
+              <a:gd name="connsiteX22" fmla="*/ 269897 w 7537703"/>
+              <a:gd name="connsiteY22" fmla="*/ 3946781 h 6858000"/>
+              <a:gd name="connsiteX23" fmla="*/ 271913 w 7537703"/>
+              <a:gd name="connsiteY23" fmla="*/ 3800705 h 6858000"/>
+              <a:gd name="connsiteX24" fmla="*/ 272922 w 7537703"/>
+              <a:gd name="connsiteY24" fmla="*/ 3656687 h 6858000"/>
+              <a:gd name="connsiteX25" fmla="*/ 271913 w 7537703"/>
+              <a:gd name="connsiteY25" fmla="*/ 3514041 h 6858000"/>
+              <a:gd name="connsiteX26" fmla="*/ 271913 w 7537703"/>
+              <a:gd name="connsiteY26" fmla="*/ 3372766 h 6858000"/>
+              <a:gd name="connsiteX27" fmla="*/ 269897 w 7537703"/>
+              <a:gd name="connsiteY27" fmla="*/ 3232863 h 6858000"/>
+              <a:gd name="connsiteX28" fmla="*/ 266871 w 7537703"/>
+              <a:gd name="connsiteY28" fmla="*/ 3095703 h 6858000"/>
+              <a:gd name="connsiteX29" fmla="*/ 264014 w 7537703"/>
+              <a:gd name="connsiteY29" fmla="*/ 2959915 h 6858000"/>
+              <a:gd name="connsiteX30" fmla="*/ 260820 w 7537703"/>
+              <a:gd name="connsiteY30" fmla="*/ 2826869 h 6858000"/>
+              <a:gd name="connsiteX31" fmla="*/ 255946 w 7537703"/>
+              <a:gd name="connsiteY31" fmla="*/ 2694510 h 6858000"/>
+              <a:gd name="connsiteX32" fmla="*/ 250734 w 7537703"/>
+              <a:gd name="connsiteY32" fmla="*/ 2564209 h 6858000"/>
+              <a:gd name="connsiteX33" fmla="*/ 246028 w 7537703"/>
+              <a:gd name="connsiteY33" fmla="*/ 2436650 h 6858000"/>
+              <a:gd name="connsiteX34" fmla="*/ 232749 w 7537703"/>
+              <a:gd name="connsiteY34" fmla="*/ 2187704 h 6858000"/>
+              <a:gd name="connsiteX35" fmla="*/ 218630 w 7537703"/>
+              <a:gd name="connsiteY35" fmla="*/ 1949046 h 6858000"/>
+              <a:gd name="connsiteX36" fmla="*/ 203837 w 7537703"/>
+              <a:gd name="connsiteY36" fmla="*/ 1719989 h 6858000"/>
+              <a:gd name="connsiteX37" fmla="*/ 187532 w 7537703"/>
+              <a:gd name="connsiteY37" fmla="*/ 1503276 h 6858000"/>
+              <a:gd name="connsiteX38" fmla="*/ 170555 w 7537703"/>
+              <a:gd name="connsiteY38" fmla="*/ 1296164 h 6858000"/>
+              <a:gd name="connsiteX39" fmla="*/ 152234 w 7537703"/>
+              <a:gd name="connsiteY39" fmla="*/ 1104140 h 6858000"/>
+              <a:gd name="connsiteX40" fmla="*/ 134248 w 7537703"/>
+              <a:gd name="connsiteY40" fmla="*/ 923775 h 6858000"/>
+              <a:gd name="connsiteX41" fmla="*/ 116263 w 7537703"/>
+              <a:gd name="connsiteY41" fmla="*/ 757811 h 6858000"/>
+              <a:gd name="connsiteX42" fmla="*/ 99286 w 7537703"/>
+              <a:gd name="connsiteY42" fmla="*/ 605564 h 6858000"/>
+              <a:gd name="connsiteX43" fmla="*/ 83149 w 7537703"/>
+              <a:gd name="connsiteY43" fmla="*/ 470461 h 6858000"/>
+              <a:gd name="connsiteX44" fmla="*/ 67853 w 7537703"/>
+              <a:gd name="connsiteY44" fmla="*/ 348389 h 6858000"/>
+              <a:gd name="connsiteX45" fmla="*/ 55078 w 7537703"/>
+              <a:gd name="connsiteY45" fmla="*/ 245519 h 6858000"/>
+              <a:gd name="connsiteX46" fmla="*/ 42976 w 7537703"/>
+              <a:gd name="connsiteY46" fmla="*/ 159108 h 6858000"/>
+              <a:gd name="connsiteX47" fmla="*/ 25662 w 7537703"/>
+              <a:gd name="connsiteY47" fmla="*/ 40464 h 6858000"/>
+              <a:gd name="connsiteX48" fmla="*/ 19779 w 7537703"/>
+              <a:gd name="connsiteY48" fmla="*/ 2 h 6858000"/>
+              <a:gd name="connsiteX49" fmla="*/ 26532 w 7537703"/>
+              <a:gd name="connsiteY49" fmla="*/ 2 h 6858000"/>
+              <a:gd name="connsiteX50" fmla="*/ 26532 w 7537703"/>
+              <a:gd name="connsiteY50" fmla="*/ 1 h 6858000"/>
+              <a:gd name="connsiteX51" fmla="*/ 0 w 7537703"/>
+              <a:gd name="connsiteY51" fmla="*/ 1 h 6858000"/>
+            </a:gdLst>
+            <a:ahLst/>
+            <a:cxnLst>
+              <a:cxn ang="0">
+                <a:pos x="connsiteX0" y="connsiteY0"/>
+              </a:cxn>
+              <a:cxn ang="0">
+                <a:pos x="connsiteX1" y="connsiteY1"/>
+              </a:cxn>
+              <a:cxn ang="0">
+                <a:pos x="connsiteX2" y="connsiteY2"/>
+              </a:cxn>
+              <a:cxn ang="0">
+                <a:pos x="connsiteX3" y="connsiteY3"/>
+              </a:cxn>
+              <a:cxn ang="0">
+                <a:pos x="connsiteX4" y="connsiteY4"/>
+              </a:cxn>
+              <a:cxn ang="0">
+                <a:pos x="connsiteX5" y="connsiteY5"/>
+              </a:cxn>
+              <a:cxn ang="0">
+                <a:pos x="connsiteX6" y="connsiteY6"/>
+              </a:cxn>
+              <a:cxn ang="0">
+                <a:pos x="connsiteX7" y="connsiteY7"/>
+              </a:cxn>
+              <a:cxn ang="0">
+                <a:pos x="connsiteX8" y="connsiteY8"/>
+              </a:cxn>
+              <a:cxn ang="0">
+                <a:pos x="connsiteX9" y="connsiteY9"/>
+              </a:cxn>
+              <a:cxn ang="0">
+                <a:pos x="connsiteX10" y="connsiteY10"/>
+              </a:cxn>
+              <a:cxn ang="0">
+                <a:pos x="connsiteX11" y="connsiteY11"/>
+              </a:cxn>
+              <a:cxn ang="0">
+                <a:pos x="connsiteX12" y="connsiteY12"/>
+              </a:cxn>
+              <a:cxn ang="0">
+                <a:pos x="connsiteX13" y="connsiteY13"/>
+              </a:cxn>
+              <a:cxn ang="0">
+                <a:pos x="connsiteX14" y="connsiteY14"/>
+              </a:cxn>
+              <a:cxn ang="0">
+                <a:pos x="connsiteX15" y="connsiteY15"/>
+              </a:cxn>
+              <a:cxn ang="0">
+                <a:pos x="connsiteX16" y="connsiteY16"/>
+              </a:cxn>
+              <a:cxn ang="0">
+                <a:pos x="connsiteX17" y="connsiteY17"/>
+              </a:cxn>
+              <a:cxn ang="0">
+                <a:pos x="connsiteX18" y="connsiteY18"/>
+              </a:cxn>
+              <a:cxn ang="0">
+                <a:pos x="connsiteX19" y="connsiteY19"/>
+              </a:cxn>
+              <a:cxn ang="0">
+                <a:pos x="connsiteX20" y="connsiteY20"/>
+              </a:cxn>
+              <a:cxn ang="0">
+                <a:pos x="connsiteX21" y="connsiteY21"/>
+              </a:cxn>
+              <a:cxn ang="0">
+                <a:pos x="connsiteX22" y="connsiteY22"/>
+              </a:cxn>
+              <a:cxn ang="0">
+                <a:pos x="connsiteX23" y="connsiteY23"/>
+              </a:cxn>
+              <a:cxn ang="0">
+                <a:pos x="connsiteX24" y="connsiteY24"/>
+              </a:cxn>
+              <a:cxn ang="0">
+                <a:pos x="connsiteX25" y="connsiteY25"/>
+              </a:cxn>
+              <a:cxn ang="0">
+                <a:pos x="connsiteX26" y="connsiteY26"/>
+              </a:cxn>
+              <a:cxn ang="0">
+                <a:pos x="connsiteX27" y="connsiteY27"/>
+              </a:cxn>
+              <a:cxn ang="0">
+                <a:pos x="connsiteX28" y="connsiteY28"/>
+              </a:cxn>
+              <a:cxn ang="0">
+                <a:pos x="connsiteX29" y="connsiteY29"/>
+              </a:cxn>
+              <a:cxn ang="0">
+                <a:pos x="connsiteX30" y="connsiteY30"/>
+              </a:cxn>
+              <a:cxn ang="0">
+                <a:pos x="connsiteX31" y="connsiteY31"/>
+              </a:cxn>
+              <a:cxn ang="0">
+                <a:pos x="connsiteX32" y="connsiteY32"/>
+              </a:cxn>
+              <a:cxn ang="0">
+                <a:pos x="connsiteX33" y="connsiteY33"/>
+              </a:cxn>
+              <a:cxn ang="0">
+                <a:pos x="connsiteX34" y="connsiteY34"/>
+              </a:cxn>
+              <a:cxn ang="0">
+                <a:pos x="connsiteX35" y="connsiteY35"/>
+              </a:cxn>
+              <a:cxn ang="0">
+                <a:pos x="connsiteX36" y="connsiteY36"/>
+              </a:cxn>
+              <a:cxn ang="0">
+                <a:pos x="connsiteX37" y="connsiteY37"/>
+              </a:cxn>
+              <a:cxn ang="0">
+                <a:pos x="connsiteX38" y="connsiteY38"/>
+              </a:cxn>
+              <a:cxn ang="0">
+                <a:pos x="connsiteX39" y="connsiteY39"/>
+              </a:cxn>
+              <a:cxn ang="0">
+                <a:pos x="connsiteX40" y="connsiteY40"/>
+              </a:cxn>
+              <a:cxn ang="0">
+                <a:pos x="connsiteX41" y="connsiteY41"/>
+              </a:cxn>
+              <a:cxn ang="0">
+                <a:pos x="connsiteX42" y="connsiteY42"/>
+              </a:cxn>
+              <a:cxn ang="0">
+                <a:pos x="connsiteX43" y="connsiteY43"/>
+              </a:cxn>
+              <a:cxn ang="0">
+                <a:pos x="connsiteX44" y="connsiteY44"/>
+              </a:cxn>
+              <a:cxn ang="0">
+                <a:pos x="connsiteX45" y="connsiteY45"/>
+              </a:cxn>
+              <a:cxn ang="0">
+                <a:pos x="connsiteX46" y="connsiteY46"/>
+              </a:cxn>
+              <a:cxn ang="0">
+                <a:pos x="connsiteX47" y="connsiteY47"/>
+              </a:cxn>
+              <a:cxn ang="0">
+                <a:pos x="connsiteX48" y="connsiteY48"/>
+              </a:cxn>
+              <a:cxn ang="0">
+                <a:pos x="connsiteX49" y="connsiteY49"/>
+              </a:cxn>
+              <a:cxn ang="0">
+                <a:pos x="connsiteX50" y="connsiteY50"/>
+              </a:cxn>
+              <a:cxn ang="0">
+                <a:pos x="connsiteX51" y="connsiteY51"/>
+              </a:cxn>
+            </a:cxnLst>
+            <a:rect l="l" t="t" r="r" b="b"/>
+            <a:pathLst>
+              <a:path w="7537703" h="6858000">
+                <a:moveTo>
+                  <a:pt x="0" y="0"/>
+                </a:moveTo>
+                <a:lnTo>
+                  <a:pt x="7537703" y="0"/>
+                </a:lnTo>
+                <a:lnTo>
+                  <a:pt x="7537703" y="6858000"/>
+                </a:lnTo>
+                <a:lnTo>
+                  <a:pt x="20957" y="6858000"/>
+                </a:lnTo>
+                <a:lnTo>
+                  <a:pt x="46002" y="6702325"/>
+                </a:lnTo>
+                <a:lnTo>
+                  <a:pt x="69870" y="6547334"/>
+                </a:lnTo>
+                <a:lnTo>
+                  <a:pt x="93234" y="6391658"/>
+                </a:lnTo>
+                <a:lnTo>
+                  <a:pt x="113237" y="6235295"/>
+                </a:lnTo>
+                <a:lnTo>
+                  <a:pt x="133409" y="6079619"/>
+                </a:lnTo>
+                <a:lnTo>
+                  <a:pt x="152234" y="5923256"/>
+                </a:lnTo>
+                <a:lnTo>
+                  <a:pt x="168370" y="5768951"/>
+                </a:lnTo>
+                <a:lnTo>
+                  <a:pt x="183667" y="5612589"/>
+                </a:lnTo>
+                <a:lnTo>
+                  <a:pt x="197619" y="5456912"/>
+                </a:lnTo>
+                <a:lnTo>
+                  <a:pt x="209720" y="5303979"/>
+                </a:lnTo>
+                <a:lnTo>
+                  <a:pt x="221823" y="5148988"/>
+                </a:lnTo>
+                <a:lnTo>
+                  <a:pt x="231908" y="4996055"/>
+                </a:lnTo>
+                <a:lnTo>
+                  <a:pt x="239808" y="4843121"/>
+                </a:lnTo>
+                <a:lnTo>
+                  <a:pt x="248045" y="4690874"/>
+                </a:lnTo>
+                <a:lnTo>
+                  <a:pt x="254936" y="4539998"/>
+                </a:lnTo>
+                <a:lnTo>
+                  <a:pt x="259811" y="4390493"/>
+                </a:lnTo>
+                <a:lnTo>
+                  <a:pt x="264014" y="4240989"/>
+                </a:lnTo>
+                <a:lnTo>
+                  <a:pt x="268047" y="4092856"/>
+                </a:lnTo>
+                <a:lnTo>
+                  <a:pt x="269897" y="3946781"/>
+                </a:lnTo>
+                <a:lnTo>
+                  <a:pt x="271913" y="3800705"/>
+                </a:lnTo>
+                <a:lnTo>
+                  <a:pt x="272922" y="3656687"/>
+                </a:lnTo>
+                <a:lnTo>
+                  <a:pt x="271913" y="3514041"/>
+                </a:lnTo>
+                <a:lnTo>
+                  <a:pt x="271913" y="3372766"/>
+                </a:lnTo>
+                <a:lnTo>
+                  <a:pt x="269897" y="3232863"/>
+                </a:lnTo>
+                <a:lnTo>
+                  <a:pt x="266871" y="3095703"/>
+                </a:lnTo>
+                <a:lnTo>
+                  <a:pt x="264014" y="2959915"/>
+                </a:lnTo>
+                <a:lnTo>
+                  <a:pt x="260820" y="2826869"/>
+                </a:lnTo>
+                <a:lnTo>
+                  <a:pt x="255946" y="2694510"/>
+                </a:lnTo>
+                <a:lnTo>
+                  <a:pt x="250734" y="2564209"/>
+                </a:lnTo>
+                <a:lnTo>
+                  <a:pt x="246028" y="2436650"/>
+                </a:lnTo>
+                <a:lnTo>
+                  <a:pt x="232749" y="2187704"/>
+                </a:lnTo>
+                <a:lnTo>
+                  <a:pt x="218630" y="1949046"/>
+                </a:lnTo>
+                <a:lnTo>
+                  <a:pt x="203837" y="1719989"/>
+                </a:lnTo>
+                <a:lnTo>
+                  <a:pt x="187532" y="1503276"/>
+                </a:lnTo>
+                <a:lnTo>
+                  <a:pt x="170555" y="1296164"/>
+                </a:lnTo>
+                <a:lnTo>
+                  <a:pt x="152234" y="1104140"/>
+                </a:lnTo>
+                <a:lnTo>
+                  <a:pt x="134248" y="923775"/>
+                </a:lnTo>
+                <a:lnTo>
+                  <a:pt x="116263" y="757811"/>
+                </a:lnTo>
+                <a:lnTo>
+                  <a:pt x="99286" y="605564"/>
+                </a:lnTo>
+                <a:lnTo>
+                  <a:pt x="83149" y="470461"/>
+                </a:lnTo>
+                <a:lnTo>
+                  <a:pt x="67853" y="348389"/>
+                </a:lnTo>
+                <a:lnTo>
+                  <a:pt x="55078" y="245519"/>
+                </a:lnTo>
+                <a:lnTo>
+                  <a:pt x="42976" y="159108"/>
+                </a:lnTo>
+                <a:lnTo>
+                  <a:pt x="25662" y="40464"/>
+                </a:lnTo>
+                <a:lnTo>
+                  <a:pt x="19779" y="2"/>
+                </a:lnTo>
+                <a:lnTo>
+                  <a:pt x="26532" y="2"/>
+                </a:lnTo>
+                <a:lnTo>
+                  <a:pt x="26532" y="1"/>
+                </a:lnTo>
+                <a:lnTo>
+                  <a:pt x="0" y="1"/>
+                </a:lnTo>
+                <a:close/>
+              </a:path>
+            </a:pathLst>
+          </a:custGeom>
+          <a:ln>
+            <a:noFill/>
+          </a:ln>
+        </p:spPr>
+        <p:style>
+          <a:lnRef idx="2">
+            <a:schemeClr val="accent1">
+              <a:shade val="50000"/>
+            </a:schemeClr>
+          </a:lnRef>
+          <a:fillRef idx="1">
+            <a:schemeClr val="accent1"/>
+          </a:fillRef>
+          <a:effectRef idx="0">
+            <a:schemeClr val="accent1"/>
+          </a:effectRef>
+          <a:fontRef idx="minor">
+            <a:schemeClr val="lt1"/>
+          </a:fontRef>
+        </p:style>
+        <p:txBody>
+          <a:bodyPr rtlCol="0" anchor="ctr"/>
+          <a:lstStyle/>
+          <a:p>
+            <a:pPr algn="ctr"/>
+            <a:endParaRPr lang="en-US"/>
+          </a:p>
+        </p:txBody>
+      </p:sp>
+      <p:sp>
+        <p:nvSpPr>
+          <p:cNvPr id="3" name="Content Placeholder 2">
+            <a:extLst>
+              <a:ext uri="{FF2B5EF4-FFF2-40B4-BE49-F238E27FC236}">
+                <a16:creationId xmlns:a16="http://schemas.microsoft.com/office/drawing/2014/main" id="{06124F8B-F3E6-4FFB-97BA-92EB53D1BF4E}"/>
+              </a:ext>
+            </a:extLst>
+          </p:cNvPr>
+          <p:cNvSpPr>
+            <a:spLocks noGrp="1"/>
+          </p:cNvSpPr>
+          <p:nvPr>
+            <p:ph idx="1"/>
+          </p:nvPr>
+        </p:nvSpPr>
+        <p:spPr>
+          <a:xfrm>
+            <a:off x="685801" y="1083129"/>
+            <a:ext cx="5943599" cy="4691743"/>
+          </a:xfrm>
+        </p:spPr>
+        <p:txBody>
+          <a:bodyPr>
+            <a:normAutofit/>
+          </a:bodyPr>
+          <a:lstStyle/>
+          <a:p>
+            <a:r>
+              <a:rPr lang="en-US" dirty="0"/>
+              <a:t>Evolutionary models are contained as classes in the util folder under the evolve.py file</a:t>
+            </a:r>
+          </a:p>
+          <a:p>
+            <a:r>
+              <a:rPr lang="en-US" dirty="0"/>
+              <a:t>Each model has its own class associated with it for easy separation</a:t>
+            </a:r>
+          </a:p>
+          <a:p>
+            <a:r>
+              <a:rPr lang="en-US" dirty="0"/>
+              <a:t>For every sequence, there is an evolutionary model object attached to it which keeps track of the time elapsed for that specific sequence as well as the current Markov Model associated with the sequence</a:t>
+            </a:r>
+          </a:p>
+          <a:p>
+            <a:pPr lvl="1"/>
+            <a:r>
+              <a:rPr lang="en-US" dirty="0"/>
+              <a:t>This is important since Continuous Time Markov Chains are time dependent and due to that are varied in values depending on when the sequence was duplicated or created</a:t>
+            </a:r>
+          </a:p>
+          <a:p>
+            <a:r>
+              <a:rPr lang="en-US" dirty="0"/>
+              <a:t>After a sequence is done potentially mutating, the model increments the time variable and re-calculates the probability matrix</a:t>
+            </a:r>
+          </a:p>
+        </p:txBody>
+      </p:sp>
+    </p:spTree>
+    <p:extLst>
+      <p:ext uri="{BB962C8B-B14F-4D97-AF65-F5344CB8AC3E}">
+        <p14:creationId xmlns:p14="http://schemas.microsoft.com/office/powerpoint/2010/main" val="1930621556"/>
+      </p:ext>
+    </p:extLst>
+  </p:cSld>
+  <p:clrMapOvr>
+    <a:masterClrMapping/>
+  </p:clrMapOvr>
+</p:sld>
+</file>
+
+<file path=ppt/slides/slide27.xml><?xml version="1.0" encoding="utf-8"?>
+<p:sld xmlns:a="http://schemas.openxmlformats.org/drawingml/2006/main" xmlns:r="http://schemas.openxmlformats.org/officeDocument/2006/relationships" xmlns:p="http://schemas.openxmlformats.org/presentationml/2006/main">
+  <p:cSld>
+    <p:bg>
+      <p:bgPr>
+        <a:solidFill>
+          <a:schemeClr val="bg1"/>
+        </a:solidFill>
+        <a:effectLst/>
+      </p:bgPr>
+    </p:bg>
+    <p:spTree>
+      <p:nvGrpSpPr>
+        <p:cNvPr id="1" name=""/>
+        <p:cNvGrpSpPr/>
+        <p:nvPr/>
+      </p:nvGrpSpPr>
+      <p:grpSpPr>
+        <a:xfrm>
+          <a:off x="0" y="0"/>
+          <a:ext cx="0" cy="0"/>
+          <a:chOff x="0" y="0"/>
+          <a:chExt cx="0" cy="0"/>
+        </a:xfrm>
+      </p:grpSpPr>
+      <p:sp useBgFill="1">
+        <p:nvSpPr>
+          <p:cNvPr id="8" name="Rectangle 7">
+            <a:extLst>
+              <a:ext uri="{FF2B5EF4-FFF2-40B4-BE49-F238E27FC236}">
+                <a16:creationId xmlns:a16="http://schemas.microsoft.com/office/drawing/2014/main" id="{66B5BE70-4451-4286-9D79-27C26F755FAC}"/>
+              </a:ext>
+              <a:ext uri="{C183D7F6-B498-43B3-948B-1728B52AA6E4}">
+                <adec:decorative xmlns:adec="http://schemas.microsoft.com/office/drawing/2017/decorative" val="1"/>
+              </a:ext>
+            </a:extLst>
+          </p:cNvPr>
+          <p:cNvSpPr>
+            <a:spLocks noGrp="1" noRot="1" noChangeAspect="1" noMove="1" noResize="1" noEditPoints="1" noAdjustHandles="1" noChangeArrowheads="1" noChangeShapeType="1" noTextEdit="1"/>
+          </p:cNvSpPr>
+          <p:nvPr>
+            <p:extLst>
+              <p:ext uri="{386F3935-93C4-4BCD-93E2-E3B085C9AB24}">
+                <p16:designElem xmlns:p16="http://schemas.microsoft.com/office/powerpoint/2015/main" val="1"/>
+              </p:ext>
+            </p:extLst>
+          </p:nvPr>
+        </p:nvSpPr>
+        <p:spPr>
+          <a:xfrm>
+            <a:off x="0" y="0"/>
+            <a:ext cx="12192000" cy="6858000"/>
+          </a:xfrm>
+          <a:prstGeom prst="rect">
+            <a:avLst/>
+          </a:prstGeom>
+          <a:ln>
+            <a:noFill/>
+          </a:ln>
+        </p:spPr>
+        <p:style>
+          <a:lnRef idx="2">
+            <a:schemeClr val="accent1">
+              <a:shade val="50000"/>
+            </a:schemeClr>
+          </a:lnRef>
+          <a:fillRef idx="1">
+            <a:schemeClr val="accent1"/>
+          </a:fillRef>
+          <a:effectRef idx="0">
+            <a:schemeClr val="accent1"/>
+          </a:effectRef>
+          <a:fontRef idx="minor">
+            <a:schemeClr val="lt1"/>
+          </a:fontRef>
+        </p:style>
+        <p:txBody>
+          <a:bodyPr rtlCol="0" anchor="ctr"/>
+          <a:lstStyle/>
+          <a:p>
+            <a:pPr algn="ctr"/>
+            <a:endParaRPr lang="en-US"/>
+          </a:p>
+        </p:txBody>
+      </p:sp>
+      <p:pic>
+        <p:nvPicPr>
+          <p:cNvPr id="10" name="Picture 9">
+            <a:extLst>
+              <a:ext uri="{FF2B5EF4-FFF2-40B4-BE49-F238E27FC236}">
+                <a16:creationId xmlns:a16="http://schemas.microsoft.com/office/drawing/2014/main" id="{8176C668-3F88-414B-AAEE-1785E38D5D59}"/>
+              </a:ext>
+              <a:ext uri="{C183D7F6-B498-43B3-948B-1728B52AA6E4}">
+                <adec:decorative xmlns:adec="http://schemas.microsoft.com/office/drawing/2017/decorative" val="1"/>
+              </a:ext>
+            </a:extLst>
+          </p:cNvPr>
+          <p:cNvPicPr>
+            <a:picLocks noGrp="1" noRot="1" noChangeAspect="1" noMove="1" noResize="1" noEditPoints="1" noAdjustHandles="1" noChangeArrowheads="1" noChangeShapeType="1" noCrop="1"/>
+          </p:cNvPicPr>
+          <p:nvPr>
+            <p:extLst>
+              <p:ext uri="{386F3935-93C4-4BCD-93E2-E3B085C9AB24}">
+                <p16:designElem xmlns:p16="http://schemas.microsoft.com/office/powerpoint/2015/main" val="1"/>
+              </p:ext>
+            </p:extLst>
+          </p:nvPr>
+        </p:nvPicPr>
+        <p:blipFill>
+          <a:blip r:embed="rId2">
+            <a:extLst>
+              <a:ext uri="{28A0092B-C50C-407E-A947-70E740481C1C}">
+                <a14:useLocalDpi xmlns:a14="http://schemas.microsoft.com/office/drawing/2010/main" val="0"/>
+              </a:ext>
+            </a:extLst>
+          </a:blip>
+          <a:stretch>
+            <a:fillRect/>
+          </a:stretch>
+        </p:blipFill>
+        <p:spPr>
+          <a:xfrm>
+            <a:off x="0" y="0"/>
+            <a:ext cx="12188825" cy="6856214"/>
+          </a:xfrm>
+          <a:prstGeom prst="rect">
+            <a:avLst/>
+          </a:prstGeom>
+        </p:spPr>
+      </p:pic>
+      <p:sp>
+        <p:nvSpPr>
+          <p:cNvPr id="2" name="Title 1">
+            <a:extLst>
+              <a:ext uri="{FF2B5EF4-FFF2-40B4-BE49-F238E27FC236}">
+                <a16:creationId xmlns:a16="http://schemas.microsoft.com/office/drawing/2014/main" id="{81CC3032-3097-4FD7-B5E2-B1647A7209D8}"/>
+              </a:ext>
+            </a:extLst>
+          </p:cNvPr>
+          <p:cNvSpPr>
+            <a:spLocks noGrp="1"/>
+          </p:cNvSpPr>
+          <p:nvPr>
+            <p:ph type="title"/>
+          </p:nvPr>
+        </p:nvSpPr>
+        <p:spPr>
+          <a:xfrm>
+            <a:off x="5941228" y="1151677"/>
+            <a:ext cx="5218897" cy="4554647"/>
+          </a:xfrm>
+        </p:spPr>
+        <p:txBody>
+          <a:bodyPr anchor="ctr">
+            <a:normAutofit/>
+          </a:bodyPr>
+          <a:lstStyle/>
+          <a:p>
+            <a:r>
+              <a:rPr lang="en-US" sz="4800" dirty="0"/>
+              <a:t>The simulation process</a:t>
+            </a:r>
+          </a:p>
+        </p:txBody>
+      </p:sp>
+      <p:sp>
+        <p:nvSpPr>
+          <p:cNvPr id="12" name="Freeform: Shape 11">
+            <a:extLst>
+              <a:ext uri="{FF2B5EF4-FFF2-40B4-BE49-F238E27FC236}">
+                <a16:creationId xmlns:a16="http://schemas.microsoft.com/office/drawing/2014/main" id="{D58C5A54-E70B-4B9B-A7FE-D3A05561BFD8}"/>
+              </a:ext>
+              <a:ext uri="{C183D7F6-B498-43B3-948B-1728B52AA6E4}">
+                <adec:decorative xmlns:adec="http://schemas.microsoft.com/office/drawing/2017/decorative" val="1"/>
+              </a:ext>
+            </a:extLst>
+          </p:cNvPr>
+          <p:cNvSpPr>
+            <a:spLocks noGrp="1" noRot="1" noChangeAspect="1" noMove="1" noResize="1" noEditPoints="1" noAdjustHandles="1" noChangeArrowheads="1" noChangeShapeType="1" noTextEdit="1"/>
+          </p:cNvSpPr>
+          <p:nvPr>
+            <p:extLst>
+              <p:ext uri="{386F3935-93C4-4BCD-93E2-E3B085C9AB24}">
+                <p16:designElem xmlns:p16="http://schemas.microsoft.com/office/powerpoint/2015/main" val="1"/>
+              </p:ext>
+            </p:extLst>
+          </p:nvPr>
+        </p:nvSpPr>
+        <p:spPr>
+          <a:xfrm flipH="1">
+            <a:off x="0" y="0"/>
+            <a:ext cx="5297762" cy="6858000"/>
+          </a:xfrm>
+          <a:custGeom>
+            <a:avLst/>
+            <a:gdLst>
+              <a:gd name="connsiteX0" fmla="*/ 5297762 w 5297762"/>
+              <a:gd name="connsiteY0" fmla="*/ 0 h 6858000"/>
+              <a:gd name="connsiteX1" fmla="*/ 4654296 w 5297762"/>
+              <a:gd name="connsiteY1" fmla="*/ 0 h 6858000"/>
+              <a:gd name="connsiteX2" fmla="*/ 4470448 w 5297762"/>
+              <a:gd name="connsiteY2" fmla="*/ 0 h 6858000"/>
+              <a:gd name="connsiteX3" fmla="*/ 0 w 5297762"/>
+              <a:gd name="connsiteY3" fmla="*/ 0 h 6858000"/>
+              <a:gd name="connsiteX4" fmla="*/ 0 w 5297762"/>
+              <a:gd name="connsiteY4" fmla="*/ 70650 h 6858000"/>
+              <a:gd name="connsiteX5" fmla="*/ 13678 w 5297762"/>
+              <a:gd name="connsiteY5" fmla="*/ 155673 h 6858000"/>
+              <a:gd name="connsiteX6" fmla="*/ 37547 w 5297762"/>
+              <a:gd name="connsiteY6" fmla="*/ 310664 h 6858000"/>
+              <a:gd name="connsiteX7" fmla="*/ 60911 w 5297762"/>
+              <a:gd name="connsiteY7" fmla="*/ 466340 h 6858000"/>
+              <a:gd name="connsiteX8" fmla="*/ 80914 w 5297762"/>
+              <a:gd name="connsiteY8" fmla="*/ 622703 h 6858000"/>
+              <a:gd name="connsiteX9" fmla="*/ 101085 w 5297762"/>
+              <a:gd name="connsiteY9" fmla="*/ 778379 h 6858000"/>
+              <a:gd name="connsiteX10" fmla="*/ 119911 w 5297762"/>
+              <a:gd name="connsiteY10" fmla="*/ 934742 h 6858000"/>
+              <a:gd name="connsiteX11" fmla="*/ 136047 w 5297762"/>
+              <a:gd name="connsiteY11" fmla="*/ 1089047 h 6858000"/>
+              <a:gd name="connsiteX12" fmla="*/ 151343 w 5297762"/>
+              <a:gd name="connsiteY12" fmla="*/ 1245409 h 6858000"/>
+              <a:gd name="connsiteX13" fmla="*/ 165295 w 5297762"/>
+              <a:gd name="connsiteY13" fmla="*/ 1401086 h 6858000"/>
+              <a:gd name="connsiteX14" fmla="*/ 177397 w 5297762"/>
+              <a:gd name="connsiteY14" fmla="*/ 1554019 h 6858000"/>
+              <a:gd name="connsiteX15" fmla="*/ 189500 w 5297762"/>
+              <a:gd name="connsiteY15" fmla="*/ 1709010 h 6858000"/>
+              <a:gd name="connsiteX16" fmla="*/ 199585 w 5297762"/>
+              <a:gd name="connsiteY16" fmla="*/ 1861943 h 6858000"/>
+              <a:gd name="connsiteX17" fmla="*/ 207485 w 5297762"/>
+              <a:gd name="connsiteY17" fmla="*/ 2014877 h 6858000"/>
+              <a:gd name="connsiteX18" fmla="*/ 215722 w 5297762"/>
+              <a:gd name="connsiteY18" fmla="*/ 2167124 h 6858000"/>
+              <a:gd name="connsiteX19" fmla="*/ 222613 w 5297762"/>
+              <a:gd name="connsiteY19" fmla="*/ 2318000 h 6858000"/>
+              <a:gd name="connsiteX20" fmla="*/ 227488 w 5297762"/>
+              <a:gd name="connsiteY20" fmla="*/ 2467505 h 6858000"/>
+              <a:gd name="connsiteX21" fmla="*/ 231690 w 5297762"/>
+              <a:gd name="connsiteY21" fmla="*/ 2617009 h 6858000"/>
+              <a:gd name="connsiteX22" fmla="*/ 235724 w 5297762"/>
+              <a:gd name="connsiteY22" fmla="*/ 2765142 h 6858000"/>
+              <a:gd name="connsiteX23" fmla="*/ 237573 w 5297762"/>
+              <a:gd name="connsiteY23" fmla="*/ 2911217 h 6858000"/>
+              <a:gd name="connsiteX24" fmla="*/ 239590 w 5297762"/>
+              <a:gd name="connsiteY24" fmla="*/ 3057293 h 6858000"/>
+              <a:gd name="connsiteX25" fmla="*/ 240599 w 5297762"/>
+              <a:gd name="connsiteY25" fmla="*/ 3201311 h 6858000"/>
+              <a:gd name="connsiteX26" fmla="*/ 239590 w 5297762"/>
+              <a:gd name="connsiteY26" fmla="*/ 3343957 h 6858000"/>
+              <a:gd name="connsiteX27" fmla="*/ 239590 w 5297762"/>
+              <a:gd name="connsiteY27" fmla="*/ 3485232 h 6858000"/>
+              <a:gd name="connsiteX28" fmla="*/ 237573 w 5297762"/>
+              <a:gd name="connsiteY28" fmla="*/ 3625135 h 6858000"/>
+              <a:gd name="connsiteX29" fmla="*/ 234548 w 5297762"/>
+              <a:gd name="connsiteY29" fmla="*/ 3762295 h 6858000"/>
+              <a:gd name="connsiteX30" fmla="*/ 231690 w 5297762"/>
+              <a:gd name="connsiteY30" fmla="*/ 3898083 h 6858000"/>
+              <a:gd name="connsiteX31" fmla="*/ 228496 w 5297762"/>
+              <a:gd name="connsiteY31" fmla="*/ 4031129 h 6858000"/>
+              <a:gd name="connsiteX32" fmla="*/ 223622 w 5297762"/>
+              <a:gd name="connsiteY32" fmla="*/ 4163488 h 6858000"/>
+              <a:gd name="connsiteX33" fmla="*/ 218411 w 5297762"/>
+              <a:gd name="connsiteY33" fmla="*/ 4293789 h 6858000"/>
+              <a:gd name="connsiteX34" fmla="*/ 213705 w 5297762"/>
+              <a:gd name="connsiteY34" fmla="*/ 4421348 h 6858000"/>
+              <a:gd name="connsiteX35" fmla="*/ 200425 w 5297762"/>
+              <a:gd name="connsiteY35" fmla="*/ 4670294 h 6858000"/>
+              <a:gd name="connsiteX36" fmla="*/ 186306 w 5297762"/>
+              <a:gd name="connsiteY36" fmla="*/ 4908952 h 6858000"/>
+              <a:gd name="connsiteX37" fmla="*/ 171514 w 5297762"/>
+              <a:gd name="connsiteY37" fmla="*/ 5138009 h 6858000"/>
+              <a:gd name="connsiteX38" fmla="*/ 155209 w 5297762"/>
+              <a:gd name="connsiteY38" fmla="*/ 5354722 h 6858000"/>
+              <a:gd name="connsiteX39" fmla="*/ 138232 w 5297762"/>
+              <a:gd name="connsiteY39" fmla="*/ 5561834 h 6858000"/>
+              <a:gd name="connsiteX40" fmla="*/ 119911 w 5297762"/>
+              <a:gd name="connsiteY40" fmla="*/ 5753858 h 6858000"/>
+              <a:gd name="connsiteX41" fmla="*/ 101925 w 5297762"/>
+              <a:gd name="connsiteY41" fmla="*/ 5934223 h 6858000"/>
+              <a:gd name="connsiteX42" fmla="*/ 83940 w 5297762"/>
+              <a:gd name="connsiteY42" fmla="*/ 6100187 h 6858000"/>
+              <a:gd name="connsiteX43" fmla="*/ 66963 w 5297762"/>
+              <a:gd name="connsiteY43" fmla="*/ 6252434 h 6858000"/>
+              <a:gd name="connsiteX44" fmla="*/ 50826 w 5297762"/>
+              <a:gd name="connsiteY44" fmla="*/ 6387537 h 6858000"/>
+              <a:gd name="connsiteX45" fmla="*/ 35530 w 5297762"/>
+              <a:gd name="connsiteY45" fmla="*/ 6509609 h 6858000"/>
+              <a:gd name="connsiteX46" fmla="*/ 22755 w 5297762"/>
+              <a:gd name="connsiteY46" fmla="*/ 6612479 h 6858000"/>
+              <a:gd name="connsiteX47" fmla="*/ 10653 w 5297762"/>
+              <a:gd name="connsiteY47" fmla="*/ 6698890 h 6858000"/>
+              <a:gd name="connsiteX48" fmla="*/ 0 w 5297762"/>
+              <a:gd name="connsiteY48" fmla="*/ 6771890 h 6858000"/>
+              <a:gd name="connsiteX49" fmla="*/ 0 w 5297762"/>
+              <a:gd name="connsiteY49" fmla="*/ 6858000 h 6858000"/>
+              <a:gd name="connsiteX50" fmla="*/ 4470448 w 5297762"/>
+              <a:gd name="connsiteY50" fmla="*/ 6858000 h 6858000"/>
+              <a:gd name="connsiteX51" fmla="*/ 4654296 w 5297762"/>
+              <a:gd name="connsiteY51" fmla="*/ 6858000 h 6858000"/>
+              <a:gd name="connsiteX52" fmla="*/ 5297762 w 5297762"/>
+              <a:gd name="connsiteY52" fmla="*/ 6858000 h 6858000"/>
+            </a:gdLst>
+            <a:ahLst/>
+            <a:cxnLst>
+              <a:cxn ang="0">
+                <a:pos x="connsiteX0" y="connsiteY0"/>
+              </a:cxn>
+              <a:cxn ang="0">
+                <a:pos x="connsiteX1" y="connsiteY1"/>
+              </a:cxn>
+              <a:cxn ang="0">
+                <a:pos x="connsiteX2" y="connsiteY2"/>
+              </a:cxn>
+              <a:cxn ang="0">
+                <a:pos x="connsiteX3" y="connsiteY3"/>
+              </a:cxn>
+              <a:cxn ang="0">
+                <a:pos x="connsiteX4" y="connsiteY4"/>
+              </a:cxn>
+              <a:cxn ang="0">
+                <a:pos x="connsiteX5" y="connsiteY5"/>
+              </a:cxn>
+              <a:cxn ang="0">
+                <a:pos x="connsiteX6" y="connsiteY6"/>
+              </a:cxn>
+              <a:cxn ang="0">
+                <a:pos x="connsiteX7" y="connsiteY7"/>
+              </a:cxn>
+              <a:cxn ang="0">
+                <a:pos x="connsiteX8" y="connsiteY8"/>
+              </a:cxn>
+              <a:cxn ang="0">
+                <a:pos x="connsiteX9" y="connsiteY9"/>
+              </a:cxn>
+              <a:cxn ang="0">
+                <a:pos x="connsiteX10" y="connsiteY10"/>
+              </a:cxn>
+              <a:cxn ang="0">
+                <a:pos x="connsiteX11" y="connsiteY11"/>
+              </a:cxn>
+              <a:cxn ang="0">
+                <a:pos x="connsiteX12" y="connsiteY12"/>
+              </a:cxn>
+              <a:cxn ang="0">
+                <a:pos x="connsiteX13" y="connsiteY13"/>
+              </a:cxn>
+              <a:cxn ang="0">
+                <a:pos x="connsiteX14" y="connsiteY14"/>
+              </a:cxn>
+              <a:cxn ang="0">
+                <a:pos x="connsiteX15" y="connsiteY15"/>
+              </a:cxn>
+              <a:cxn ang="0">
+                <a:pos x="connsiteX16" y="connsiteY16"/>
+              </a:cxn>
+              <a:cxn ang="0">
+                <a:pos x="connsiteX17" y="connsiteY17"/>
+              </a:cxn>
+              <a:cxn ang="0">
+                <a:pos x="connsiteX18" y="connsiteY18"/>
+              </a:cxn>
+              <a:cxn ang="0">
+                <a:pos x="connsiteX19" y="connsiteY19"/>
+              </a:cxn>
+              <a:cxn ang="0">
+                <a:pos x="connsiteX20" y="connsiteY20"/>
+              </a:cxn>
+              <a:cxn ang="0">
+                <a:pos x="connsiteX21" y="connsiteY21"/>
+              </a:cxn>
+              <a:cxn ang="0">
+                <a:pos x="connsiteX22" y="connsiteY22"/>
+              </a:cxn>
+              <a:cxn ang="0">
+                <a:pos x="connsiteX23" y="connsiteY23"/>
+              </a:cxn>
+              <a:cxn ang="0">
+                <a:pos x="connsiteX24" y="connsiteY24"/>
+              </a:cxn>
+              <a:cxn ang="0">
+                <a:pos x="connsiteX25" y="connsiteY25"/>
+              </a:cxn>
+              <a:cxn ang="0">
+                <a:pos x="connsiteX26" y="connsiteY26"/>
+              </a:cxn>
+              <a:cxn ang="0">
+                <a:pos x="connsiteX27" y="connsiteY27"/>
+              </a:cxn>
+              <a:cxn ang="0">
+                <a:pos x="connsiteX28" y="connsiteY28"/>
+              </a:cxn>
+              <a:cxn ang="0">
+                <a:pos x="connsiteX29" y="connsiteY29"/>
+              </a:cxn>
+              <a:cxn ang="0">
+                <a:pos x="connsiteX30" y="connsiteY30"/>
+              </a:cxn>
+              <a:cxn ang="0">
+                <a:pos x="connsiteX31" y="connsiteY31"/>
+              </a:cxn>
+              <a:cxn ang="0">
+                <a:pos x="connsiteX32" y="connsiteY32"/>
+              </a:cxn>
+              <a:cxn ang="0">
+                <a:pos x="connsiteX33" y="connsiteY33"/>
+              </a:cxn>
+              <a:cxn ang="0">
+                <a:pos x="connsiteX34" y="connsiteY34"/>
+              </a:cxn>
+              <a:cxn ang="0">
+                <a:pos x="connsiteX35" y="connsiteY35"/>
+              </a:cxn>
+              <a:cxn ang="0">
+                <a:pos x="connsiteX36" y="connsiteY36"/>
+              </a:cxn>
+              <a:cxn ang="0">
+                <a:pos x="connsiteX37" y="connsiteY37"/>
+              </a:cxn>
+              <a:cxn ang="0">
+                <a:pos x="connsiteX38" y="connsiteY38"/>
+              </a:cxn>
+              <a:cxn ang="0">
+                <a:pos x="connsiteX39" y="connsiteY39"/>
+              </a:cxn>
+              <a:cxn ang="0">
+                <a:pos x="connsiteX40" y="connsiteY40"/>
+              </a:cxn>
+              <a:cxn ang="0">
+                <a:pos x="connsiteX41" y="connsiteY41"/>
+              </a:cxn>
+              <a:cxn ang="0">
+                <a:pos x="connsiteX42" y="connsiteY42"/>
+              </a:cxn>
+              <a:cxn ang="0">
+                <a:pos x="connsiteX43" y="connsiteY43"/>
+              </a:cxn>
+              <a:cxn ang="0">
+                <a:pos x="connsiteX44" y="connsiteY44"/>
+              </a:cxn>
+              <a:cxn ang="0">
+                <a:pos x="connsiteX45" y="connsiteY45"/>
+              </a:cxn>
+              <a:cxn ang="0">
+                <a:pos x="connsiteX46" y="connsiteY46"/>
+              </a:cxn>
+              <a:cxn ang="0">
+                <a:pos x="connsiteX47" y="connsiteY47"/>
+              </a:cxn>
+              <a:cxn ang="0">
+                <a:pos x="connsiteX48" y="connsiteY48"/>
+              </a:cxn>
+              <a:cxn ang="0">
+                <a:pos x="connsiteX49" y="connsiteY49"/>
+              </a:cxn>
+              <a:cxn ang="0">
+                <a:pos x="connsiteX50" y="connsiteY50"/>
+              </a:cxn>
+              <a:cxn ang="0">
+                <a:pos x="connsiteX51" y="connsiteY51"/>
+              </a:cxn>
+              <a:cxn ang="0">
+                <a:pos x="connsiteX52" y="connsiteY52"/>
+              </a:cxn>
+            </a:cxnLst>
+            <a:rect l="l" t="t" r="r" b="b"/>
+            <a:pathLst>
+              <a:path w="5297762" h="6858000">
+                <a:moveTo>
+                  <a:pt x="5297762" y="0"/>
+                </a:moveTo>
+                <a:lnTo>
+                  <a:pt x="4654296" y="0"/>
+                </a:lnTo>
+                <a:lnTo>
+                  <a:pt x="4470448" y="0"/>
+                </a:lnTo>
+                <a:lnTo>
+                  <a:pt x="0" y="0"/>
+                </a:lnTo>
+                <a:lnTo>
+                  <a:pt x="0" y="70650"/>
+                </a:lnTo>
+                <a:lnTo>
+                  <a:pt x="13678" y="155673"/>
+                </a:lnTo>
+                <a:lnTo>
+                  <a:pt x="37547" y="310664"/>
+                </a:lnTo>
+                <a:lnTo>
+                  <a:pt x="60911" y="466340"/>
+                </a:lnTo>
+                <a:lnTo>
+                  <a:pt x="80914" y="622703"/>
+                </a:lnTo>
+                <a:lnTo>
+                  <a:pt x="101085" y="778379"/>
+                </a:lnTo>
+                <a:lnTo>
+                  <a:pt x="119911" y="934742"/>
+                </a:lnTo>
+                <a:lnTo>
+                  <a:pt x="136047" y="1089047"/>
+                </a:lnTo>
+                <a:lnTo>
+                  <a:pt x="151343" y="1245409"/>
+                </a:lnTo>
+                <a:lnTo>
+                  <a:pt x="165295" y="1401086"/>
+                </a:lnTo>
+                <a:lnTo>
+                  <a:pt x="177397" y="1554019"/>
+                </a:lnTo>
+                <a:lnTo>
+                  <a:pt x="189500" y="1709010"/>
+                </a:lnTo>
+                <a:lnTo>
+                  <a:pt x="199585" y="1861943"/>
+                </a:lnTo>
+                <a:lnTo>
+                  <a:pt x="207485" y="2014877"/>
+                </a:lnTo>
+                <a:lnTo>
+                  <a:pt x="215722" y="2167124"/>
+                </a:lnTo>
+                <a:lnTo>
+                  <a:pt x="222613" y="2318000"/>
+                </a:lnTo>
+                <a:lnTo>
+                  <a:pt x="227488" y="2467505"/>
+                </a:lnTo>
+                <a:lnTo>
+                  <a:pt x="231690" y="2617009"/>
+                </a:lnTo>
+                <a:lnTo>
+                  <a:pt x="235724" y="2765142"/>
+                </a:lnTo>
+                <a:lnTo>
+                  <a:pt x="237573" y="2911217"/>
+                </a:lnTo>
+                <a:lnTo>
+                  <a:pt x="239590" y="3057293"/>
+                </a:lnTo>
+                <a:lnTo>
+                  <a:pt x="240599" y="3201311"/>
+                </a:lnTo>
+                <a:lnTo>
+                  <a:pt x="239590" y="3343957"/>
+                </a:lnTo>
+                <a:lnTo>
+                  <a:pt x="239590" y="3485232"/>
+                </a:lnTo>
+                <a:lnTo>
+                  <a:pt x="237573" y="3625135"/>
+                </a:lnTo>
+                <a:lnTo>
+                  <a:pt x="234548" y="3762295"/>
+                </a:lnTo>
+                <a:lnTo>
+                  <a:pt x="231690" y="3898083"/>
+                </a:lnTo>
+                <a:lnTo>
+                  <a:pt x="228496" y="4031129"/>
+                </a:lnTo>
+                <a:lnTo>
+                  <a:pt x="223622" y="4163488"/>
+                </a:lnTo>
+                <a:lnTo>
+                  <a:pt x="218411" y="4293789"/>
+                </a:lnTo>
+                <a:lnTo>
+                  <a:pt x="213705" y="4421348"/>
+                </a:lnTo>
+                <a:lnTo>
+                  <a:pt x="200425" y="4670294"/>
+                </a:lnTo>
+                <a:lnTo>
+                  <a:pt x="186306" y="4908952"/>
+                </a:lnTo>
+                <a:lnTo>
+                  <a:pt x="171514" y="5138009"/>
+                </a:lnTo>
+                <a:lnTo>
+                  <a:pt x="155209" y="5354722"/>
+                </a:lnTo>
+                <a:lnTo>
+                  <a:pt x="138232" y="5561834"/>
+                </a:lnTo>
+                <a:lnTo>
+                  <a:pt x="119911" y="5753858"/>
+                </a:lnTo>
+                <a:lnTo>
+                  <a:pt x="101925" y="5934223"/>
+                </a:lnTo>
+                <a:lnTo>
+                  <a:pt x="83940" y="6100187"/>
+                </a:lnTo>
+                <a:lnTo>
+                  <a:pt x="66963" y="6252434"/>
+                </a:lnTo>
+                <a:lnTo>
+                  <a:pt x="50826" y="6387537"/>
+                </a:lnTo>
+                <a:lnTo>
+                  <a:pt x="35530" y="6509609"/>
+                </a:lnTo>
+                <a:lnTo>
+                  <a:pt x="22755" y="6612479"/>
+                </a:lnTo>
+                <a:lnTo>
+                  <a:pt x="10653" y="6698890"/>
+                </a:lnTo>
+                <a:lnTo>
+                  <a:pt x="0" y="6771890"/>
+                </a:lnTo>
+                <a:lnTo>
+                  <a:pt x="0" y="6858000"/>
+                </a:lnTo>
+                <a:lnTo>
+                  <a:pt x="4470448" y="6858000"/>
+                </a:lnTo>
+                <a:lnTo>
+                  <a:pt x="4654296" y="6858000"/>
+                </a:lnTo>
+                <a:lnTo>
+                  <a:pt x="5297762" y="6858000"/>
+                </a:lnTo>
+                <a:close/>
+              </a:path>
+            </a:pathLst>
+          </a:custGeom>
+          <a:solidFill>
+            <a:schemeClr val="bg1">
+              <a:lumMod val="95000"/>
+              <a:lumOff val="5000"/>
+            </a:schemeClr>
+          </a:solidFill>
+          <a:ln>
+            <a:noFill/>
+          </a:ln>
+        </p:spPr>
+        <p:style>
+          <a:lnRef idx="2">
+            <a:schemeClr val="accent1">
+              <a:shade val="50000"/>
+            </a:schemeClr>
+          </a:lnRef>
+          <a:fillRef idx="1">
+            <a:schemeClr val="accent1"/>
+          </a:fillRef>
+          <a:effectRef idx="0">
+            <a:schemeClr val="accent1"/>
+          </a:effectRef>
+          <a:fontRef idx="minor">
+            <a:schemeClr val="lt1"/>
+          </a:fontRef>
+        </p:style>
+        <p:txBody>
+          <a:bodyPr wrap="square" rtlCol="0" anchor="ctr">
+            <a:noAutofit/>
+          </a:bodyPr>
+          <a:lstStyle/>
+          <a:p>
+            <a:pPr algn="ctr"/>
+            <a:endParaRPr lang="en-US"/>
+          </a:p>
+        </p:txBody>
+      </p:sp>
+      <p:sp>
+        <p:nvSpPr>
+          <p:cNvPr id="3" name="Content Placeholder 2">
+            <a:extLst>
+              <a:ext uri="{FF2B5EF4-FFF2-40B4-BE49-F238E27FC236}">
+                <a16:creationId xmlns:a16="http://schemas.microsoft.com/office/drawing/2014/main" id="{8BCDDF20-BCB0-40DB-A403-792C39A54C86}"/>
+              </a:ext>
+            </a:extLst>
+          </p:cNvPr>
+          <p:cNvSpPr>
+            <a:spLocks noGrp="1"/>
+          </p:cNvSpPr>
+          <p:nvPr>
+            <p:ph idx="1"/>
+          </p:nvPr>
+        </p:nvSpPr>
+        <p:spPr>
+          <a:xfrm>
+            <a:off x="685802" y="1151677"/>
+            <a:ext cx="3968492" cy="4718897"/>
+          </a:xfrm>
+        </p:spPr>
+        <p:txBody>
+          <a:bodyPr anchor="ctr">
+            <a:normAutofit/>
+          </a:bodyPr>
+          <a:lstStyle/>
+          <a:p>
+            <a:r>
+              <a:rPr lang="en-US" dirty="0"/>
+              <a:t>The simulation will run over the user-specified number of generations</a:t>
+            </a:r>
+          </a:p>
+          <a:p>
+            <a:r>
+              <a:rPr lang="en-US" dirty="0"/>
+              <a:t>Sequence number can change generation by generation due to sequence duplication or extinction</a:t>
+            </a:r>
+          </a:p>
+          <a:p>
+            <a:r>
+              <a:rPr lang="en-US" dirty="0"/>
+              <a:t>For each sequence in the current generation, a probability for duplication, extinction, and indel events will be calculated</a:t>
+            </a:r>
+          </a:p>
+          <a:p>
+            <a:pPr lvl="1"/>
+            <a:r>
+              <a:rPr lang="en-US" dirty="0"/>
+              <a:t>An indel is an insertion or deletion in the genome or sequence</a:t>
+            </a:r>
+          </a:p>
+          <a:p>
+            <a:pPr lvl="1"/>
+            <a:r>
+              <a:rPr lang="en-US" dirty="0"/>
+              <a:t>Happen far less often than SNP’s (Single-Nucleotide </a:t>
+            </a:r>
+            <a:r>
+              <a:rPr lang="en-US" dirty="0" err="1"/>
+              <a:t>Polymporphisms</a:t>
+            </a:r>
+            <a:r>
+              <a:rPr lang="en-US" dirty="0"/>
+              <a:t> or base pair substitution mutations on a single nucleotide)</a:t>
+            </a:r>
+          </a:p>
+        </p:txBody>
+      </p:sp>
+    </p:spTree>
+    <p:extLst>
+      <p:ext uri="{BB962C8B-B14F-4D97-AF65-F5344CB8AC3E}">
+        <p14:creationId xmlns:p14="http://schemas.microsoft.com/office/powerpoint/2010/main" val="2778490706"/>
+      </p:ext>
+    </p:extLst>
+  </p:cSld>
+  <p:clrMapOvr>
+    <a:masterClrMapping/>
+  </p:clrMapOvr>
+</p:sld>
+</file>
+
+<file path=ppt/slides/slide28.xml><?xml version="1.0" encoding="utf-8"?>
+<p:sld xmlns:a="http://schemas.openxmlformats.org/drawingml/2006/main" xmlns:r="http://schemas.openxmlformats.org/officeDocument/2006/relationships" xmlns:p="http://schemas.openxmlformats.org/presentationml/2006/main">
+  <p:cSld>
+    <p:bg>
+      <p:bgPr>
+        <a:gradFill rotWithShape="1">
+          <a:gsLst>
+            <a:gs pos="0">
+              <a:schemeClr val="bg2">
+                <a:tint val="90000"/>
+                <a:shade val="96000"/>
+                <a:hueMod val="100000"/>
+                <a:satMod val="180000"/>
+                <a:lumMod val="110000"/>
+              </a:schemeClr>
+            </a:gs>
+            <a:gs pos="100000">
+              <a:schemeClr val="bg2">
+                <a:shade val="96000"/>
+                <a:satMod val="160000"/>
+                <a:lumMod val="100000"/>
+              </a:schemeClr>
+            </a:gs>
+          </a:gsLst>
+          <a:lin ang="4740000" scaled="1"/>
+        </a:gradFill>
+        <a:effectLst/>
+      </p:bgPr>
+    </p:bg>
+    <p:spTree>
+      <p:nvGrpSpPr>
+        <p:cNvPr id="1" name=""/>
+        <p:cNvGrpSpPr/>
+        <p:nvPr/>
+      </p:nvGrpSpPr>
+      <p:grpSpPr>
+        <a:xfrm>
+          <a:off x="0" y="0"/>
+          <a:ext cx="0" cy="0"/>
+          <a:chOff x="0" y="0"/>
+          <a:chExt cx="0" cy="0"/>
+        </a:xfrm>
+      </p:grpSpPr>
+      <p:sp>
+        <p:nvSpPr>
+          <p:cNvPr id="2" name="Title 1">
+            <a:extLst>
+              <a:ext uri="{FF2B5EF4-FFF2-40B4-BE49-F238E27FC236}">
+                <a16:creationId xmlns:a16="http://schemas.microsoft.com/office/drawing/2014/main" id="{1E509438-BC66-4D23-B2A8-1272CFC84144}"/>
+              </a:ext>
+            </a:extLst>
+          </p:cNvPr>
+          <p:cNvSpPr>
+            <a:spLocks noGrp="1"/>
+          </p:cNvSpPr>
+          <p:nvPr>
+            <p:ph type="title"/>
+          </p:nvPr>
+        </p:nvSpPr>
+        <p:spPr>
+          <a:xfrm>
+            <a:off x="7837713" y="1083130"/>
+            <a:ext cx="2979513" cy="4691742"/>
+          </a:xfrm>
+        </p:spPr>
+        <p:txBody>
+          <a:bodyPr>
+            <a:normAutofit/>
+          </a:bodyPr>
+          <a:lstStyle/>
+          <a:p>
+            <a:r>
+              <a:rPr lang="en-US" dirty="0"/>
+              <a:t>Simulation Iteration process</a:t>
+            </a:r>
+          </a:p>
+        </p:txBody>
+      </p:sp>
+      <p:sp useBgFill="1">
+        <p:nvSpPr>
+          <p:cNvPr id="17" name="Freeform: Shape 16">
+            <a:extLst>
+              <a:ext uri="{FF2B5EF4-FFF2-40B4-BE49-F238E27FC236}">
+                <a16:creationId xmlns:a16="http://schemas.microsoft.com/office/drawing/2014/main" id="{058E2874-C2DD-423B-8BAD-6F0EF6FB29D0}"/>
+              </a:ext>
+              <a:ext uri="{C183D7F6-B498-43B3-948B-1728B52AA6E4}">
+                <adec:decorative xmlns:adec="http://schemas.microsoft.com/office/drawing/2017/decorative" val="1"/>
+              </a:ext>
+            </a:extLst>
+          </p:cNvPr>
+          <p:cNvSpPr>
+            <a:spLocks noGrp="1" noRot="1" noChangeAspect="1" noMove="1" noResize="1" noEditPoints="1" noAdjustHandles="1" noChangeArrowheads="1" noChangeShapeType="1" noTextEdit="1"/>
+          </p:cNvSpPr>
+          <p:nvPr>
+            <p:extLst>
+              <p:ext uri="{386F3935-93C4-4BCD-93E2-E3B085C9AB24}">
+                <p16:designElem xmlns:p16="http://schemas.microsoft.com/office/powerpoint/2015/main" val="1"/>
+              </p:ext>
+            </p:extLst>
+          </p:nvPr>
+        </p:nvSpPr>
+        <p:spPr>
+          <a:xfrm rot="10800000">
+            <a:off x="0" y="0"/>
+            <a:ext cx="7537703" cy="6858000"/>
+          </a:xfrm>
+          <a:custGeom>
+            <a:avLst/>
+            <a:gdLst>
+              <a:gd name="connsiteX0" fmla="*/ 0 w 7537703"/>
+              <a:gd name="connsiteY0" fmla="*/ 0 h 6858000"/>
+              <a:gd name="connsiteX1" fmla="*/ 7537703 w 7537703"/>
+              <a:gd name="connsiteY1" fmla="*/ 0 h 6858000"/>
+              <a:gd name="connsiteX2" fmla="*/ 7537703 w 7537703"/>
+              <a:gd name="connsiteY2" fmla="*/ 6858000 h 6858000"/>
+              <a:gd name="connsiteX3" fmla="*/ 20957 w 7537703"/>
+              <a:gd name="connsiteY3" fmla="*/ 6858000 h 6858000"/>
+              <a:gd name="connsiteX4" fmla="*/ 46002 w 7537703"/>
+              <a:gd name="connsiteY4" fmla="*/ 6702325 h 6858000"/>
+              <a:gd name="connsiteX5" fmla="*/ 69870 w 7537703"/>
+              <a:gd name="connsiteY5" fmla="*/ 6547334 h 6858000"/>
+              <a:gd name="connsiteX6" fmla="*/ 93234 w 7537703"/>
+              <a:gd name="connsiteY6" fmla="*/ 6391658 h 6858000"/>
+              <a:gd name="connsiteX7" fmla="*/ 113237 w 7537703"/>
+              <a:gd name="connsiteY7" fmla="*/ 6235295 h 6858000"/>
+              <a:gd name="connsiteX8" fmla="*/ 133409 w 7537703"/>
+              <a:gd name="connsiteY8" fmla="*/ 6079619 h 6858000"/>
+              <a:gd name="connsiteX9" fmla="*/ 152234 w 7537703"/>
+              <a:gd name="connsiteY9" fmla="*/ 5923256 h 6858000"/>
+              <a:gd name="connsiteX10" fmla="*/ 168370 w 7537703"/>
+              <a:gd name="connsiteY10" fmla="*/ 5768951 h 6858000"/>
+              <a:gd name="connsiteX11" fmla="*/ 183667 w 7537703"/>
+              <a:gd name="connsiteY11" fmla="*/ 5612589 h 6858000"/>
+              <a:gd name="connsiteX12" fmla="*/ 197619 w 7537703"/>
+              <a:gd name="connsiteY12" fmla="*/ 5456912 h 6858000"/>
+              <a:gd name="connsiteX13" fmla="*/ 209720 w 7537703"/>
+              <a:gd name="connsiteY13" fmla="*/ 5303979 h 6858000"/>
+              <a:gd name="connsiteX14" fmla="*/ 221823 w 7537703"/>
+              <a:gd name="connsiteY14" fmla="*/ 5148988 h 6858000"/>
+              <a:gd name="connsiteX15" fmla="*/ 231908 w 7537703"/>
+              <a:gd name="connsiteY15" fmla="*/ 4996055 h 6858000"/>
+              <a:gd name="connsiteX16" fmla="*/ 239808 w 7537703"/>
+              <a:gd name="connsiteY16" fmla="*/ 4843121 h 6858000"/>
+              <a:gd name="connsiteX17" fmla="*/ 248045 w 7537703"/>
+              <a:gd name="connsiteY17" fmla="*/ 4690874 h 6858000"/>
+              <a:gd name="connsiteX18" fmla="*/ 254936 w 7537703"/>
+              <a:gd name="connsiteY18" fmla="*/ 4539998 h 6858000"/>
+              <a:gd name="connsiteX19" fmla="*/ 259811 w 7537703"/>
+              <a:gd name="connsiteY19" fmla="*/ 4390493 h 6858000"/>
+              <a:gd name="connsiteX20" fmla="*/ 264014 w 7537703"/>
+              <a:gd name="connsiteY20" fmla="*/ 4240989 h 6858000"/>
+              <a:gd name="connsiteX21" fmla="*/ 268047 w 7537703"/>
+              <a:gd name="connsiteY21" fmla="*/ 4092856 h 6858000"/>
+              <a:gd name="connsiteX22" fmla="*/ 269897 w 7537703"/>
+              <a:gd name="connsiteY22" fmla="*/ 3946781 h 6858000"/>
+              <a:gd name="connsiteX23" fmla="*/ 271913 w 7537703"/>
+              <a:gd name="connsiteY23" fmla="*/ 3800705 h 6858000"/>
+              <a:gd name="connsiteX24" fmla="*/ 272922 w 7537703"/>
+              <a:gd name="connsiteY24" fmla="*/ 3656687 h 6858000"/>
+              <a:gd name="connsiteX25" fmla="*/ 271913 w 7537703"/>
+              <a:gd name="connsiteY25" fmla="*/ 3514041 h 6858000"/>
+              <a:gd name="connsiteX26" fmla="*/ 271913 w 7537703"/>
+              <a:gd name="connsiteY26" fmla="*/ 3372766 h 6858000"/>
+              <a:gd name="connsiteX27" fmla="*/ 269897 w 7537703"/>
+              <a:gd name="connsiteY27" fmla="*/ 3232863 h 6858000"/>
+              <a:gd name="connsiteX28" fmla="*/ 266871 w 7537703"/>
+              <a:gd name="connsiteY28" fmla="*/ 3095703 h 6858000"/>
+              <a:gd name="connsiteX29" fmla="*/ 264014 w 7537703"/>
+              <a:gd name="connsiteY29" fmla="*/ 2959915 h 6858000"/>
+              <a:gd name="connsiteX30" fmla="*/ 260820 w 7537703"/>
+              <a:gd name="connsiteY30" fmla="*/ 2826869 h 6858000"/>
+              <a:gd name="connsiteX31" fmla="*/ 255946 w 7537703"/>
+              <a:gd name="connsiteY31" fmla="*/ 2694510 h 6858000"/>
+              <a:gd name="connsiteX32" fmla="*/ 250734 w 7537703"/>
+              <a:gd name="connsiteY32" fmla="*/ 2564209 h 6858000"/>
+              <a:gd name="connsiteX33" fmla="*/ 246028 w 7537703"/>
+              <a:gd name="connsiteY33" fmla="*/ 2436650 h 6858000"/>
+              <a:gd name="connsiteX34" fmla="*/ 232749 w 7537703"/>
+              <a:gd name="connsiteY34" fmla="*/ 2187704 h 6858000"/>
+              <a:gd name="connsiteX35" fmla="*/ 218630 w 7537703"/>
+              <a:gd name="connsiteY35" fmla="*/ 1949046 h 6858000"/>
+              <a:gd name="connsiteX36" fmla="*/ 203837 w 7537703"/>
+              <a:gd name="connsiteY36" fmla="*/ 1719989 h 6858000"/>
+              <a:gd name="connsiteX37" fmla="*/ 187532 w 7537703"/>
+              <a:gd name="connsiteY37" fmla="*/ 1503276 h 6858000"/>
+              <a:gd name="connsiteX38" fmla="*/ 170555 w 7537703"/>
+              <a:gd name="connsiteY38" fmla="*/ 1296164 h 6858000"/>
+              <a:gd name="connsiteX39" fmla="*/ 152234 w 7537703"/>
+              <a:gd name="connsiteY39" fmla="*/ 1104140 h 6858000"/>
+              <a:gd name="connsiteX40" fmla="*/ 134248 w 7537703"/>
+              <a:gd name="connsiteY40" fmla="*/ 923775 h 6858000"/>
+              <a:gd name="connsiteX41" fmla="*/ 116263 w 7537703"/>
+              <a:gd name="connsiteY41" fmla="*/ 757811 h 6858000"/>
+              <a:gd name="connsiteX42" fmla="*/ 99286 w 7537703"/>
+              <a:gd name="connsiteY42" fmla="*/ 605564 h 6858000"/>
+              <a:gd name="connsiteX43" fmla="*/ 83149 w 7537703"/>
+              <a:gd name="connsiteY43" fmla="*/ 470461 h 6858000"/>
+              <a:gd name="connsiteX44" fmla="*/ 67853 w 7537703"/>
+              <a:gd name="connsiteY44" fmla="*/ 348389 h 6858000"/>
+              <a:gd name="connsiteX45" fmla="*/ 55078 w 7537703"/>
+              <a:gd name="connsiteY45" fmla="*/ 245519 h 6858000"/>
+              <a:gd name="connsiteX46" fmla="*/ 42976 w 7537703"/>
+              <a:gd name="connsiteY46" fmla="*/ 159108 h 6858000"/>
+              <a:gd name="connsiteX47" fmla="*/ 25662 w 7537703"/>
+              <a:gd name="connsiteY47" fmla="*/ 40464 h 6858000"/>
+              <a:gd name="connsiteX48" fmla="*/ 19779 w 7537703"/>
+              <a:gd name="connsiteY48" fmla="*/ 2 h 6858000"/>
+              <a:gd name="connsiteX49" fmla="*/ 26532 w 7537703"/>
+              <a:gd name="connsiteY49" fmla="*/ 2 h 6858000"/>
+              <a:gd name="connsiteX50" fmla="*/ 26532 w 7537703"/>
+              <a:gd name="connsiteY50" fmla="*/ 1 h 6858000"/>
+              <a:gd name="connsiteX51" fmla="*/ 0 w 7537703"/>
+              <a:gd name="connsiteY51" fmla="*/ 1 h 6858000"/>
+            </a:gdLst>
+            <a:ahLst/>
+            <a:cxnLst>
+              <a:cxn ang="0">
+                <a:pos x="connsiteX0" y="connsiteY0"/>
+              </a:cxn>
+              <a:cxn ang="0">
+                <a:pos x="connsiteX1" y="connsiteY1"/>
+              </a:cxn>
+              <a:cxn ang="0">
+                <a:pos x="connsiteX2" y="connsiteY2"/>
+              </a:cxn>
+              <a:cxn ang="0">
+                <a:pos x="connsiteX3" y="connsiteY3"/>
+              </a:cxn>
+              <a:cxn ang="0">
+                <a:pos x="connsiteX4" y="connsiteY4"/>
+              </a:cxn>
+              <a:cxn ang="0">
+                <a:pos x="connsiteX5" y="connsiteY5"/>
+              </a:cxn>
+              <a:cxn ang="0">
+                <a:pos x="connsiteX6" y="connsiteY6"/>
+              </a:cxn>
+              <a:cxn ang="0">
+                <a:pos x="connsiteX7" y="connsiteY7"/>
+              </a:cxn>
+              <a:cxn ang="0">
+                <a:pos x="connsiteX8" y="connsiteY8"/>
+              </a:cxn>
+              <a:cxn ang="0">
+                <a:pos x="connsiteX9" y="connsiteY9"/>
+              </a:cxn>
+              <a:cxn ang="0">
+                <a:pos x="connsiteX10" y="connsiteY10"/>
+              </a:cxn>
+              <a:cxn ang="0">
+                <a:pos x="connsiteX11" y="connsiteY11"/>
+              </a:cxn>
+              <a:cxn ang="0">
+                <a:pos x="connsiteX12" y="connsiteY12"/>
+              </a:cxn>
+              <a:cxn ang="0">
+                <a:pos x="connsiteX13" y="connsiteY13"/>
+              </a:cxn>
+              <a:cxn ang="0">
+                <a:pos x="connsiteX14" y="connsiteY14"/>
+              </a:cxn>
+              <a:cxn ang="0">
+                <a:pos x="connsiteX15" y="connsiteY15"/>
+              </a:cxn>
+              <a:cxn ang="0">
+                <a:pos x="connsiteX16" y="connsiteY16"/>
+              </a:cxn>
+              <a:cxn ang="0">
+                <a:pos x="connsiteX17" y="connsiteY17"/>
+              </a:cxn>
+              <a:cxn ang="0">
+                <a:pos x="connsiteX18" y="connsiteY18"/>
+              </a:cxn>
+              <a:cxn ang="0">
+                <a:pos x="connsiteX19" y="connsiteY19"/>
+              </a:cxn>
+              <a:cxn ang="0">
+                <a:pos x="connsiteX20" y="connsiteY20"/>
+              </a:cxn>
+              <a:cxn ang="0">
+                <a:pos x="connsiteX21" y="connsiteY21"/>
+              </a:cxn>
+              <a:cxn ang="0">
+                <a:pos x="connsiteX22" y="connsiteY22"/>
+              </a:cxn>
+              <a:cxn ang="0">
+                <a:pos x="connsiteX23" y="connsiteY23"/>
+              </a:cxn>
+              <a:cxn ang="0">
+                <a:pos x="connsiteX24" y="connsiteY24"/>
+              </a:cxn>
+              <a:cxn ang="0">
+                <a:pos x="connsiteX25" y="connsiteY25"/>
+              </a:cxn>
+              <a:cxn ang="0">
+                <a:pos x="connsiteX26" y="connsiteY26"/>
+              </a:cxn>
+              <a:cxn ang="0">
+                <a:pos x="connsiteX27" y="connsiteY27"/>
+              </a:cxn>
+              <a:cxn ang="0">
+                <a:pos x="connsiteX28" y="connsiteY28"/>
+              </a:cxn>
+              <a:cxn ang="0">
+                <a:pos x="connsiteX29" y="connsiteY29"/>
+              </a:cxn>
+              <a:cxn ang="0">
+                <a:pos x="connsiteX30" y="connsiteY30"/>
+              </a:cxn>
+              <a:cxn ang="0">
+                <a:pos x="connsiteX31" y="connsiteY31"/>
+              </a:cxn>
+              <a:cxn ang="0">
+                <a:pos x="connsiteX32" y="connsiteY32"/>
+              </a:cxn>
+              <a:cxn ang="0">
+                <a:pos x="connsiteX33" y="connsiteY33"/>
+              </a:cxn>
+              <a:cxn ang="0">
+                <a:pos x="connsiteX34" y="connsiteY34"/>
+              </a:cxn>
+              <a:cxn ang="0">
+                <a:pos x="connsiteX35" y="connsiteY35"/>
+              </a:cxn>
+              <a:cxn ang="0">
+                <a:pos x="connsiteX36" y="connsiteY36"/>
+              </a:cxn>
+              <a:cxn ang="0">
+                <a:pos x="connsiteX37" y="connsiteY37"/>
+              </a:cxn>
+              <a:cxn ang="0">
+                <a:pos x="connsiteX38" y="connsiteY38"/>
+              </a:cxn>
+              <a:cxn ang="0">
+                <a:pos x="connsiteX39" y="connsiteY39"/>
+              </a:cxn>
+              <a:cxn ang="0">
+                <a:pos x="connsiteX40" y="connsiteY40"/>
+              </a:cxn>
+              <a:cxn ang="0">
+                <a:pos x="connsiteX41" y="connsiteY41"/>
+              </a:cxn>
+              <a:cxn ang="0">
+                <a:pos x="connsiteX42" y="connsiteY42"/>
+              </a:cxn>
+              <a:cxn ang="0">
+                <a:pos x="connsiteX43" y="connsiteY43"/>
+              </a:cxn>
+              <a:cxn ang="0">
+                <a:pos x="connsiteX44" y="connsiteY44"/>
+              </a:cxn>
+              <a:cxn ang="0">
+                <a:pos x="connsiteX45" y="connsiteY45"/>
+              </a:cxn>
+              <a:cxn ang="0">
+                <a:pos x="connsiteX46" y="connsiteY46"/>
+              </a:cxn>
+              <a:cxn ang="0">
+                <a:pos x="connsiteX47" y="connsiteY47"/>
+              </a:cxn>
+              <a:cxn ang="0">
+                <a:pos x="connsiteX48" y="connsiteY48"/>
+              </a:cxn>
+              <a:cxn ang="0">
+                <a:pos x="connsiteX49" y="connsiteY49"/>
+              </a:cxn>
+              <a:cxn ang="0">
+                <a:pos x="connsiteX50" y="connsiteY50"/>
+              </a:cxn>
+              <a:cxn ang="0">
+                <a:pos x="connsiteX51" y="connsiteY51"/>
+              </a:cxn>
+            </a:cxnLst>
+            <a:rect l="l" t="t" r="r" b="b"/>
+            <a:pathLst>
+              <a:path w="7537703" h="6858000">
+                <a:moveTo>
+                  <a:pt x="0" y="0"/>
+                </a:moveTo>
+                <a:lnTo>
+                  <a:pt x="7537703" y="0"/>
+                </a:lnTo>
+                <a:lnTo>
+                  <a:pt x="7537703" y="6858000"/>
+                </a:lnTo>
+                <a:lnTo>
+                  <a:pt x="20957" y="6858000"/>
+                </a:lnTo>
+                <a:lnTo>
+                  <a:pt x="46002" y="6702325"/>
+                </a:lnTo>
+                <a:lnTo>
+                  <a:pt x="69870" y="6547334"/>
+                </a:lnTo>
+                <a:lnTo>
+                  <a:pt x="93234" y="6391658"/>
+                </a:lnTo>
+                <a:lnTo>
+                  <a:pt x="113237" y="6235295"/>
+                </a:lnTo>
+                <a:lnTo>
+                  <a:pt x="133409" y="6079619"/>
+                </a:lnTo>
+                <a:lnTo>
+                  <a:pt x="152234" y="5923256"/>
+                </a:lnTo>
+                <a:lnTo>
+                  <a:pt x="168370" y="5768951"/>
+                </a:lnTo>
+                <a:lnTo>
+                  <a:pt x="183667" y="5612589"/>
+                </a:lnTo>
+                <a:lnTo>
+                  <a:pt x="197619" y="5456912"/>
+                </a:lnTo>
+                <a:lnTo>
+                  <a:pt x="209720" y="5303979"/>
+                </a:lnTo>
+                <a:lnTo>
+                  <a:pt x="221823" y="5148988"/>
+                </a:lnTo>
+                <a:lnTo>
+                  <a:pt x="231908" y="4996055"/>
+                </a:lnTo>
+                <a:lnTo>
+                  <a:pt x="239808" y="4843121"/>
+                </a:lnTo>
+                <a:lnTo>
+                  <a:pt x="248045" y="4690874"/>
+                </a:lnTo>
+                <a:lnTo>
+                  <a:pt x="254936" y="4539998"/>
+                </a:lnTo>
+                <a:lnTo>
+                  <a:pt x="259811" y="4390493"/>
+                </a:lnTo>
+                <a:lnTo>
+                  <a:pt x="264014" y="4240989"/>
+                </a:lnTo>
+                <a:lnTo>
+                  <a:pt x="268047" y="4092856"/>
+                </a:lnTo>
+                <a:lnTo>
+                  <a:pt x="269897" y="3946781"/>
+                </a:lnTo>
+                <a:lnTo>
+                  <a:pt x="271913" y="3800705"/>
+                </a:lnTo>
+                <a:lnTo>
+                  <a:pt x="272922" y="3656687"/>
+                </a:lnTo>
+                <a:lnTo>
+                  <a:pt x="271913" y="3514041"/>
+                </a:lnTo>
+                <a:lnTo>
+                  <a:pt x="271913" y="3372766"/>
+                </a:lnTo>
+                <a:lnTo>
+                  <a:pt x="269897" y="3232863"/>
+                </a:lnTo>
+                <a:lnTo>
+                  <a:pt x="266871" y="3095703"/>
+                </a:lnTo>
+                <a:lnTo>
+                  <a:pt x="264014" y="2959915"/>
+                </a:lnTo>
+                <a:lnTo>
+                  <a:pt x="260820" y="2826869"/>
+                </a:lnTo>
+                <a:lnTo>
+                  <a:pt x="255946" y="2694510"/>
+                </a:lnTo>
+                <a:lnTo>
+                  <a:pt x="250734" y="2564209"/>
+                </a:lnTo>
+                <a:lnTo>
+                  <a:pt x="246028" y="2436650"/>
+                </a:lnTo>
+                <a:lnTo>
+                  <a:pt x="232749" y="2187704"/>
+                </a:lnTo>
+                <a:lnTo>
+                  <a:pt x="218630" y="1949046"/>
+                </a:lnTo>
+                <a:lnTo>
+                  <a:pt x="203837" y="1719989"/>
+                </a:lnTo>
+                <a:lnTo>
+                  <a:pt x="187532" y="1503276"/>
+                </a:lnTo>
+                <a:lnTo>
+                  <a:pt x="170555" y="1296164"/>
+                </a:lnTo>
+                <a:lnTo>
+                  <a:pt x="152234" y="1104140"/>
+                </a:lnTo>
+                <a:lnTo>
+                  <a:pt x="134248" y="923775"/>
+                </a:lnTo>
+                <a:lnTo>
+                  <a:pt x="116263" y="757811"/>
+                </a:lnTo>
+                <a:lnTo>
+                  <a:pt x="99286" y="605564"/>
+                </a:lnTo>
+                <a:lnTo>
+                  <a:pt x="83149" y="470461"/>
+                </a:lnTo>
+                <a:lnTo>
+                  <a:pt x="67853" y="348389"/>
+                </a:lnTo>
+                <a:lnTo>
+                  <a:pt x="55078" y="245519"/>
+                </a:lnTo>
+                <a:lnTo>
+                  <a:pt x="42976" y="159108"/>
+                </a:lnTo>
+                <a:lnTo>
+                  <a:pt x="25662" y="40464"/>
+                </a:lnTo>
+                <a:lnTo>
+                  <a:pt x="19779" y="2"/>
+                </a:lnTo>
+                <a:lnTo>
+                  <a:pt x="26532" y="2"/>
+                </a:lnTo>
+                <a:lnTo>
+                  <a:pt x="26532" y="1"/>
+                </a:lnTo>
+                <a:lnTo>
+                  <a:pt x="0" y="1"/>
+                </a:lnTo>
+                <a:close/>
+              </a:path>
+            </a:pathLst>
+          </a:custGeom>
+          <a:ln>
+            <a:noFill/>
+          </a:ln>
+        </p:spPr>
+        <p:style>
+          <a:lnRef idx="2">
+            <a:schemeClr val="accent1">
+              <a:shade val="50000"/>
+            </a:schemeClr>
+          </a:lnRef>
+          <a:fillRef idx="1">
+            <a:schemeClr val="accent1"/>
+          </a:fillRef>
+          <a:effectRef idx="0">
+            <a:schemeClr val="accent1"/>
+          </a:effectRef>
+          <a:fontRef idx="minor">
+            <a:schemeClr val="lt1"/>
+          </a:fontRef>
+        </p:style>
+        <p:txBody>
+          <a:bodyPr rtlCol="0" anchor="ctr"/>
+          <a:lstStyle/>
+          <a:p>
+            <a:pPr algn="ctr"/>
+            <a:endParaRPr lang="en-US"/>
+          </a:p>
+        </p:txBody>
+      </p:sp>
+      <p:sp>
+        <p:nvSpPr>
+          <p:cNvPr id="3" name="Content Placeholder 2">
+            <a:extLst>
+              <a:ext uri="{FF2B5EF4-FFF2-40B4-BE49-F238E27FC236}">
+                <a16:creationId xmlns:a16="http://schemas.microsoft.com/office/drawing/2014/main" id="{B298E5E0-F94C-43A5-AF95-9C683FC12100}"/>
+              </a:ext>
+            </a:extLst>
+          </p:cNvPr>
+          <p:cNvSpPr>
+            <a:spLocks noGrp="1"/>
+          </p:cNvSpPr>
+          <p:nvPr>
+            <p:ph idx="1"/>
+          </p:nvPr>
+        </p:nvSpPr>
+        <p:spPr>
+          <a:xfrm>
+            <a:off x="685801" y="1083129"/>
+            <a:ext cx="5943599" cy="4691743"/>
+          </a:xfrm>
+        </p:spPr>
+        <p:txBody>
+          <a:bodyPr>
+            <a:normAutofit fontScale="92500" lnSpcReduction="10000"/>
+          </a:bodyPr>
+          <a:lstStyle/>
+          <a:p>
+            <a:r>
+              <a:rPr lang="en-US" dirty="0"/>
+              <a:t>For each generation, the previously described probabilities are calculated</a:t>
+            </a:r>
+          </a:p>
+          <a:p>
+            <a:r>
+              <a:rPr lang="en-US" dirty="0"/>
+              <a:t>Currently, only one operation per sequence is allowed per generation</a:t>
+            </a:r>
+          </a:p>
+          <a:p>
+            <a:r>
+              <a:rPr lang="en-US" dirty="0"/>
+              <a:t>If none of the probability rolls for duplication, extinction, and indel events are met, then the current sequence in the simulation is ran through the chosen evolutionary model where it will mutate (or not)</a:t>
+            </a:r>
+          </a:p>
+          <a:p>
+            <a:r>
+              <a:rPr lang="en-US" dirty="0"/>
+              <a:t>Each generation is saved to a Python dictionary</a:t>
+            </a:r>
+          </a:p>
+          <a:p>
+            <a:r>
+              <a:rPr lang="en-US" dirty="0"/>
+              <a:t>The plan is for the user to be able to access each sequence during whichever generation they choose post simulation to compare results during whatever step in the simulation they choose</a:t>
+            </a:r>
+          </a:p>
+          <a:p>
+            <a:r>
+              <a:rPr lang="en-US" dirty="0"/>
+              <a:t>They will also be provided the option of saving the Python dictionary to a file in JSON format which can be used to look at the results later</a:t>
+            </a:r>
+          </a:p>
+          <a:p>
+            <a:endParaRPr lang="en-US" dirty="0"/>
+          </a:p>
+        </p:txBody>
+      </p:sp>
+    </p:spTree>
+    <p:extLst>
+      <p:ext uri="{BB962C8B-B14F-4D97-AF65-F5344CB8AC3E}">
+        <p14:creationId xmlns:p14="http://schemas.microsoft.com/office/powerpoint/2010/main" val="1059266004"/>
       </p:ext>
     </p:extLst>
   </p:cSld>
@@ -18954,8 +22726,8 @@
           </a:fontRef>
         </p:style>
       </p:cxnSp>
-      <mc:AlternateContent xmlns:mc="http://schemas.openxmlformats.org/markup-compatibility/2006">
-        <mc:Choice xmlns:a14="http://schemas.microsoft.com/office/drawing/2010/main" Requires="a14">
+      <mc:AlternateContent xmlns:mc="http://schemas.openxmlformats.org/markup-compatibility/2006" xmlns:a14="http://schemas.microsoft.com/office/drawing/2010/main">
+        <mc:Choice Requires="a14">
           <p:sp>
             <p:nvSpPr>
               <p:cNvPr id="3" name="Content Placeholder 2">
@@ -19416,7 +23188,7 @@
             </p:txBody>
           </p:sp>
         </mc:Choice>
-        <mc:Fallback>
+        <mc:Fallback xmlns="">
           <p:sp>
             <p:nvSpPr>
               <p:cNvPr id="3" name="Content Placeholder 2">
@@ -19597,6 +23369,13 @@
             <a:r>
               <a:rPr lang="en-US" dirty="0"/>
               <a:t>than α	</a:t>
+            </a:r>
+          </a:p>
+          <a:p>
+            <a:pPr lvl="1"/>
+            <a:r>
+              <a:rPr lang="en-US" dirty="0"/>
+              <a:t>Transversions are known to be less common than transitions</a:t>
             </a:r>
           </a:p>
         </p:txBody>

--- a/Repliclade_final/Repliclade.pptx
+++ b/Repliclade_final/Repliclade.pptx
@@ -8062,7 +8062,7 @@
             <a:fld id="{B61BEF0D-F0BB-DE4B-95CE-6DB70DBA9567}" type="datetimeFigureOut">
               <a:rPr lang="en-US" dirty="0"/>
               <a:pPr/>
-              <a:t>2/1/2021</a:t>
+              <a:t>2/2/2021</a:t>
             </a:fld>
             <a:endParaRPr lang="en-US" dirty="0"/>
           </a:p>
@@ -8393,7 +8393,7 @@
             <a:fld id="{B61BEF0D-F0BB-DE4B-95CE-6DB70DBA9567}" type="datetimeFigureOut">
               <a:rPr lang="en-US" dirty="0"/>
               <a:pPr/>
-              <a:t>2/1/2021</a:t>
+              <a:t>2/2/2021</a:t>
             </a:fld>
             <a:endParaRPr lang="en-US" dirty="0"/>
           </a:p>
@@ -8668,7 +8668,7 @@
             <a:fld id="{B61BEF0D-F0BB-DE4B-95CE-6DB70DBA9567}" type="datetimeFigureOut">
               <a:rPr lang="en-US" dirty="0"/>
               <a:pPr/>
-              <a:t>2/1/2021</a:t>
+              <a:t>2/2/2021</a:t>
             </a:fld>
             <a:endParaRPr lang="en-US" dirty="0"/>
           </a:p>
@@ -9233,7 +9233,7 @@
             <a:fld id="{B61BEF0D-F0BB-DE4B-95CE-6DB70DBA9567}" type="datetimeFigureOut">
               <a:rPr lang="en-US" dirty="0"/>
               <a:pPr/>
-              <a:t>2/1/2021</a:t>
+              <a:t>2/2/2021</a:t>
             </a:fld>
             <a:endParaRPr lang="en-US" dirty="0"/>
           </a:p>
@@ -9508,7 +9508,7 @@
             <a:fld id="{B61BEF0D-F0BB-DE4B-95CE-6DB70DBA9567}" type="datetimeFigureOut">
               <a:rPr lang="en-US" dirty="0"/>
               <a:pPr/>
-              <a:t>2/1/2021</a:t>
+              <a:t>2/2/2021</a:t>
             </a:fld>
             <a:endParaRPr lang="en-US" dirty="0"/>
           </a:p>
@@ -10067,7 +10067,7 @@
             <a:fld id="{B61BEF0D-F0BB-DE4B-95CE-6DB70DBA9567}" type="datetimeFigureOut">
               <a:rPr lang="en-US" dirty="0"/>
               <a:pPr/>
-              <a:t>2/1/2021</a:t>
+              <a:t>2/2/2021</a:t>
             </a:fld>
             <a:endParaRPr lang="en-US" dirty="0"/>
           </a:p>
@@ -10391,7 +10391,7 @@
             <a:fld id="{B61BEF0D-F0BB-DE4B-95CE-6DB70DBA9567}" type="datetimeFigureOut">
               <a:rPr lang="en-US" dirty="0"/>
               <a:pPr/>
-              <a:t>2/1/2021</a:t>
+              <a:t>2/2/2021</a:t>
             </a:fld>
             <a:endParaRPr lang="en-US" dirty="0"/>
           </a:p>
@@ -10565,7 +10565,7 @@
             <a:fld id="{B61BEF0D-F0BB-DE4B-95CE-6DB70DBA9567}" type="datetimeFigureOut">
               <a:rPr lang="en-US" dirty="0"/>
               <a:pPr/>
-              <a:t>2/1/2021</a:t>
+              <a:t>2/2/2021</a:t>
             </a:fld>
             <a:endParaRPr lang="en-US" dirty="0"/>
           </a:p>
@@ -10800,7 +10800,7 @@
             <a:fld id="{B61BEF0D-F0BB-DE4B-95CE-6DB70DBA9567}" type="datetimeFigureOut">
               <a:rPr lang="en-US" dirty="0"/>
               <a:pPr/>
-              <a:t>2/1/2021</a:t>
+              <a:t>2/2/2021</a:t>
             </a:fld>
             <a:endParaRPr lang="en-US" dirty="0"/>
           </a:p>
@@ -10997,7 +10997,7 @@
             <a:fld id="{B61BEF0D-F0BB-DE4B-95CE-6DB70DBA9567}" type="datetimeFigureOut">
               <a:rPr lang="en-US" dirty="0"/>
               <a:pPr/>
-              <a:t>2/1/2021</a:t>
+              <a:t>2/2/2021</a:t>
             </a:fld>
             <a:endParaRPr lang="en-US" dirty="0"/>
           </a:p>
@@ -11270,7 +11270,7 @@
             <a:fld id="{B61BEF0D-F0BB-DE4B-95CE-6DB70DBA9567}" type="datetimeFigureOut">
               <a:rPr lang="en-US" dirty="0"/>
               <a:pPr/>
-              <a:t>2/1/2021</a:t>
+              <a:t>2/2/2021</a:t>
             </a:fld>
             <a:endParaRPr lang="en-US" dirty="0"/>
           </a:p>
@@ -11533,7 +11533,7 @@
             <a:fld id="{B61BEF0D-F0BB-DE4B-95CE-6DB70DBA9567}" type="datetimeFigureOut">
               <a:rPr lang="en-US" dirty="0"/>
               <a:pPr/>
-              <a:t>2/1/2021</a:t>
+              <a:t>2/2/2021</a:t>
             </a:fld>
             <a:endParaRPr lang="en-US" dirty="0"/>
           </a:p>
@@ -11904,7 +11904,7 @@
             <a:fld id="{B61BEF0D-F0BB-DE4B-95CE-6DB70DBA9567}" type="datetimeFigureOut">
               <a:rPr lang="en-US" dirty="0"/>
               <a:pPr/>
-              <a:t>2/1/2021</a:t>
+              <a:t>2/2/2021</a:t>
             </a:fld>
             <a:endParaRPr lang="en-US" dirty="0"/>
           </a:p>
@@ -12049,7 +12049,7 @@
             <a:fld id="{B61BEF0D-F0BB-DE4B-95CE-6DB70DBA9567}" type="datetimeFigureOut">
               <a:rPr lang="en-US" dirty="0"/>
               <a:pPr/>
-              <a:t>2/1/2021</a:t>
+              <a:t>2/2/2021</a:t>
             </a:fld>
             <a:endParaRPr lang="en-US" dirty="0"/>
           </a:p>
@@ -12171,7 +12171,7 @@
             <a:fld id="{B61BEF0D-F0BB-DE4B-95CE-6DB70DBA9567}" type="datetimeFigureOut">
               <a:rPr lang="en-US" dirty="0"/>
               <a:pPr/>
-              <a:t>2/1/2021</a:t>
+              <a:t>2/2/2021</a:t>
             </a:fld>
             <a:endParaRPr lang="en-US" dirty="0"/>
           </a:p>
@@ -12453,7 +12453,7 @@
             <a:fld id="{B61BEF0D-F0BB-DE4B-95CE-6DB70DBA9567}" type="datetimeFigureOut">
               <a:rPr lang="en-US" dirty="0"/>
               <a:pPr/>
-              <a:t>2/1/2021</a:t>
+              <a:t>2/2/2021</a:t>
             </a:fld>
             <a:endParaRPr lang="en-US" dirty="0"/>
           </a:p>
@@ -12774,7 +12774,7 @@
             <a:fld id="{B61BEF0D-F0BB-DE4B-95CE-6DB70DBA9567}" type="datetimeFigureOut">
               <a:rPr lang="en-US" dirty="0"/>
               <a:pPr/>
-              <a:t>2/1/2021</a:t>
+              <a:t>2/2/2021</a:t>
             </a:fld>
             <a:endParaRPr lang="en-US" dirty="0"/>
           </a:p>
@@ -12985,7 +12985,7 @@
             <a:fld id="{B61BEF0D-F0BB-DE4B-95CE-6DB70DBA9567}" type="datetimeFigureOut">
               <a:rPr lang="en-US" dirty="0"/>
               <a:pPr/>
-              <a:t>2/1/2021</a:t>
+              <a:t>2/2/2021</a:t>
             </a:fld>
             <a:endParaRPr lang="en-US" dirty="0"/>
           </a:p>

--- a/Repliclade_final/Repliclade.pptx
+++ b/Repliclade_final/Repliclade.pptx
@@ -33,6 +33,7 @@
     <p:sldId id="284" r:id="rId27"/>
     <p:sldId id="282" r:id="rId28"/>
     <p:sldId id="283" r:id="rId29"/>
+    <p:sldId id="285" r:id="rId30"/>
   </p:sldIdLst>
   <p:sldSz cx="12192000" cy="6858000"/>
   <p:notesSz cx="6858000" cy="9144000"/>
@@ -8062,7 +8063,7 @@
             <a:fld id="{B61BEF0D-F0BB-DE4B-95CE-6DB70DBA9567}" type="datetimeFigureOut">
               <a:rPr lang="en-US" dirty="0"/>
               <a:pPr/>
-              <a:t>2/2/2021</a:t>
+              <a:t>2/4/21</a:t>
             </a:fld>
             <a:endParaRPr lang="en-US" dirty="0"/>
           </a:p>
@@ -8393,7 +8394,7 @@
             <a:fld id="{B61BEF0D-F0BB-DE4B-95CE-6DB70DBA9567}" type="datetimeFigureOut">
               <a:rPr lang="en-US" dirty="0"/>
               <a:pPr/>
-              <a:t>2/2/2021</a:t>
+              <a:t>2/4/21</a:t>
             </a:fld>
             <a:endParaRPr lang="en-US" dirty="0"/>
           </a:p>
@@ -8668,7 +8669,7 @@
             <a:fld id="{B61BEF0D-F0BB-DE4B-95CE-6DB70DBA9567}" type="datetimeFigureOut">
               <a:rPr lang="en-US" dirty="0"/>
               <a:pPr/>
-              <a:t>2/2/2021</a:t>
+              <a:t>2/4/21</a:t>
             </a:fld>
             <a:endParaRPr lang="en-US" dirty="0"/>
           </a:p>
@@ -9233,7 +9234,7 @@
             <a:fld id="{B61BEF0D-F0BB-DE4B-95CE-6DB70DBA9567}" type="datetimeFigureOut">
               <a:rPr lang="en-US" dirty="0"/>
               <a:pPr/>
-              <a:t>2/2/2021</a:t>
+              <a:t>2/4/21</a:t>
             </a:fld>
             <a:endParaRPr lang="en-US" dirty="0"/>
           </a:p>
@@ -9508,7 +9509,7 @@
             <a:fld id="{B61BEF0D-F0BB-DE4B-95CE-6DB70DBA9567}" type="datetimeFigureOut">
               <a:rPr lang="en-US" dirty="0"/>
               <a:pPr/>
-              <a:t>2/2/2021</a:t>
+              <a:t>2/4/21</a:t>
             </a:fld>
             <a:endParaRPr lang="en-US" dirty="0"/>
           </a:p>
@@ -10067,7 +10068,7 @@
             <a:fld id="{B61BEF0D-F0BB-DE4B-95CE-6DB70DBA9567}" type="datetimeFigureOut">
               <a:rPr lang="en-US" dirty="0"/>
               <a:pPr/>
-              <a:t>2/2/2021</a:t>
+              <a:t>2/4/21</a:t>
             </a:fld>
             <a:endParaRPr lang="en-US" dirty="0"/>
           </a:p>
@@ -10391,7 +10392,7 @@
             <a:fld id="{B61BEF0D-F0BB-DE4B-95CE-6DB70DBA9567}" type="datetimeFigureOut">
               <a:rPr lang="en-US" dirty="0"/>
               <a:pPr/>
-              <a:t>2/2/2021</a:t>
+              <a:t>2/4/21</a:t>
             </a:fld>
             <a:endParaRPr lang="en-US" dirty="0"/>
           </a:p>
@@ -10565,7 +10566,7 @@
             <a:fld id="{B61BEF0D-F0BB-DE4B-95CE-6DB70DBA9567}" type="datetimeFigureOut">
               <a:rPr lang="en-US" dirty="0"/>
               <a:pPr/>
-              <a:t>2/2/2021</a:t>
+              <a:t>2/4/21</a:t>
             </a:fld>
             <a:endParaRPr lang="en-US" dirty="0"/>
           </a:p>
@@ -10800,7 +10801,7 @@
             <a:fld id="{B61BEF0D-F0BB-DE4B-95CE-6DB70DBA9567}" type="datetimeFigureOut">
               <a:rPr lang="en-US" dirty="0"/>
               <a:pPr/>
-              <a:t>2/2/2021</a:t>
+              <a:t>2/4/21</a:t>
             </a:fld>
             <a:endParaRPr lang="en-US" dirty="0"/>
           </a:p>
@@ -10997,7 +10998,7 @@
             <a:fld id="{B61BEF0D-F0BB-DE4B-95CE-6DB70DBA9567}" type="datetimeFigureOut">
               <a:rPr lang="en-US" dirty="0"/>
               <a:pPr/>
-              <a:t>2/2/2021</a:t>
+              <a:t>2/4/21</a:t>
             </a:fld>
             <a:endParaRPr lang="en-US" dirty="0"/>
           </a:p>
@@ -11270,7 +11271,7 @@
             <a:fld id="{B61BEF0D-F0BB-DE4B-95CE-6DB70DBA9567}" type="datetimeFigureOut">
               <a:rPr lang="en-US" dirty="0"/>
               <a:pPr/>
-              <a:t>2/2/2021</a:t>
+              <a:t>2/4/21</a:t>
             </a:fld>
             <a:endParaRPr lang="en-US" dirty="0"/>
           </a:p>
@@ -11533,7 +11534,7 @@
             <a:fld id="{B61BEF0D-F0BB-DE4B-95CE-6DB70DBA9567}" type="datetimeFigureOut">
               <a:rPr lang="en-US" dirty="0"/>
               <a:pPr/>
-              <a:t>2/2/2021</a:t>
+              <a:t>2/4/21</a:t>
             </a:fld>
             <a:endParaRPr lang="en-US" dirty="0"/>
           </a:p>
@@ -11904,7 +11905,7 @@
             <a:fld id="{B61BEF0D-F0BB-DE4B-95CE-6DB70DBA9567}" type="datetimeFigureOut">
               <a:rPr lang="en-US" dirty="0"/>
               <a:pPr/>
-              <a:t>2/2/2021</a:t>
+              <a:t>2/4/21</a:t>
             </a:fld>
             <a:endParaRPr lang="en-US" dirty="0"/>
           </a:p>
@@ -12049,7 +12050,7 @@
             <a:fld id="{B61BEF0D-F0BB-DE4B-95CE-6DB70DBA9567}" type="datetimeFigureOut">
               <a:rPr lang="en-US" dirty="0"/>
               <a:pPr/>
-              <a:t>2/2/2021</a:t>
+              <a:t>2/4/21</a:t>
             </a:fld>
             <a:endParaRPr lang="en-US" dirty="0"/>
           </a:p>
@@ -12171,7 +12172,7 @@
             <a:fld id="{B61BEF0D-F0BB-DE4B-95CE-6DB70DBA9567}" type="datetimeFigureOut">
               <a:rPr lang="en-US" dirty="0"/>
               <a:pPr/>
-              <a:t>2/2/2021</a:t>
+              <a:t>2/4/21</a:t>
             </a:fld>
             <a:endParaRPr lang="en-US" dirty="0"/>
           </a:p>
@@ -12453,7 +12454,7 @@
             <a:fld id="{B61BEF0D-F0BB-DE4B-95CE-6DB70DBA9567}" type="datetimeFigureOut">
               <a:rPr lang="en-US" dirty="0"/>
               <a:pPr/>
-              <a:t>2/2/2021</a:t>
+              <a:t>2/4/21</a:t>
             </a:fld>
             <a:endParaRPr lang="en-US" dirty="0"/>
           </a:p>
@@ -12774,7 +12775,7 @@
             <a:fld id="{B61BEF0D-F0BB-DE4B-95CE-6DB70DBA9567}" type="datetimeFigureOut">
               <a:rPr lang="en-US" dirty="0"/>
               <a:pPr/>
-              <a:t>2/2/2021</a:t>
+              <a:t>2/4/21</a:t>
             </a:fld>
             <a:endParaRPr lang="en-US" dirty="0"/>
           </a:p>
@@ -12985,7 +12986,7 @@
             <a:fld id="{B61BEF0D-F0BB-DE4B-95CE-6DB70DBA9567}" type="datetimeFigureOut">
               <a:rPr lang="en-US" dirty="0"/>
               <a:pPr/>
-              <a:t>2/2/2021</a:t>
+              <a:t>2/4/21</a:t>
             </a:fld>
             <a:endParaRPr lang="en-US" dirty="0"/>
           </a:p>
@@ -15012,7 +15013,7 @@
           <a:p>
             <a:r>
               <a:rPr lang="en-US" dirty="0"/>
-              <a:t>The thought process behind these extractions will be discussed in the forthcoming slides</a:t>
+              <a:t>The thought process behind these extractions will be discussed in the upcoming slides</a:t>
             </a:r>
           </a:p>
         </p:txBody>
@@ -21431,6 +21432,89 @@
     <p:extLst>
       <p:ext uri="{BB962C8B-B14F-4D97-AF65-F5344CB8AC3E}">
         <p14:creationId xmlns:p14="http://schemas.microsoft.com/office/powerpoint/2010/main" val="1059266004"/>
+      </p:ext>
+    </p:extLst>
+  </p:cSld>
+  <p:clrMapOvr>
+    <a:masterClrMapping/>
+  </p:clrMapOvr>
+</p:sld>
+</file>
+
+<file path=ppt/slides/slide29.xml><?xml version="1.0" encoding="utf-8"?>
+<p:sld xmlns:a="http://schemas.openxmlformats.org/drawingml/2006/main" xmlns:r="http://schemas.openxmlformats.org/officeDocument/2006/relationships" xmlns:p="http://schemas.openxmlformats.org/presentationml/2006/main">
+  <p:cSld>
+    <p:spTree>
+      <p:nvGrpSpPr>
+        <p:cNvPr id="1" name=""/>
+        <p:cNvGrpSpPr/>
+        <p:nvPr/>
+      </p:nvGrpSpPr>
+      <p:grpSpPr>
+        <a:xfrm>
+          <a:off x="0" y="0"/>
+          <a:ext cx="0" cy="0"/>
+          <a:chOff x="0" y="0"/>
+          <a:chExt cx="0" cy="0"/>
+        </a:xfrm>
+      </p:grpSpPr>
+      <p:sp>
+        <p:nvSpPr>
+          <p:cNvPr id="2" name="Title 1">
+            <a:extLst>
+              <a:ext uri="{FF2B5EF4-FFF2-40B4-BE49-F238E27FC236}">
+                <a16:creationId xmlns:a16="http://schemas.microsoft.com/office/drawing/2014/main" id="{D38557D4-FD64-4348-81DD-6F6B7CE28DA6}"/>
+              </a:ext>
+            </a:extLst>
+          </p:cNvPr>
+          <p:cNvSpPr>
+            <a:spLocks noGrp="1"/>
+          </p:cNvSpPr>
+          <p:nvPr>
+            <p:ph type="title"/>
+          </p:nvPr>
+        </p:nvSpPr>
+        <p:spPr/>
+        <p:txBody>
+          <a:bodyPr/>
+          <a:lstStyle/>
+          <a:p>
+            <a:r>
+              <a:rPr lang="en-US" dirty="0"/>
+              <a:t>demo</a:t>
+            </a:r>
+          </a:p>
+        </p:txBody>
+      </p:sp>
+      <p:sp>
+        <p:nvSpPr>
+          <p:cNvPr id="3" name="Content Placeholder 2">
+            <a:extLst>
+              <a:ext uri="{FF2B5EF4-FFF2-40B4-BE49-F238E27FC236}">
+                <a16:creationId xmlns:a16="http://schemas.microsoft.com/office/drawing/2014/main" id="{ADD15F2F-06F4-064F-98B2-9DD5A4A28BC9}"/>
+              </a:ext>
+            </a:extLst>
+          </p:cNvPr>
+          <p:cNvSpPr>
+            <a:spLocks noGrp="1"/>
+          </p:cNvSpPr>
+          <p:nvPr>
+            <p:ph idx="1"/>
+          </p:nvPr>
+        </p:nvSpPr>
+        <p:spPr/>
+        <p:txBody>
+          <a:bodyPr/>
+          <a:lstStyle/>
+          <a:p>
+            <a:endParaRPr lang="en-US"/>
+          </a:p>
+        </p:txBody>
+      </p:sp>
+    </p:spTree>
+    <p:extLst>
+      <p:ext uri="{BB962C8B-B14F-4D97-AF65-F5344CB8AC3E}">
+        <p14:creationId xmlns:p14="http://schemas.microsoft.com/office/powerpoint/2010/main" val="3057471627"/>
       </p:ext>
     </p:extLst>
   </p:cSld>

--- a/Repliclade_final/Repliclade.pptx
+++ b/Repliclade_final/Repliclade.pptx
@@ -8063,7 +8063,7 @@
             <a:fld id="{B61BEF0D-F0BB-DE4B-95CE-6DB70DBA9567}" type="datetimeFigureOut">
               <a:rPr lang="en-US" dirty="0"/>
               <a:pPr/>
-              <a:t>2/4/21</a:t>
+              <a:t>2/5/2021</a:t>
             </a:fld>
             <a:endParaRPr lang="en-US" dirty="0"/>
           </a:p>
@@ -8394,7 +8394,7 @@
             <a:fld id="{B61BEF0D-F0BB-DE4B-95CE-6DB70DBA9567}" type="datetimeFigureOut">
               <a:rPr lang="en-US" dirty="0"/>
               <a:pPr/>
-              <a:t>2/4/21</a:t>
+              <a:t>2/5/2021</a:t>
             </a:fld>
             <a:endParaRPr lang="en-US" dirty="0"/>
           </a:p>
@@ -8669,7 +8669,7 @@
             <a:fld id="{B61BEF0D-F0BB-DE4B-95CE-6DB70DBA9567}" type="datetimeFigureOut">
               <a:rPr lang="en-US" dirty="0"/>
               <a:pPr/>
-              <a:t>2/4/21</a:t>
+              <a:t>2/5/2021</a:t>
             </a:fld>
             <a:endParaRPr lang="en-US" dirty="0"/>
           </a:p>
@@ -9234,7 +9234,7 @@
             <a:fld id="{B61BEF0D-F0BB-DE4B-95CE-6DB70DBA9567}" type="datetimeFigureOut">
               <a:rPr lang="en-US" dirty="0"/>
               <a:pPr/>
-              <a:t>2/4/21</a:t>
+              <a:t>2/5/2021</a:t>
             </a:fld>
             <a:endParaRPr lang="en-US" dirty="0"/>
           </a:p>
@@ -9509,7 +9509,7 @@
             <a:fld id="{B61BEF0D-F0BB-DE4B-95CE-6DB70DBA9567}" type="datetimeFigureOut">
               <a:rPr lang="en-US" dirty="0"/>
               <a:pPr/>
-              <a:t>2/4/21</a:t>
+              <a:t>2/5/2021</a:t>
             </a:fld>
             <a:endParaRPr lang="en-US" dirty="0"/>
           </a:p>
@@ -10068,7 +10068,7 @@
             <a:fld id="{B61BEF0D-F0BB-DE4B-95CE-6DB70DBA9567}" type="datetimeFigureOut">
               <a:rPr lang="en-US" dirty="0"/>
               <a:pPr/>
-              <a:t>2/4/21</a:t>
+              <a:t>2/5/2021</a:t>
             </a:fld>
             <a:endParaRPr lang="en-US" dirty="0"/>
           </a:p>
@@ -10392,7 +10392,7 @@
             <a:fld id="{B61BEF0D-F0BB-DE4B-95CE-6DB70DBA9567}" type="datetimeFigureOut">
               <a:rPr lang="en-US" dirty="0"/>
               <a:pPr/>
-              <a:t>2/4/21</a:t>
+              <a:t>2/5/2021</a:t>
             </a:fld>
             <a:endParaRPr lang="en-US" dirty="0"/>
           </a:p>
@@ -10566,7 +10566,7 @@
             <a:fld id="{B61BEF0D-F0BB-DE4B-95CE-6DB70DBA9567}" type="datetimeFigureOut">
               <a:rPr lang="en-US" dirty="0"/>
               <a:pPr/>
-              <a:t>2/4/21</a:t>
+              <a:t>2/5/2021</a:t>
             </a:fld>
             <a:endParaRPr lang="en-US" dirty="0"/>
           </a:p>
@@ -10801,7 +10801,7 @@
             <a:fld id="{B61BEF0D-F0BB-DE4B-95CE-6DB70DBA9567}" type="datetimeFigureOut">
               <a:rPr lang="en-US" dirty="0"/>
               <a:pPr/>
-              <a:t>2/4/21</a:t>
+              <a:t>2/5/2021</a:t>
             </a:fld>
             <a:endParaRPr lang="en-US" dirty="0"/>
           </a:p>
@@ -10998,7 +10998,7 @@
             <a:fld id="{B61BEF0D-F0BB-DE4B-95CE-6DB70DBA9567}" type="datetimeFigureOut">
               <a:rPr lang="en-US" dirty="0"/>
               <a:pPr/>
-              <a:t>2/4/21</a:t>
+              <a:t>2/5/2021</a:t>
             </a:fld>
             <a:endParaRPr lang="en-US" dirty="0"/>
           </a:p>
@@ -11271,7 +11271,7 @@
             <a:fld id="{B61BEF0D-F0BB-DE4B-95CE-6DB70DBA9567}" type="datetimeFigureOut">
               <a:rPr lang="en-US" dirty="0"/>
               <a:pPr/>
-              <a:t>2/4/21</a:t>
+              <a:t>2/5/2021</a:t>
             </a:fld>
             <a:endParaRPr lang="en-US" dirty="0"/>
           </a:p>
@@ -11534,7 +11534,7 @@
             <a:fld id="{B61BEF0D-F0BB-DE4B-95CE-6DB70DBA9567}" type="datetimeFigureOut">
               <a:rPr lang="en-US" dirty="0"/>
               <a:pPr/>
-              <a:t>2/4/21</a:t>
+              <a:t>2/5/2021</a:t>
             </a:fld>
             <a:endParaRPr lang="en-US" dirty="0"/>
           </a:p>
@@ -11905,7 +11905,7 @@
             <a:fld id="{B61BEF0D-F0BB-DE4B-95CE-6DB70DBA9567}" type="datetimeFigureOut">
               <a:rPr lang="en-US" dirty="0"/>
               <a:pPr/>
-              <a:t>2/4/21</a:t>
+              <a:t>2/5/2021</a:t>
             </a:fld>
             <a:endParaRPr lang="en-US" dirty="0"/>
           </a:p>
@@ -12050,7 +12050,7 @@
             <a:fld id="{B61BEF0D-F0BB-DE4B-95CE-6DB70DBA9567}" type="datetimeFigureOut">
               <a:rPr lang="en-US" dirty="0"/>
               <a:pPr/>
-              <a:t>2/4/21</a:t>
+              <a:t>2/5/2021</a:t>
             </a:fld>
             <a:endParaRPr lang="en-US" dirty="0"/>
           </a:p>
@@ -12172,7 +12172,7 @@
             <a:fld id="{B61BEF0D-F0BB-DE4B-95CE-6DB70DBA9567}" type="datetimeFigureOut">
               <a:rPr lang="en-US" dirty="0"/>
               <a:pPr/>
-              <a:t>2/4/21</a:t>
+              <a:t>2/5/2021</a:t>
             </a:fld>
             <a:endParaRPr lang="en-US" dirty="0"/>
           </a:p>
@@ -12454,7 +12454,7 @@
             <a:fld id="{B61BEF0D-F0BB-DE4B-95CE-6DB70DBA9567}" type="datetimeFigureOut">
               <a:rPr lang="en-US" dirty="0"/>
               <a:pPr/>
-              <a:t>2/4/21</a:t>
+              <a:t>2/5/2021</a:t>
             </a:fld>
             <a:endParaRPr lang="en-US" dirty="0"/>
           </a:p>
@@ -12775,7 +12775,7 @@
             <a:fld id="{B61BEF0D-F0BB-DE4B-95CE-6DB70DBA9567}" type="datetimeFigureOut">
               <a:rPr lang="en-US" dirty="0"/>
               <a:pPr/>
-              <a:t>2/4/21</a:t>
+              <a:t>2/5/2021</a:t>
             </a:fld>
             <a:endParaRPr lang="en-US" dirty="0"/>
           </a:p>
@@ -12986,7 +12986,7 @@
             <a:fld id="{B61BEF0D-F0BB-DE4B-95CE-6DB70DBA9567}" type="datetimeFigureOut">
               <a:rPr lang="en-US" dirty="0"/>
               <a:pPr/>
-              <a:t>2/4/21</a:t>
+              <a:t>2/5/2021</a:t>
             </a:fld>
             <a:endParaRPr lang="en-US" dirty="0"/>
           </a:p>
@@ -13522,7 +13522,7 @@
             </a:r>
             <a:r>
               <a:rPr lang="en-US" dirty="0"/>
-              <a:t>: An Evolutionary Simulator</a:t>
+              <a:t>: A Simulator of sequence evolution in gene families</a:t>
             </a:r>
           </a:p>
         </p:txBody>
@@ -15710,10 +15710,13 @@
           <a:lstStyle/>
           <a:p>
             <a:r>
-              <a:rPr lang="en-US"/>
-              <a:t>Repliclade – Esimtating effective population size</a:t>
-            </a:r>
-            <a:endParaRPr lang="en-US" dirty="0"/>
+              <a:rPr lang="en-US" dirty="0" err="1"/>
+              <a:t>Repliclade</a:t>
+            </a:r>
+            <a:r>
+              <a:rPr lang="en-US" dirty="0"/>
+              <a:t> – Estimating effective population size</a:t>
+            </a:r>
           </a:p>
         </p:txBody>
       </p:sp>
